--- a/60_RequirementsEngineering/Stakeholder.pptx
+++ b/60_RequirementsEngineering/Stakeholder.pptx
@@ -1,20 +1,20 @@
 
 <file path=ppt/presentation.xml><?xml version="1.0" encoding="utf-8"?>
-<p:presentation xmlns:a="http://schemas.openxmlformats.org/drawingml/2006/main" xmlns:r="http://schemas.openxmlformats.org/officeDocument/2006/relationships" xmlns:p="http://schemas.openxmlformats.org/presentationml/2006/main" saveSubsetFonts="1" autoCompressPictures="0">
+<p:presentation xmlns:a="http://schemas.openxmlformats.org/drawingml/2006/main" xmlns:r="http://schemas.openxmlformats.org/officeDocument/2006/relationships" xmlns:p="http://schemas.openxmlformats.org/presentationml/2006/main" saveSubsetFonts="1">
   <p:sldMasterIdLst>
-    <p:sldMasterId id="2147483678" r:id="rId1"/>
+    <p:sldMasterId id="2147483648" r:id="rId4"/>
   </p:sldMasterIdLst>
   <p:sldIdLst>
-    <p:sldId id="276" r:id="rId2"/>
-    <p:sldId id="394" r:id="rId3"/>
+    <p:sldId id="276" r:id="rId5"/>
+    <p:sldId id="394" r:id="rId6"/>
   </p:sldIdLst>
   <p:sldSz cx="12192000" cy="6858000"/>
   <p:notesSz cx="6858000" cy="9144000"/>
   <p:defaultTextStyle>
     <a:defPPr>
-      <a:defRPr lang="en-US"/>
+      <a:defRPr lang="de-DE"/>
     </a:defPPr>
-    <a:lvl1pPr marL="0" algn="l" defTabSz="457200" rtl="0" eaLnBrk="1" latinLnBrk="0" hangingPunct="1">
+    <a:lvl1pPr marL="0" algn="l" defTabSz="914400" rtl="0" eaLnBrk="1" latinLnBrk="0" hangingPunct="1">
       <a:defRPr sz="1800" kern="1200">
         <a:solidFill>
           <a:schemeClr val="tx1"/>
@@ -24,7 +24,7 @@
         <a:cs typeface="+mn-cs"/>
       </a:defRPr>
     </a:lvl1pPr>
-    <a:lvl2pPr marL="457200" algn="l" defTabSz="457200" rtl="0" eaLnBrk="1" latinLnBrk="0" hangingPunct="1">
+    <a:lvl2pPr marL="457200" algn="l" defTabSz="914400" rtl="0" eaLnBrk="1" latinLnBrk="0" hangingPunct="1">
       <a:defRPr sz="1800" kern="1200">
         <a:solidFill>
           <a:schemeClr val="tx1"/>
@@ -34,7 +34,7 @@
         <a:cs typeface="+mn-cs"/>
       </a:defRPr>
     </a:lvl2pPr>
-    <a:lvl3pPr marL="914400" algn="l" defTabSz="457200" rtl="0" eaLnBrk="1" latinLnBrk="0" hangingPunct="1">
+    <a:lvl3pPr marL="914400" algn="l" defTabSz="914400" rtl="0" eaLnBrk="1" latinLnBrk="0" hangingPunct="1">
       <a:defRPr sz="1800" kern="1200">
         <a:solidFill>
           <a:schemeClr val="tx1"/>
@@ -44,7 +44,7 @@
         <a:cs typeface="+mn-cs"/>
       </a:defRPr>
     </a:lvl3pPr>
-    <a:lvl4pPr marL="1371600" algn="l" defTabSz="457200" rtl="0" eaLnBrk="1" latinLnBrk="0" hangingPunct="1">
+    <a:lvl4pPr marL="1371600" algn="l" defTabSz="914400" rtl="0" eaLnBrk="1" latinLnBrk="0" hangingPunct="1">
       <a:defRPr sz="1800" kern="1200">
         <a:solidFill>
           <a:schemeClr val="tx1"/>
@@ -54,7 +54,7 @@
         <a:cs typeface="+mn-cs"/>
       </a:defRPr>
     </a:lvl4pPr>
-    <a:lvl5pPr marL="1828800" algn="l" defTabSz="457200" rtl="0" eaLnBrk="1" latinLnBrk="0" hangingPunct="1">
+    <a:lvl5pPr marL="1828800" algn="l" defTabSz="914400" rtl="0" eaLnBrk="1" latinLnBrk="0" hangingPunct="1">
       <a:defRPr sz="1800" kern="1200">
         <a:solidFill>
           <a:schemeClr val="tx1"/>
@@ -64,7 +64,7 @@
         <a:cs typeface="+mn-cs"/>
       </a:defRPr>
     </a:lvl5pPr>
-    <a:lvl6pPr marL="2286000" algn="l" defTabSz="457200" rtl="0" eaLnBrk="1" latinLnBrk="0" hangingPunct="1">
+    <a:lvl6pPr marL="2286000" algn="l" defTabSz="914400" rtl="0" eaLnBrk="1" latinLnBrk="0" hangingPunct="1">
       <a:defRPr sz="1800" kern="1200">
         <a:solidFill>
           <a:schemeClr val="tx1"/>
@@ -74,7 +74,7 @@
         <a:cs typeface="+mn-cs"/>
       </a:defRPr>
     </a:lvl6pPr>
-    <a:lvl7pPr marL="2743200" algn="l" defTabSz="457200" rtl="0" eaLnBrk="1" latinLnBrk="0" hangingPunct="1">
+    <a:lvl7pPr marL="2743200" algn="l" defTabSz="914400" rtl="0" eaLnBrk="1" latinLnBrk="0" hangingPunct="1">
       <a:defRPr sz="1800" kern="1200">
         <a:solidFill>
           <a:schemeClr val="tx1"/>
@@ -84,7 +84,7 @@
         <a:cs typeface="+mn-cs"/>
       </a:defRPr>
     </a:lvl7pPr>
-    <a:lvl8pPr marL="3200400" algn="l" defTabSz="457200" rtl="0" eaLnBrk="1" latinLnBrk="0" hangingPunct="1">
+    <a:lvl8pPr marL="3200400" algn="l" defTabSz="914400" rtl="0" eaLnBrk="1" latinLnBrk="0" hangingPunct="1">
       <a:defRPr sz="1800" kern="1200">
         <a:solidFill>
           <a:schemeClr val="tx1"/>
@@ -94,7 +94,7 @@
         <a:cs typeface="+mn-cs"/>
       </a:defRPr>
     </a:lvl8pPr>
-    <a:lvl9pPr marL="3657600" algn="l" defTabSz="457200" rtl="0" eaLnBrk="1" latinLnBrk="0" hangingPunct="1">
+    <a:lvl9pPr marL="3657600" algn="l" defTabSz="914400" rtl="0" eaLnBrk="1" latinLnBrk="0" hangingPunct="1">
       <a:defRPr sz="1800" kern="1200">
         <a:solidFill>
           <a:schemeClr val="tx1"/>
@@ -105,16 +105,63 @@
       </a:defRPr>
     </a:lvl9pPr>
   </p:defaultTextStyle>
-  <p:extLst>
-    <p:ext uri="{EFAFB233-063F-42B5-8137-9DF3F51BA10A}">
-      <p15:sldGuideLst xmlns:p15="http://schemas.microsoft.com/office/powerpoint/2012/main"/>
-    </p:ext>
-  </p:extLst>
 </p:presentation>
 </file>
 
+<file path=ppt/changesInfos/changesInfo1.xml><?xml version="1.0" encoding="utf-8"?>
+<pc:chgInfo xmlns:a="http://schemas.openxmlformats.org/drawingml/2006/main" xmlns:r="http://schemas.openxmlformats.org/officeDocument/2006/relationships" xmlns:ac="http://schemas.microsoft.com/office/drawing/2013/main/command" xmlns:pc="http://schemas.microsoft.com/office/powerpoint/2013/main/command">
+  <pc:docChgLst>
+    <pc:chgData name="Wolf, Jonas" userId="ce93576c-8126-48e2-b1b2-02aeec5bfe13" providerId="ADAL" clId="{9143CE66-8425-47B3-A269-1D2BC76C903F}"/>
+    <pc:docChg chg="modSld">
+      <pc:chgData name="Wolf, Jonas" userId="ce93576c-8126-48e2-b1b2-02aeec5bfe13" providerId="ADAL" clId="{9143CE66-8425-47B3-A269-1D2BC76C903F}" dt="2019-10-28T22:20:56.808" v="15" actId="20577"/>
+      <pc:docMkLst>
+        <pc:docMk/>
+      </pc:docMkLst>
+      <pc:sldChg chg="modSp">
+        <pc:chgData name="Wolf, Jonas" userId="ce93576c-8126-48e2-b1b2-02aeec5bfe13" providerId="ADAL" clId="{9143CE66-8425-47B3-A269-1D2BC76C903F}" dt="2019-10-28T22:20:56.808" v="15" actId="20577"/>
+        <pc:sldMkLst>
+          <pc:docMk/>
+          <pc:sldMk cId="4229322968" sldId="276"/>
+        </pc:sldMkLst>
+        <pc:spChg chg="mod">
+          <ac:chgData name="Wolf, Jonas" userId="ce93576c-8126-48e2-b1b2-02aeec5bfe13" providerId="ADAL" clId="{9143CE66-8425-47B3-A269-1D2BC76C903F}" dt="2019-10-28T22:20:56.808" v="15" actId="20577"/>
+          <ac:spMkLst>
+            <pc:docMk/>
+            <pc:sldMk cId="4229322968" sldId="276"/>
+            <ac:spMk id="7" creationId="{658A977A-38DA-484B-B22B-E1243BA8470D}"/>
+          </ac:spMkLst>
+        </pc:spChg>
+      </pc:sldChg>
+      <pc:sldChg chg="modSp">
+        <pc:chgData name="Wolf, Jonas" userId="ce93576c-8126-48e2-b1b2-02aeec5bfe13" providerId="ADAL" clId="{9143CE66-8425-47B3-A269-1D2BC76C903F}" dt="2019-10-28T22:20:42.841" v="13" actId="20577"/>
+        <pc:sldMkLst>
+          <pc:docMk/>
+          <pc:sldMk cId="221391836" sldId="394"/>
+        </pc:sldMkLst>
+        <pc:spChg chg="mod">
+          <ac:chgData name="Wolf, Jonas" userId="ce93576c-8126-48e2-b1b2-02aeec5bfe13" providerId="ADAL" clId="{9143CE66-8425-47B3-A269-1D2BC76C903F}" dt="2019-10-28T22:20:42.841" v="13" actId="20577"/>
+          <ac:spMkLst>
+            <pc:docMk/>
+            <pc:sldMk cId="221391836" sldId="394"/>
+            <ac:spMk id="25" creationId="{0D025D8B-FF7C-4EF9-9186-0EB09C105E60}"/>
+          </ac:spMkLst>
+        </pc:spChg>
+        <pc:spChg chg="mod">
+          <ac:chgData name="Wolf, Jonas" userId="ce93576c-8126-48e2-b1b2-02aeec5bfe13" providerId="ADAL" clId="{9143CE66-8425-47B3-A269-1D2BC76C903F}" dt="2019-10-28T22:20:33.209" v="2" actId="20577"/>
+          <ac:spMkLst>
+            <pc:docMk/>
+            <pc:sldMk cId="221391836" sldId="394"/>
+            <ac:spMk id="31" creationId="{342C711B-6FF2-4C68-A18C-AB99460B77D0}"/>
+          </ac:spMkLst>
+        </pc:spChg>
+      </pc:sldChg>
+    </pc:docChg>
+  </pc:docChgLst>
+</pc:chgInfo>
+</file>
+
 <file path=ppt/slideLayouts/slideLayout1.xml><?xml version="1.0" encoding="utf-8"?>
-<p:sldLayout xmlns:a="http://schemas.openxmlformats.org/drawingml/2006/main" xmlns:r="http://schemas.openxmlformats.org/officeDocument/2006/relationships" xmlns:p="http://schemas.openxmlformats.org/presentationml/2006/main" showMasterSp="0" type="title" preserve="1">
+<p:sldLayout xmlns:a="http://schemas.openxmlformats.org/drawingml/2006/main" xmlns:r="http://schemas.openxmlformats.org/officeDocument/2006/relationships" xmlns:p="http://schemas.openxmlformats.org/presentationml/2006/main" type="title" preserve="1">
   <p:cSld name="Title Slide">
     <p:spTree>
       <p:nvGrpSpPr>
@@ -130,322 +177,15 @@
           <a:chExt cx="0" cy="0"/>
         </a:xfrm>
       </p:grpSpPr>
-      <p:grpSp>
-        <p:nvGrpSpPr>
-          <p:cNvPr id="19" name="Group 18"/>
-          <p:cNvGrpSpPr/>
-          <p:nvPr/>
-        </p:nvGrpSpPr>
-        <p:grpSpPr>
-          <a:xfrm>
-            <a:off x="546100" y="-4763"/>
-            <a:ext cx="5014912" cy="6862763"/>
-            <a:chOff x="2928938" y="-4763"/>
-            <a:chExt cx="5014912" cy="6862763"/>
-          </a:xfrm>
-        </p:grpSpPr>
-        <p:sp>
-          <p:nvSpPr>
-            <p:cNvPr id="22" name="Freeform 6"/>
-            <p:cNvSpPr/>
-            <p:nvPr/>
-          </p:nvSpPr>
-          <p:spPr bwMode="auto">
-            <a:xfrm>
-              <a:off x="3367088" y="-4763"/>
-              <a:ext cx="1063625" cy="2782888"/>
-            </a:xfrm>
-            <a:custGeom>
-              <a:avLst/>
-              <a:gdLst/>
-              <a:ahLst/>
-              <a:cxnLst/>
-              <a:rect l="0" t="0" r="r" b="b"/>
-              <a:pathLst>
-                <a:path w="670" h="1753">
-                  <a:moveTo>
-                    <a:pt x="0" y="1696"/>
-                  </a:moveTo>
-                  <a:lnTo>
-                    <a:pt x="225" y="1753"/>
-                  </a:lnTo>
-                  <a:lnTo>
-                    <a:pt x="670" y="0"/>
-                  </a:lnTo>
-                  <a:lnTo>
-                    <a:pt x="430" y="0"/>
-                  </a:lnTo>
-                  <a:lnTo>
-                    <a:pt x="0" y="1696"/>
-                  </a:lnTo>
-                  <a:close/>
-                </a:path>
-              </a:pathLst>
-            </a:custGeom>
-            <a:solidFill>
-              <a:schemeClr val="accent1"/>
-            </a:solidFill>
-            <a:ln>
-              <a:noFill/>
-            </a:ln>
-          </p:spPr>
-        </p:sp>
-        <p:sp>
-          <p:nvSpPr>
-            <p:cNvPr id="23" name="Freeform 7"/>
-            <p:cNvSpPr/>
-            <p:nvPr/>
-          </p:nvSpPr>
-          <p:spPr bwMode="auto">
-            <a:xfrm>
-              <a:off x="2928938" y="-4763"/>
-              <a:ext cx="1035050" cy="2673350"/>
-            </a:xfrm>
-            <a:custGeom>
-              <a:avLst/>
-              <a:gdLst/>
-              <a:ahLst/>
-              <a:cxnLst/>
-              <a:rect l="0" t="0" r="r" b="b"/>
-              <a:pathLst>
-                <a:path w="652" h="1684">
-                  <a:moveTo>
-                    <a:pt x="225" y="1684"/>
-                  </a:moveTo>
-                  <a:lnTo>
-                    <a:pt x="652" y="0"/>
-                  </a:lnTo>
-                  <a:lnTo>
-                    <a:pt x="411" y="0"/>
-                  </a:lnTo>
-                  <a:lnTo>
-                    <a:pt x="0" y="1627"/>
-                  </a:lnTo>
-                  <a:lnTo>
-                    <a:pt x="219" y="1681"/>
-                  </a:lnTo>
-                  <a:lnTo>
-                    <a:pt x="225" y="1684"/>
-                  </a:lnTo>
-                  <a:close/>
-                </a:path>
-              </a:pathLst>
-            </a:custGeom>
-            <a:solidFill>
-              <a:schemeClr val="tx1">
-                <a:lumMod val="65000"/>
-                <a:lumOff val="35000"/>
-              </a:schemeClr>
-            </a:solidFill>
-            <a:ln>
-              <a:noFill/>
-            </a:ln>
-          </p:spPr>
-        </p:sp>
-        <p:sp>
-          <p:nvSpPr>
-            <p:cNvPr id="24" name="Freeform 9"/>
-            <p:cNvSpPr/>
-            <p:nvPr/>
-          </p:nvSpPr>
-          <p:spPr bwMode="auto">
-            <a:xfrm>
-              <a:off x="2928938" y="2582862"/>
-              <a:ext cx="2693987" cy="4275138"/>
-            </a:xfrm>
-            <a:custGeom>
-              <a:avLst/>
-              <a:gdLst/>
-              <a:ahLst/>
-              <a:cxnLst/>
-              <a:rect l="0" t="0" r="r" b="b"/>
-              <a:pathLst>
-                <a:path w="1697" h="2693">
-                  <a:moveTo>
-                    <a:pt x="0" y="0"/>
-                  </a:moveTo>
-                  <a:lnTo>
-                    <a:pt x="1622" y="2693"/>
-                  </a:lnTo>
-                  <a:lnTo>
-                    <a:pt x="1697" y="2693"/>
-                  </a:lnTo>
-                  <a:lnTo>
-                    <a:pt x="0" y="0"/>
-                  </a:lnTo>
-                  <a:close/>
-                </a:path>
-              </a:pathLst>
-            </a:custGeom>
-            <a:solidFill>
-              <a:schemeClr val="tx1">
-                <a:lumMod val="85000"/>
-                <a:lumOff val="15000"/>
-              </a:schemeClr>
-            </a:solidFill>
-            <a:ln>
-              <a:noFill/>
-            </a:ln>
-          </p:spPr>
-        </p:sp>
-        <p:sp>
-          <p:nvSpPr>
-            <p:cNvPr id="25" name="Freeform 10"/>
-            <p:cNvSpPr/>
-            <p:nvPr/>
-          </p:nvSpPr>
-          <p:spPr bwMode="auto">
-            <a:xfrm>
-              <a:off x="3371850" y="2692400"/>
-              <a:ext cx="3332162" cy="4165600"/>
-            </a:xfrm>
-            <a:custGeom>
-              <a:avLst/>
-              <a:gdLst/>
-              <a:ahLst/>
-              <a:cxnLst/>
-              <a:rect l="0" t="0" r="r" b="b"/>
-              <a:pathLst>
-                <a:path w="2099" h="2624">
-                  <a:moveTo>
-                    <a:pt x="2099" y="2624"/>
-                  </a:moveTo>
-                  <a:lnTo>
-                    <a:pt x="0" y="0"/>
-                  </a:lnTo>
-                  <a:lnTo>
-                    <a:pt x="2021" y="2624"/>
-                  </a:lnTo>
-                  <a:lnTo>
-                    <a:pt x="2099" y="2624"/>
-                  </a:lnTo>
-                  <a:close/>
-                </a:path>
-              </a:pathLst>
-            </a:custGeom>
-            <a:solidFill>
-              <a:schemeClr val="accent1">
-                <a:lumMod val="50000"/>
-              </a:schemeClr>
-            </a:solidFill>
-            <a:ln>
-              <a:noFill/>
-            </a:ln>
-          </p:spPr>
-        </p:sp>
-        <p:sp>
-          <p:nvSpPr>
-            <p:cNvPr id="26" name="Freeform 11"/>
-            <p:cNvSpPr/>
-            <p:nvPr/>
-          </p:nvSpPr>
-          <p:spPr bwMode="auto">
-            <a:xfrm>
-              <a:off x="3367088" y="2687637"/>
-              <a:ext cx="4576762" cy="4170363"/>
-            </a:xfrm>
-            <a:custGeom>
-              <a:avLst/>
-              <a:gdLst/>
-              <a:ahLst/>
-              <a:cxnLst/>
-              <a:rect l="0" t="0" r="r" b="b"/>
-              <a:pathLst>
-                <a:path w="2883" h="2627">
-                  <a:moveTo>
-                    <a:pt x="0" y="0"/>
-                  </a:moveTo>
-                  <a:lnTo>
-                    <a:pt x="3" y="3"/>
-                  </a:lnTo>
-                  <a:lnTo>
-                    <a:pt x="2102" y="2627"/>
-                  </a:lnTo>
-                  <a:lnTo>
-                    <a:pt x="2883" y="2627"/>
-                  </a:lnTo>
-                  <a:lnTo>
-                    <a:pt x="225" y="57"/>
-                  </a:lnTo>
-                  <a:lnTo>
-                    <a:pt x="0" y="0"/>
-                  </a:lnTo>
-                  <a:close/>
-                </a:path>
-              </a:pathLst>
-            </a:custGeom>
-            <a:solidFill>
-              <a:schemeClr val="accent1">
-                <a:lumMod val="75000"/>
-              </a:schemeClr>
-            </a:solidFill>
-            <a:ln>
-              <a:noFill/>
-            </a:ln>
-          </p:spPr>
-        </p:sp>
-        <p:sp>
-          <p:nvSpPr>
-            <p:cNvPr id="27" name="Freeform 12"/>
-            <p:cNvSpPr/>
-            <p:nvPr/>
-          </p:nvSpPr>
-          <p:spPr bwMode="auto">
-            <a:xfrm>
-              <a:off x="2928938" y="2578100"/>
-              <a:ext cx="3584575" cy="4279900"/>
-            </a:xfrm>
-            <a:custGeom>
-              <a:avLst/>
-              <a:gdLst/>
-              <a:ahLst/>
-              <a:cxnLst/>
-              <a:rect l="0" t="0" r="r" b="b"/>
-              <a:pathLst>
-                <a:path w="2258" h="2696">
-                  <a:moveTo>
-                    <a:pt x="2258" y="2696"/>
-                  </a:moveTo>
-                  <a:lnTo>
-                    <a:pt x="264" y="111"/>
-                  </a:lnTo>
-                  <a:lnTo>
-                    <a:pt x="228" y="60"/>
-                  </a:lnTo>
-                  <a:lnTo>
-                    <a:pt x="225" y="57"/>
-                  </a:lnTo>
-                  <a:lnTo>
-                    <a:pt x="0" y="0"/>
-                  </a:lnTo>
-                  <a:lnTo>
-                    <a:pt x="0" y="3"/>
-                  </a:lnTo>
-                  <a:lnTo>
-                    <a:pt x="1697" y="2696"/>
-                  </a:lnTo>
-                  <a:lnTo>
-                    <a:pt x="2258" y="2696"/>
-                  </a:lnTo>
-                  <a:close/>
-                </a:path>
-              </a:pathLst>
-            </a:custGeom>
-            <a:solidFill>
-              <a:schemeClr val="tx1">
-                <a:lumMod val="75000"/>
-                <a:lumOff val="25000"/>
-              </a:schemeClr>
-            </a:solidFill>
-            <a:ln>
-              <a:noFill/>
-            </a:ln>
-          </p:spPr>
-        </p:sp>
-      </p:grpSp>
-      <p:sp>
-        <p:nvSpPr>
-          <p:cNvPr id="2" name="Title 1"/>
+      <p:sp>
+        <p:nvSpPr>
+          <p:cNvPr id="2" name="Title 1">
+            <a:extLst>
+              <a:ext uri="{FF2B5EF4-FFF2-40B4-BE49-F238E27FC236}">
+                <a16:creationId xmlns:a16="http://schemas.microsoft.com/office/drawing/2014/main" id="{4FA330D3-0820-4EAB-82BB-B2EB3FCD0968}"/>
+              </a:ext>
+            </a:extLst>
+          </p:cNvPr>
           <p:cNvSpPr>
             <a:spLocks noGrp="1"/>
           </p:cNvSpPr>
@@ -455,19 +195,15 @@
         </p:nvSpPr>
         <p:spPr>
           <a:xfrm>
-            <a:off x="2928401" y="1380068"/>
-            <a:ext cx="8574622" cy="2616199"/>
-          </a:xfrm>
-        </p:spPr>
-        <p:txBody>
-          <a:bodyPr anchor="b">
-            <a:normAutofit/>
-          </a:bodyPr>
+            <a:off x="1524000" y="1122363"/>
+            <a:ext cx="9144000" cy="2387600"/>
+          </a:xfrm>
+        </p:spPr>
+        <p:txBody>
+          <a:bodyPr anchor="b"/>
           <a:lstStyle>
-            <a:lvl1pPr algn="r">
-              <a:defRPr sz="6000">
-                <a:effectLst/>
-              </a:defRPr>
+            <a:lvl1pPr algn="ctr">
+              <a:defRPr sz="6000"/>
             </a:lvl1pPr>
           </a:lstStyle>
           <a:p>
@@ -475,13 +211,19 @@
               <a:rPr lang="en-US"/>
               <a:t>Click to edit Master title style</a:t>
             </a:r>
-            <a:endParaRPr lang="en-US" dirty="0"/>
-          </a:p>
-        </p:txBody>
-      </p:sp>
-      <p:sp>
-        <p:nvSpPr>
-          <p:cNvPr id="3" name="Subtitle 2"/>
+            <a:endParaRPr lang="de-DE"/>
+          </a:p>
+        </p:txBody>
+      </p:sp>
+      <p:sp>
+        <p:nvSpPr>
+          <p:cNvPr id="3" name="Subtitle 2">
+            <a:extLst>
+              <a:ext uri="{FF2B5EF4-FFF2-40B4-BE49-F238E27FC236}">
+                <a16:creationId xmlns:a16="http://schemas.microsoft.com/office/drawing/2014/main" id="{2E66ED6F-D7A6-4F95-9F9B-058343D4E68F}"/>
+              </a:ext>
+            </a:extLst>
+          </p:cNvPr>
           <p:cNvSpPr>
             <a:spLocks noGrp="1"/>
           </p:cNvSpPr>
@@ -491,102 +233,48 @@
         </p:nvSpPr>
         <p:spPr>
           <a:xfrm>
-            <a:off x="4515377" y="3996267"/>
-            <a:ext cx="6987645" cy="1388534"/>
-          </a:xfrm>
-        </p:spPr>
-        <p:txBody>
-          <a:bodyPr anchor="t">
-            <a:normAutofit/>
-          </a:bodyPr>
+            <a:off x="1524000" y="3602038"/>
+            <a:ext cx="9144000" cy="1655762"/>
+          </a:xfrm>
+        </p:spPr>
+        <p:txBody>
+          <a:bodyPr/>
           <a:lstStyle>
-            <a:lvl1pPr marL="0" indent="0" algn="r">
-              <a:buNone/>
-              <a:defRPr sz="2100">
-                <a:solidFill>
-                  <a:schemeClr val="tx1"/>
-                </a:solidFill>
-              </a:defRPr>
+            <a:lvl1pPr marL="0" indent="0" algn="ctr">
+              <a:buNone/>
+              <a:defRPr sz="2400"/>
             </a:lvl1pPr>
             <a:lvl2pPr marL="457200" indent="0" algn="ctr">
               <a:buNone/>
-              <a:defRPr>
-                <a:solidFill>
-                  <a:schemeClr val="tx1">
-                    <a:tint val="75000"/>
-                  </a:schemeClr>
-                </a:solidFill>
-              </a:defRPr>
+              <a:defRPr sz="2000"/>
             </a:lvl2pPr>
             <a:lvl3pPr marL="914400" indent="0" algn="ctr">
               <a:buNone/>
-              <a:defRPr>
-                <a:solidFill>
-                  <a:schemeClr val="tx1">
-                    <a:tint val="75000"/>
-                  </a:schemeClr>
-                </a:solidFill>
-              </a:defRPr>
+              <a:defRPr sz="1800"/>
             </a:lvl3pPr>
             <a:lvl4pPr marL="1371600" indent="0" algn="ctr">
               <a:buNone/>
-              <a:defRPr>
-                <a:solidFill>
-                  <a:schemeClr val="tx1">
-                    <a:tint val="75000"/>
-                  </a:schemeClr>
-                </a:solidFill>
-              </a:defRPr>
+              <a:defRPr sz="1600"/>
             </a:lvl4pPr>
             <a:lvl5pPr marL="1828800" indent="0" algn="ctr">
               <a:buNone/>
-              <a:defRPr>
-                <a:solidFill>
-                  <a:schemeClr val="tx1">
-                    <a:tint val="75000"/>
-                  </a:schemeClr>
-                </a:solidFill>
-              </a:defRPr>
+              <a:defRPr sz="1600"/>
             </a:lvl5pPr>
             <a:lvl6pPr marL="2286000" indent="0" algn="ctr">
               <a:buNone/>
-              <a:defRPr>
-                <a:solidFill>
-                  <a:schemeClr val="tx1">
-                    <a:tint val="75000"/>
-                  </a:schemeClr>
-                </a:solidFill>
-              </a:defRPr>
+              <a:defRPr sz="1600"/>
             </a:lvl6pPr>
             <a:lvl7pPr marL="2743200" indent="0" algn="ctr">
               <a:buNone/>
-              <a:defRPr>
-                <a:solidFill>
-                  <a:schemeClr val="tx1">
-                    <a:tint val="75000"/>
-                  </a:schemeClr>
-                </a:solidFill>
-              </a:defRPr>
+              <a:defRPr sz="1600"/>
             </a:lvl7pPr>
             <a:lvl8pPr marL="3200400" indent="0" algn="ctr">
               <a:buNone/>
-              <a:defRPr>
-                <a:solidFill>
-                  <a:schemeClr val="tx1">
-                    <a:tint val="75000"/>
-                  </a:schemeClr>
-                </a:solidFill>
-              </a:defRPr>
+              <a:defRPr sz="1600"/>
             </a:lvl8pPr>
             <a:lvl9pPr marL="3657600" indent="0" algn="ctr">
               <a:buNone/>
-              <a:defRPr>
-                <a:solidFill>
-                  <a:schemeClr val="tx1">
-                    <a:tint val="75000"/>
-                  </a:schemeClr>
-                </a:solidFill>
-              </a:defRPr>
+              <a:defRPr sz="1600"/>
             </a:lvl9pPr>
           </a:lstStyle>
           <a:p>
@@ -594,13 +282,19 @@
               <a:rPr lang="en-US"/>
               <a:t>Click to edit Master subtitle style</a:t>
             </a:r>
-            <a:endParaRPr lang="en-US" dirty="0"/>
-          </a:p>
-        </p:txBody>
-      </p:sp>
-      <p:sp>
-        <p:nvSpPr>
-          <p:cNvPr id="4" name="Date Placeholder 3"/>
+            <a:endParaRPr lang="de-DE"/>
+          </a:p>
+        </p:txBody>
+      </p:sp>
+      <p:sp>
+        <p:nvSpPr>
+          <p:cNvPr id="4" name="Date Placeholder 3">
+            <a:extLst>
+              <a:ext uri="{FF2B5EF4-FFF2-40B4-BE49-F238E27FC236}">
+                <a16:creationId xmlns:a16="http://schemas.microsoft.com/office/drawing/2014/main" id="{16798FA7-C98C-4F8F-9A06-2ED707BFBE1C}"/>
+              </a:ext>
+            </a:extLst>
+          </p:cNvPr>
           <p:cNvSpPr>
             <a:spLocks noGrp="1"/>
           </p:cNvSpPr>
@@ -613,7 +307,7 @@
           <a:bodyPr/>
           <a:lstStyle/>
           <a:p>
-            <a:fld id="{1E6DFE57-4DB8-458E-ABCC-E88A9FA087D4}" type="datetimeFigureOut">
+            <a:fld id="{8542452F-7325-4082-9F10-2831E9793E09}" type="datetimeFigureOut">
               <a:rPr lang="de-DE" smtClean="0"/>
               <a:t>28.10.2019</a:t>
             </a:fld>
@@ -623,7 +317,13 @@
       </p:sp>
       <p:sp>
         <p:nvSpPr>
-          <p:cNvPr id="5" name="Footer Placeholder 4"/>
+          <p:cNvPr id="5" name="Footer Placeholder 4">
+            <a:extLst>
+              <a:ext uri="{FF2B5EF4-FFF2-40B4-BE49-F238E27FC236}">
+                <a16:creationId xmlns:a16="http://schemas.microsoft.com/office/drawing/2014/main" id="{8D6476B2-ED72-4129-BE28-EE2E6F4BEECD}"/>
+              </a:ext>
+            </a:extLst>
+          </p:cNvPr>
           <p:cNvSpPr>
             <a:spLocks noGrp="1"/>
           </p:cNvSpPr>
@@ -631,12 +331,7 @@
             <p:ph type="ftr" sz="quarter" idx="11"/>
           </p:nvPr>
         </p:nvSpPr>
-        <p:spPr>
-          <a:xfrm>
-            <a:off x="5332412" y="5883275"/>
-            <a:ext cx="4324044" cy="365125"/>
-          </a:xfrm>
-        </p:spPr>
+        <p:spPr/>
         <p:txBody>
           <a:bodyPr/>
           <a:lstStyle/>
@@ -647,7 +342,13 @@
       </p:sp>
       <p:sp>
         <p:nvSpPr>
-          <p:cNvPr id="6" name="Slide Number Placeholder 5"/>
+          <p:cNvPr id="6" name="Slide Number Placeholder 5">
+            <a:extLst>
+              <a:ext uri="{FF2B5EF4-FFF2-40B4-BE49-F238E27FC236}">
+                <a16:creationId xmlns:a16="http://schemas.microsoft.com/office/drawing/2014/main" id="{FF1B0262-C9A0-44C8-8106-443B38D8CDBF}"/>
+              </a:ext>
+            </a:extLst>
+          </p:cNvPr>
           <p:cNvSpPr>
             <a:spLocks noGrp="1"/>
           </p:cNvSpPr>
@@ -660,7 +361,7 @@
           <a:bodyPr/>
           <a:lstStyle/>
           <a:p>
-            <a:fld id="{F2867057-3C75-4EE3-9A4B-CA5D31C27B3D}" type="slidenum">
+            <a:fld id="{8ECB431E-5797-47EF-A021-4BE5D67581D7}" type="slidenum">
               <a:rPr lang="de-DE" smtClean="0"/>
               <a:t>‹#›</a:t>
             </a:fld>
@@ -671,7 +372,7 @@
     </p:spTree>
     <p:extLst>
       <p:ext uri="{BB962C8B-B14F-4D97-AF65-F5344CB8AC3E}">
-        <p14:creationId xmlns:p14="http://schemas.microsoft.com/office/powerpoint/2010/main" val="1774143448"/>
+        <p14:creationId xmlns:p14="http://schemas.microsoft.com/office/powerpoint/2010/main" val="3745183804"/>
       </p:ext>
     </p:extLst>
   </p:cSld>
@@ -682,2162 +383,6 @@
 </file>
 
 <file path=ppt/slideLayouts/slideLayout10.xml><?xml version="1.0" encoding="utf-8"?>
-<p:sldLayout xmlns:a="http://schemas.openxmlformats.org/drawingml/2006/main" xmlns:r="http://schemas.openxmlformats.org/officeDocument/2006/relationships" xmlns:p="http://schemas.openxmlformats.org/presentationml/2006/main" preserve="1">
-  <p:cSld name="Panoramic Picture with Caption">
-    <p:spTree>
-      <p:nvGrpSpPr>
-        <p:cNvPr id="1" name=""/>
-        <p:cNvGrpSpPr/>
-        <p:nvPr/>
-      </p:nvGrpSpPr>
-      <p:grpSpPr>
-        <a:xfrm>
-          <a:off x="0" y="0"/>
-          <a:ext cx="0" cy="0"/>
-          <a:chOff x="0" y="0"/>
-          <a:chExt cx="0" cy="0"/>
-        </a:xfrm>
-      </p:grpSpPr>
-      <p:sp>
-        <p:nvSpPr>
-          <p:cNvPr id="2" name="Title 1"/>
-          <p:cNvSpPr>
-            <a:spLocks noGrp="1"/>
-          </p:cNvSpPr>
-          <p:nvPr>
-            <p:ph type="title"/>
-          </p:nvPr>
-        </p:nvSpPr>
-        <p:spPr>
-          <a:xfrm>
-            <a:off x="1484311" y="4732865"/>
-            <a:ext cx="10018711" cy="566738"/>
-          </a:xfrm>
-        </p:spPr>
-        <p:txBody>
-          <a:bodyPr anchor="b">
-            <a:normAutofit/>
-          </a:bodyPr>
-          <a:lstStyle>
-            <a:lvl1pPr algn="ctr">
-              <a:defRPr sz="2400" b="0"/>
-            </a:lvl1pPr>
-          </a:lstStyle>
-          <a:p>
-            <a:r>
-              <a:rPr lang="en-US"/>
-              <a:t>Click to edit Master title style</a:t>
-            </a:r>
-            <a:endParaRPr lang="en-US" dirty="0"/>
-          </a:p>
-        </p:txBody>
-      </p:sp>
-      <p:sp>
-        <p:nvSpPr>
-          <p:cNvPr id="3" name="Picture Placeholder 2"/>
-          <p:cNvSpPr>
-            <a:spLocks noGrp="1" noChangeAspect="1"/>
-          </p:cNvSpPr>
-          <p:nvPr>
-            <p:ph type="pic" idx="1"/>
-          </p:nvPr>
-        </p:nvSpPr>
-        <p:spPr>
-          <a:xfrm>
-            <a:off x="2386012" y="932112"/>
-            <a:ext cx="8225944" cy="3164976"/>
-          </a:xfrm>
-          <a:prstGeom prst="roundRect">
-            <a:avLst>
-              <a:gd name="adj" fmla="val 4380"/>
-            </a:avLst>
-          </a:prstGeom>
-          <a:ln w="38100">
-            <a:gradFill flip="none" rotWithShape="1">
-              <a:gsLst>
-                <a:gs pos="0">
-                  <a:schemeClr val="bg2"/>
-                </a:gs>
-                <a:gs pos="100000">
-                  <a:schemeClr val="bg2">
-                    <a:lumMod val="75000"/>
-                  </a:schemeClr>
-                </a:gs>
-              </a:gsLst>
-              <a:lin ang="5400000" scaled="0"/>
-              <a:tileRect/>
-            </a:gradFill>
-          </a:ln>
-          <a:effectLst>
-            <a:innerShdw blurRad="57150" dist="38100" dir="14460000">
-              <a:srgbClr val="000000">
-                <a:alpha val="70000"/>
-              </a:srgbClr>
-            </a:innerShdw>
-          </a:effectLst>
-        </p:spPr>
-        <p:txBody>
-          <a:bodyPr anchor="t">
-            <a:normAutofit/>
-          </a:bodyPr>
-          <a:lstStyle>
-            <a:lvl1pPr marL="0" indent="0" algn="ctr">
-              <a:buNone/>
-              <a:defRPr sz="1600"/>
-            </a:lvl1pPr>
-            <a:lvl2pPr marL="457200" indent="0">
-              <a:buNone/>
-              <a:defRPr sz="1600"/>
-            </a:lvl2pPr>
-            <a:lvl3pPr marL="914400" indent="0">
-              <a:buNone/>
-              <a:defRPr sz="1600"/>
-            </a:lvl3pPr>
-            <a:lvl4pPr marL="1371600" indent="0">
-              <a:buNone/>
-              <a:defRPr sz="1600"/>
-            </a:lvl4pPr>
-            <a:lvl5pPr marL="1828800" indent="0">
-              <a:buNone/>
-              <a:defRPr sz="1600"/>
-            </a:lvl5pPr>
-            <a:lvl6pPr marL="2286000" indent="0">
-              <a:buNone/>
-              <a:defRPr sz="1600"/>
-            </a:lvl6pPr>
-            <a:lvl7pPr marL="2743200" indent="0">
-              <a:buNone/>
-              <a:defRPr sz="1600"/>
-            </a:lvl7pPr>
-            <a:lvl8pPr marL="3200400" indent="0">
-              <a:buNone/>
-              <a:defRPr sz="1600"/>
-            </a:lvl8pPr>
-            <a:lvl9pPr marL="3657600" indent="0">
-              <a:buNone/>
-              <a:defRPr sz="1600"/>
-            </a:lvl9pPr>
-          </a:lstStyle>
-          <a:p>
-            <a:r>
-              <a:rPr lang="en-US"/>
-              <a:t>Click icon to add picture</a:t>
-            </a:r>
-            <a:endParaRPr lang="en-US" dirty="0"/>
-          </a:p>
-        </p:txBody>
-      </p:sp>
-      <p:sp>
-        <p:nvSpPr>
-          <p:cNvPr id="4" name="Text Placeholder 3"/>
-          <p:cNvSpPr>
-            <a:spLocks noGrp="1"/>
-          </p:cNvSpPr>
-          <p:nvPr>
-            <p:ph type="body" sz="half" idx="2"/>
-          </p:nvPr>
-        </p:nvSpPr>
-        <p:spPr>
-          <a:xfrm>
-            <a:off x="1484311" y="5299603"/>
-            <a:ext cx="10018711" cy="493712"/>
-          </a:xfrm>
-        </p:spPr>
-        <p:txBody>
-          <a:bodyPr>
-            <a:normAutofit/>
-          </a:bodyPr>
-          <a:lstStyle>
-            <a:lvl1pPr marL="0" indent="0" algn="ctr">
-              <a:buNone/>
-              <a:defRPr sz="1400"/>
-            </a:lvl1pPr>
-            <a:lvl2pPr marL="457200" indent="0">
-              <a:buNone/>
-              <a:defRPr sz="1200"/>
-            </a:lvl2pPr>
-            <a:lvl3pPr marL="914400" indent="0">
-              <a:buNone/>
-              <a:defRPr sz="1000"/>
-            </a:lvl3pPr>
-            <a:lvl4pPr marL="1371600" indent="0">
-              <a:buNone/>
-              <a:defRPr sz="900"/>
-            </a:lvl4pPr>
-            <a:lvl5pPr marL="1828800" indent="0">
-              <a:buNone/>
-              <a:defRPr sz="900"/>
-            </a:lvl5pPr>
-            <a:lvl6pPr marL="2286000" indent="0">
-              <a:buNone/>
-              <a:defRPr sz="900"/>
-            </a:lvl6pPr>
-            <a:lvl7pPr marL="2743200" indent="0">
-              <a:buNone/>
-              <a:defRPr sz="900"/>
-            </a:lvl7pPr>
-            <a:lvl8pPr marL="3200400" indent="0">
-              <a:buNone/>
-              <a:defRPr sz="900"/>
-            </a:lvl8pPr>
-            <a:lvl9pPr marL="3657600" indent="0">
-              <a:buNone/>
-              <a:defRPr sz="900"/>
-            </a:lvl9pPr>
-          </a:lstStyle>
-          <a:p>
-            <a:pPr lvl="0"/>
-            <a:r>
-              <a:rPr lang="en-US"/>
-              <a:t>Click to edit Master text styles</a:t>
-            </a:r>
-          </a:p>
-        </p:txBody>
-      </p:sp>
-      <p:sp>
-        <p:nvSpPr>
-          <p:cNvPr id="5" name="Date Placeholder 4"/>
-          <p:cNvSpPr>
-            <a:spLocks noGrp="1"/>
-          </p:cNvSpPr>
-          <p:nvPr>
-            <p:ph type="dt" sz="half" idx="10"/>
-          </p:nvPr>
-        </p:nvSpPr>
-        <p:spPr/>
-        <p:txBody>
-          <a:bodyPr/>
-          <a:lstStyle/>
-          <a:p>
-            <a:fld id="{1E6DFE57-4DB8-458E-ABCC-E88A9FA087D4}" type="datetimeFigureOut">
-              <a:rPr lang="de-DE" smtClean="0"/>
-              <a:t>28.10.2019</a:t>
-            </a:fld>
-            <a:endParaRPr lang="de-DE"/>
-          </a:p>
-        </p:txBody>
-      </p:sp>
-      <p:sp>
-        <p:nvSpPr>
-          <p:cNvPr id="6" name="Footer Placeholder 5"/>
-          <p:cNvSpPr>
-            <a:spLocks noGrp="1"/>
-          </p:cNvSpPr>
-          <p:nvPr>
-            <p:ph type="ftr" sz="quarter" idx="11"/>
-          </p:nvPr>
-        </p:nvSpPr>
-        <p:spPr/>
-        <p:txBody>
-          <a:bodyPr/>
-          <a:lstStyle/>
-          <a:p>
-            <a:endParaRPr lang="de-DE"/>
-          </a:p>
-        </p:txBody>
-      </p:sp>
-      <p:sp>
-        <p:nvSpPr>
-          <p:cNvPr id="7" name="Slide Number Placeholder 6"/>
-          <p:cNvSpPr>
-            <a:spLocks noGrp="1"/>
-          </p:cNvSpPr>
-          <p:nvPr>
-            <p:ph type="sldNum" sz="quarter" idx="12"/>
-          </p:nvPr>
-        </p:nvSpPr>
-        <p:spPr/>
-        <p:txBody>
-          <a:bodyPr/>
-          <a:lstStyle/>
-          <a:p>
-            <a:fld id="{F2867057-3C75-4EE3-9A4B-CA5D31C27B3D}" type="slidenum">
-              <a:rPr lang="de-DE" smtClean="0"/>
-              <a:t>‹#›</a:t>
-            </a:fld>
-            <a:endParaRPr lang="de-DE"/>
-          </a:p>
-        </p:txBody>
-      </p:sp>
-    </p:spTree>
-    <p:extLst>
-      <p:ext uri="{BB962C8B-B14F-4D97-AF65-F5344CB8AC3E}">
-        <p14:creationId xmlns:p14="http://schemas.microsoft.com/office/powerpoint/2010/main" val="9940596"/>
-      </p:ext>
-    </p:extLst>
-  </p:cSld>
-  <p:clrMapOvr>
-    <a:masterClrMapping/>
-  </p:clrMapOvr>
-</p:sldLayout>
-</file>
-
-<file path=ppt/slideLayouts/slideLayout11.xml><?xml version="1.0" encoding="utf-8"?>
-<p:sldLayout xmlns:a="http://schemas.openxmlformats.org/drawingml/2006/main" xmlns:r="http://schemas.openxmlformats.org/officeDocument/2006/relationships" xmlns:p="http://schemas.openxmlformats.org/presentationml/2006/main" preserve="1">
-  <p:cSld name="Title and Caption">
-    <p:spTree>
-      <p:nvGrpSpPr>
-        <p:cNvPr id="1" name=""/>
-        <p:cNvGrpSpPr/>
-        <p:nvPr/>
-      </p:nvGrpSpPr>
-      <p:grpSpPr>
-        <a:xfrm>
-          <a:off x="0" y="0"/>
-          <a:ext cx="0" cy="0"/>
-          <a:chOff x="0" y="0"/>
-          <a:chExt cx="0" cy="0"/>
-        </a:xfrm>
-      </p:grpSpPr>
-      <p:sp>
-        <p:nvSpPr>
-          <p:cNvPr id="2" name="Title 1"/>
-          <p:cNvSpPr>
-            <a:spLocks noGrp="1"/>
-          </p:cNvSpPr>
-          <p:nvPr>
-            <p:ph type="title"/>
-          </p:nvPr>
-        </p:nvSpPr>
-        <p:spPr>
-          <a:xfrm>
-            <a:off x="1484312" y="685800"/>
-            <a:ext cx="10018711" cy="3048000"/>
-          </a:xfrm>
-        </p:spPr>
-        <p:txBody>
-          <a:bodyPr anchor="ctr">
-            <a:normAutofit/>
-          </a:bodyPr>
-          <a:lstStyle>
-            <a:lvl1pPr algn="ctr">
-              <a:defRPr sz="3200" b="0" cap="none"/>
-            </a:lvl1pPr>
-          </a:lstStyle>
-          <a:p>
-            <a:r>
-              <a:rPr lang="en-US"/>
-              <a:t>Click to edit Master title style</a:t>
-            </a:r>
-            <a:endParaRPr lang="en-US" dirty="0"/>
-          </a:p>
-        </p:txBody>
-      </p:sp>
-      <p:sp>
-        <p:nvSpPr>
-          <p:cNvPr id="3" name="Text Placeholder 2"/>
-          <p:cNvSpPr>
-            <a:spLocks noGrp="1"/>
-          </p:cNvSpPr>
-          <p:nvPr>
-            <p:ph type="body" idx="1"/>
-          </p:nvPr>
-        </p:nvSpPr>
-        <p:spPr>
-          <a:xfrm>
-            <a:off x="1484312" y="4343400"/>
-            <a:ext cx="10018713" cy="1447800"/>
-          </a:xfrm>
-        </p:spPr>
-        <p:txBody>
-          <a:bodyPr anchor="ctr">
-            <a:normAutofit/>
-          </a:bodyPr>
-          <a:lstStyle>
-            <a:lvl1pPr marL="0" indent="0" algn="ctr">
-              <a:buNone/>
-              <a:defRPr sz="2000">
-                <a:solidFill>
-                  <a:schemeClr val="tx1"/>
-                </a:solidFill>
-              </a:defRPr>
-            </a:lvl1pPr>
-            <a:lvl2pPr marL="457200" indent="0">
-              <a:buNone/>
-              <a:defRPr sz="1800">
-                <a:solidFill>
-                  <a:schemeClr val="tx1">
-                    <a:tint val="75000"/>
-                  </a:schemeClr>
-                </a:solidFill>
-              </a:defRPr>
-            </a:lvl2pPr>
-            <a:lvl3pPr marL="914400" indent="0">
-              <a:buNone/>
-              <a:defRPr sz="1600">
-                <a:solidFill>
-                  <a:schemeClr val="tx1">
-                    <a:tint val="75000"/>
-                  </a:schemeClr>
-                </a:solidFill>
-              </a:defRPr>
-            </a:lvl3pPr>
-            <a:lvl4pPr marL="1371600" indent="0">
-              <a:buNone/>
-              <a:defRPr sz="1400">
-                <a:solidFill>
-                  <a:schemeClr val="tx1">
-                    <a:tint val="75000"/>
-                  </a:schemeClr>
-                </a:solidFill>
-              </a:defRPr>
-            </a:lvl4pPr>
-            <a:lvl5pPr marL="1828800" indent="0">
-              <a:buNone/>
-              <a:defRPr sz="1400">
-                <a:solidFill>
-                  <a:schemeClr val="tx1">
-                    <a:tint val="75000"/>
-                  </a:schemeClr>
-                </a:solidFill>
-              </a:defRPr>
-            </a:lvl5pPr>
-            <a:lvl6pPr marL="2286000" indent="0">
-              <a:buNone/>
-              <a:defRPr sz="1400">
-                <a:solidFill>
-                  <a:schemeClr val="tx1">
-                    <a:tint val="75000"/>
-                  </a:schemeClr>
-                </a:solidFill>
-              </a:defRPr>
-            </a:lvl6pPr>
-            <a:lvl7pPr marL="2743200" indent="0">
-              <a:buNone/>
-              <a:defRPr sz="1400">
-                <a:solidFill>
-                  <a:schemeClr val="tx1">
-                    <a:tint val="75000"/>
-                  </a:schemeClr>
-                </a:solidFill>
-              </a:defRPr>
-            </a:lvl7pPr>
-            <a:lvl8pPr marL="3200400" indent="0">
-              <a:buNone/>
-              <a:defRPr sz="1400">
-                <a:solidFill>
-                  <a:schemeClr val="tx1">
-                    <a:tint val="75000"/>
-                  </a:schemeClr>
-                </a:solidFill>
-              </a:defRPr>
-            </a:lvl8pPr>
-            <a:lvl9pPr marL="3657600" indent="0">
-              <a:buNone/>
-              <a:defRPr sz="1400">
-                <a:solidFill>
-                  <a:schemeClr val="tx1">
-                    <a:tint val="75000"/>
-                  </a:schemeClr>
-                </a:solidFill>
-              </a:defRPr>
-            </a:lvl9pPr>
-          </a:lstStyle>
-          <a:p>
-            <a:pPr lvl="0"/>
-            <a:r>
-              <a:rPr lang="en-US"/>
-              <a:t>Click to edit Master text styles</a:t>
-            </a:r>
-          </a:p>
-        </p:txBody>
-      </p:sp>
-      <p:sp>
-        <p:nvSpPr>
-          <p:cNvPr id="4" name="Date Placeholder 3"/>
-          <p:cNvSpPr>
-            <a:spLocks noGrp="1"/>
-          </p:cNvSpPr>
-          <p:nvPr>
-            <p:ph type="dt" sz="half" idx="10"/>
-          </p:nvPr>
-        </p:nvSpPr>
-        <p:spPr/>
-        <p:txBody>
-          <a:bodyPr/>
-          <a:lstStyle/>
-          <a:p>
-            <a:fld id="{1E6DFE57-4DB8-458E-ABCC-E88A9FA087D4}" type="datetimeFigureOut">
-              <a:rPr lang="de-DE" smtClean="0"/>
-              <a:t>28.10.2019</a:t>
-            </a:fld>
-            <a:endParaRPr lang="de-DE"/>
-          </a:p>
-        </p:txBody>
-      </p:sp>
-      <p:sp>
-        <p:nvSpPr>
-          <p:cNvPr id="5" name="Footer Placeholder 4"/>
-          <p:cNvSpPr>
-            <a:spLocks noGrp="1"/>
-          </p:cNvSpPr>
-          <p:nvPr>
-            <p:ph type="ftr" sz="quarter" idx="11"/>
-          </p:nvPr>
-        </p:nvSpPr>
-        <p:spPr/>
-        <p:txBody>
-          <a:bodyPr/>
-          <a:lstStyle/>
-          <a:p>
-            <a:endParaRPr lang="de-DE"/>
-          </a:p>
-        </p:txBody>
-      </p:sp>
-      <p:sp>
-        <p:nvSpPr>
-          <p:cNvPr id="6" name="Slide Number Placeholder 5"/>
-          <p:cNvSpPr>
-            <a:spLocks noGrp="1"/>
-          </p:cNvSpPr>
-          <p:nvPr>
-            <p:ph type="sldNum" sz="quarter" idx="12"/>
-          </p:nvPr>
-        </p:nvSpPr>
-        <p:spPr/>
-        <p:txBody>
-          <a:bodyPr/>
-          <a:lstStyle/>
-          <a:p>
-            <a:fld id="{F2867057-3C75-4EE3-9A4B-CA5D31C27B3D}" type="slidenum">
-              <a:rPr lang="de-DE" smtClean="0"/>
-              <a:t>‹#›</a:t>
-            </a:fld>
-            <a:endParaRPr lang="de-DE"/>
-          </a:p>
-        </p:txBody>
-      </p:sp>
-    </p:spTree>
-    <p:extLst>
-      <p:ext uri="{BB962C8B-B14F-4D97-AF65-F5344CB8AC3E}">
-        <p14:creationId xmlns:p14="http://schemas.microsoft.com/office/powerpoint/2010/main" val="80890673"/>
-      </p:ext>
-    </p:extLst>
-  </p:cSld>
-  <p:clrMapOvr>
-    <a:masterClrMapping/>
-  </p:clrMapOvr>
-</p:sldLayout>
-</file>
-
-<file path=ppt/slideLayouts/slideLayout12.xml><?xml version="1.0" encoding="utf-8"?>
-<p:sldLayout xmlns:a="http://schemas.openxmlformats.org/drawingml/2006/main" xmlns:r="http://schemas.openxmlformats.org/officeDocument/2006/relationships" xmlns:p="http://schemas.openxmlformats.org/presentationml/2006/main" preserve="1">
-  <p:cSld name="Quote with Caption">
-    <p:spTree>
-      <p:nvGrpSpPr>
-        <p:cNvPr id="1" name=""/>
-        <p:cNvGrpSpPr/>
-        <p:nvPr/>
-      </p:nvGrpSpPr>
-      <p:grpSpPr>
-        <a:xfrm>
-          <a:off x="0" y="0"/>
-          <a:ext cx="0" cy="0"/>
-          <a:chOff x="0" y="0"/>
-          <a:chExt cx="0" cy="0"/>
-        </a:xfrm>
-      </p:grpSpPr>
-      <p:sp>
-        <p:nvSpPr>
-          <p:cNvPr id="14" name="TextBox 13"/>
-          <p:cNvSpPr txBox="1"/>
-          <p:nvPr/>
-        </p:nvSpPr>
-        <p:spPr>
-          <a:xfrm>
-            <a:off x="1598612" y="863023"/>
-            <a:ext cx="609600" cy="584776"/>
-          </a:xfrm>
-          <a:prstGeom prst="rect">
-            <a:avLst/>
-          </a:prstGeom>
-        </p:spPr>
-        <p:txBody>
-          <a:bodyPr vert="horz" lIns="91440" tIns="45720" rIns="91440" bIns="45720" rtlCol="0" anchor="ctr">
-            <a:noAutofit/>
-          </a:bodyPr>
-          <a:lstStyle>
-            <a:lvl1pPr>
-              <a:spcBef>
-                <a:spcPct val="0"/>
-              </a:spcBef>
-              <a:buNone/>
-              <a:defRPr sz="3200" b="0" cap="all">
-                <a:ln w="3175" cmpd="sng">
-                  <a:noFill/>
-                </a:ln>
-                <a:effectLst>
-                  <a:glow rad="38100">
-                    <a:schemeClr val="bg1">
-                      <a:lumMod val="65000"/>
-                      <a:lumOff val="35000"/>
-                      <a:alpha val="40000"/>
-                    </a:schemeClr>
-                  </a:glow>
-                  <a:outerShdw blurRad="28575" dist="38100" dir="14040000" algn="tl" rotWithShape="0">
-                    <a:srgbClr val="000000">
-                      <a:alpha val="25000"/>
-                    </a:srgbClr>
-                  </a:outerShdw>
-                </a:effectLst>
-              </a:defRPr>
-            </a:lvl1pPr>
-            <a:lvl2pPr>
-              <a:defRPr>
-                <a:solidFill>
-                  <a:schemeClr val="tx2"/>
-                </a:solidFill>
-              </a:defRPr>
-            </a:lvl2pPr>
-            <a:lvl3pPr>
-              <a:defRPr>
-                <a:solidFill>
-                  <a:schemeClr val="tx2"/>
-                </a:solidFill>
-              </a:defRPr>
-            </a:lvl3pPr>
-            <a:lvl4pPr>
-              <a:defRPr>
-                <a:solidFill>
-                  <a:schemeClr val="tx2"/>
-                </a:solidFill>
-              </a:defRPr>
-            </a:lvl4pPr>
-            <a:lvl5pPr>
-              <a:defRPr>
-                <a:solidFill>
-                  <a:schemeClr val="tx2"/>
-                </a:solidFill>
-              </a:defRPr>
-            </a:lvl5pPr>
-            <a:lvl6pPr>
-              <a:defRPr>
-                <a:solidFill>
-                  <a:schemeClr val="tx2"/>
-                </a:solidFill>
-              </a:defRPr>
-            </a:lvl6pPr>
-            <a:lvl7pPr>
-              <a:defRPr>
-                <a:solidFill>
-                  <a:schemeClr val="tx2"/>
-                </a:solidFill>
-              </a:defRPr>
-            </a:lvl7pPr>
-            <a:lvl8pPr>
-              <a:defRPr>
-                <a:solidFill>
-                  <a:schemeClr val="tx2"/>
-                </a:solidFill>
-              </a:defRPr>
-            </a:lvl8pPr>
-            <a:lvl9pPr>
-              <a:defRPr>
-                <a:solidFill>
-                  <a:schemeClr val="tx2"/>
-                </a:solidFill>
-              </a:defRPr>
-            </a:lvl9pPr>
-          </a:lstStyle>
-          <a:p>
-            <a:pPr lvl="0"/>
-            <a:r>
-              <a:rPr lang="en-US" sz="8000" dirty="0">
-                <a:solidFill>
-                  <a:schemeClr val="tx1"/>
-                </a:solidFill>
-                <a:effectLst/>
-              </a:rPr>
-              <a:t>“</a:t>
-            </a:r>
-          </a:p>
-        </p:txBody>
-      </p:sp>
-      <p:sp>
-        <p:nvSpPr>
-          <p:cNvPr id="15" name="TextBox 14"/>
-          <p:cNvSpPr txBox="1"/>
-          <p:nvPr/>
-        </p:nvSpPr>
-        <p:spPr>
-          <a:xfrm>
-            <a:off x="10893425" y="2819399"/>
-            <a:ext cx="609600" cy="584776"/>
-          </a:xfrm>
-          <a:prstGeom prst="rect">
-            <a:avLst/>
-          </a:prstGeom>
-        </p:spPr>
-        <p:txBody>
-          <a:bodyPr vert="horz" lIns="91440" tIns="45720" rIns="91440" bIns="45720" rtlCol="0" anchor="ctr">
-            <a:noAutofit/>
-          </a:bodyPr>
-          <a:lstStyle>
-            <a:lvl1pPr>
-              <a:spcBef>
-                <a:spcPct val="0"/>
-              </a:spcBef>
-              <a:buNone/>
-              <a:defRPr sz="3200" b="0" cap="all">
-                <a:ln w="3175" cmpd="sng">
-                  <a:noFill/>
-                </a:ln>
-                <a:effectLst>
-                  <a:glow rad="38100">
-                    <a:schemeClr val="bg1">
-                      <a:lumMod val="65000"/>
-                      <a:lumOff val="35000"/>
-                      <a:alpha val="40000"/>
-                    </a:schemeClr>
-                  </a:glow>
-                  <a:outerShdw blurRad="28575" dist="38100" dir="14040000" algn="tl" rotWithShape="0">
-                    <a:srgbClr val="000000">
-                      <a:alpha val="25000"/>
-                    </a:srgbClr>
-                  </a:outerShdw>
-                </a:effectLst>
-              </a:defRPr>
-            </a:lvl1pPr>
-            <a:lvl2pPr>
-              <a:defRPr>
-                <a:solidFill>
-                  <a:schemeClr val="tx2"/>
-                </a:solidFill>
-              </a:defRPr>
-            </a:lvl2pPr>
-            <a:lvl3pPr>
-              <a:defRPr>
-                <a:solidFill>
-                  <a:schemeClr val="tx2"/>
-                </a:solidFill>
-              </a:defRPr>
-            </a:lvl3pPr>
-            <a:lvl4pPr>
-              <a:defRPr>
-                <a:solidFill>
-                  <a:schemeClr val="tx2"/>
-                </a:solidFill>
-              </a:defRPr>
-            </a:lvl4pPr>
-            <a:lvl5pPr>
-              <a:defRPr>
-                <a:solidFill>
-                  <a:schemeClr val="tx2"/>
-                </a:solidFill>
-              </a:defRPr>
-            </a:lvl5pPr>
-            <a:lvl6pPr>
-              <a:defRPr>
-                <a:solidFill>
-                  <a:schemeClr val="tx2"/>
-                </a:solidFill>
-              </a:defRPr>
-            </a:lvl6pPr>
-            <a:lvl7pPr>
-              <a:defRPr>
-                <a:solidFill>
-                  <a:schemeClr val="tx2"/>
-                </a:solidFill>
-              </a:defRPr>
-            </a:lvl7pPr>
-            <a:lvl8pPr>
-              <a:defRPr>
-                <a:solidFill>
-                  <a:schemeClr val="tx2"/>
-                </a:solidFill>
-              </a:defRPr>
-            </a:lvl8pPr>
-            <a:lvl9pPr>
-              <a:defRPr>
-                <a:solidFill>
-                  <a:schemeClr val="tx2"/>
-                </a:solidFill>
-              </a:defRPr>
-            </a:lvl9pPr>
-          </a:lstStyle>
-          <a:p>
-            <a:pPr lvl="0" algn="r"/>
-            <a:r>
-              <a:rPr lang="en-US" sz="8000" dirty="0">
-                <a:solidFill>
-                  <a:schemeClr val="tx1"/>
-                </a:solidFill>
-                <a:effectLst/>
-              </a:rPr>
-              <a:t>”</a:t>
-            </a:r>
-          </a:p>
-        </p:txBody>
-      </p:sp>
-      <p:sp>
-        <p:nvSpPr>
-          <p:cNvPr id="2" name="Title 1"/>
-          <p:cNvSpPr>
-            <a:spLocks noGrp="1"/>
-          </p:cNvSpPr>
-          <p:nvPr>
-            <p:ph type="title"/>
-          </p:nvPr>
-        </p:nvSpPr>
-        <p:spPr>
-          <a:xfrm>
-            <a:off x="2208212" y="685800"/>
-            <a:ext cx="8990012" cy="2743199"/>
-          </a:xfrm>
-        </p:spPr>
-        <p:txBody>
-          <a:bodyPr anchor="ctr">
-            <a:normAutofit/>
-          </a:bodyPr>
-          <a:lstStyle>
-            <a:lvl1pPr algn="ctr">
-              <a:defRPr sz="3200" b="0" cap="none">
-                <a:solidFill>
-                  <a:schemeClr val="tx1"/>
-                </a:solidFill>
-              </a:defRPr>
-            </a:lvl1pPr>
-          </a:lstStyle>
-          <a:p>
-            <a:r>
-              <a:rPr lang="en-US"/>
-              <a:t>Click to edit Master title style</a:t>
-            </a:r>
-            <a:endParaRPr lang="en-US" dirty="0"/>
-          </a:p>
-        </p:txBody>
-      </p:sp>
-      <p:sp>
-        <p:nvSpPr>
-          <p:cNvPr id="10" name="Text Placeholder 9"/>
-          <p:cNvSpPr>
-            <a:spLocks noGrp="1"/>
-          </p:cNvSpPr>
-          <p:nvPr>
-            <p:ph type="body" sz="quarter" idx="13"/>
-          </p:nvPr>
-        </p:nvSpPr>
-        <p:spPr>
-          <a:xfrm>
-            <a:off x="2436811" y="3428999"/>
-            <a:ext cx="8532815" cy="381000"/>
-          </a:xfrm>
-        </p:spPr>
-        <p:txBody>
-          <a:bodyPr anchor="ctr">
-            <a:normAutofit/>
-          </a:bodyPr>
-          <a:lstStyle>
-            <a:lvl1pPr marL="0" indent="0">
-              <a:buFontTx/>
-              <a:buNone/>
-              <a:defRPr sz="1800"/>
-            </a:lvl1pPr>
-            <a:lvl2pPr marL="457200" indent="0">
-              <a:buFontTx/>
-              <a:buNone/>
-              <a:defRPr/>
-            </a:lvl2pPr>
-            <a:lvl3pPr marL="914400" indent="0">
-              <a:buFontTx/>
-              <a:buNone/>
-              <a:defRPr/>
-            </a:lvl3pPr>
-            <a:lvl4pPr marL="1371600" indent="0">
-              <a:buFontTx/>
-              <a:buNone/>
-              <a:defRPr/>
-            </a:lvl4pPr>
-            <a:lvl5pPr marL="1828800" indent="0">
-              <a:buFontTx/>
-              <a:buNone/>
-              <a:defRPr/>
-            </a:lvl5pPr>
-          </a:lstStyle>
-          <a:p>
-            <a:pPr lvl="0"/>
-            <a:r>
-              <a:rPr lang="en-US"/>
-              <a:t>Click to edit Master text styles</a:t>
-            </a:r>
-          </a:p>
-        </p:txBody>
-      </p:sp>
-      <p:sp>
-        <p:nvSpPr>
-          <p:cNvPr id="3" name="Text Placeholder 2"/>
-          <p:cNvSpPr>
-            <a:spLocks noGrp="1"/>
-          </p:cNvSpPr>
-          <p:nvPr>
-            <p:ph type="body" idx="1"/>
-          </p:nvPr>
-        </p:nvSpPr>
-        <p:spPr>
-          <a:xfrm>
-            <a:off x="1484311" y="4343400"/>
-            <a:ext cx="10018711" cy="1447800"/>
-          </a:xfrm>
-        </p:spPr>
-        <p:txBody>
-          <a:bodyPr anchor="ctr">
-            <a:normAutofit/>
-          </a:bodyPr>
-          <a:lstStyle>
-            <a:lvl1pPr marL="0" indent="0" algn="ctr">
-              <a:buNone/>
-              <a:defRPr sz="2000">
-                <a:solidFill>
-                  <a:schemeClr val="tx1"/>
-                </a:solidFill>
-              </a:defRPr>
-            </a:lvl1pPr>
-            <a:lvl2pPr marL="457200" indent="0">
-              <a:buNone/>
-              <a:defRPr sz="1800">
-                <a:solidFill>
-                  <a:schemeClr val="tx1">
-                    <a:tint val="75000"/>
-                  </a:schemeClr>
-                </a:solidFill>
-              </a:defRPr>
-            </a:lvl2pPr>
-            <a:lvl3pPr marL="914400" indent="0">
-              <a:buNone/>
-              <a:defRPr sz="1600">
-                <a:solidFill>
-                  <a:schemeClr val="tx1">
-                    <a:tint val="75000"/>
-                  </a:schemeClr>
-                </a:solidFill>
-              </a:defRPr>
-            </a:lvl3pPr>
-            <a:lvl4pPr marL="1371600" indent="0">
-              <a:buNone/>
-              <a:defRPr sz="1400">
-                <a:solidFill>
-                  <a:schemeClr val="tx1">
-                    <a:tint val="75000"/>
-                  </a:schemeClr>
-                </a:solidFill>
-              </a:defRPr>
-            </a:lvl4pPr>
-            <a:lvl5pPr marL="1828800" indent="0">
-              <a:buNone/>
-              <a:defRPr sz="1400">
-                <a:solidFill>
-                  <a:schemeClr val="tx1">
-                    <a:tint val="75000"/>
-                  </a:schemeClr>
-                </a:solidFill>
-              </a:defRPr>
-            </a:lvl5pPr>
-            <a:lvl6pPr marL="2286000" indent="0">
-              <a:buNone/>
-              <a:defRPr sz="1400">
-                <a:solidFill>
-                  <a:schemeClr val="tx1">
-                    <a:tint val="75000"/>
-                  </a:schemeClr>
-                </a:solidFill>
-              </a:defRPr>
-            </a:lvl6pPr>
-            <a:lvl7pPr marL="2743200" indent="0">
-              <a:buNone/>
-              <a:defRPr sz="1400">
-                <a:solidFill>
-                  <a:schemeClr val="tx1">
-                    <a:tint val="75000"/>
-                  </a:schemeClr>
-                </a:solidFill>
-              </a:defRPr>
-            </a:lvl7pPr>
-            <a:lvl8pPr marL="3200400" indent="0">
-              <a:buNone/>
-              <a:defRPr sz="1400">
-                <a:solidFill>
-                  <a:schemeClr val="tx1">
-                    <a:tint val="75000"/>
-                  </a:schemeClr>
-                </a:solidFill>
-              </a:defRPr>
-            </a:lvl8pPr>
-            <a:lvl9pPr marL="3657600" indent="0">
-              <a:buNone/>
-              <a:defRPr sz="1400">
-                <a:solidFill>
-                  <a:schemeClr val="tx1">
-                    <a:tint val="75000"/>
-                  </a:schemeClr>
-                </a:solidFill>
-              </a:defRPr>
-            </a:lvl9pPr>
-          </a:lstStyle>
-          <a:p>
-            <a:pPr lvl="0"/>
-            <a:r>
-              <a:rPr lang="en-US"/>
-              <a:t>Click to edit Master text styles</a:t>
-            </a:r>
-          </a:p>
-        </p:txBody>
-      </p:sp>
-      <p:sp>
-        <p:nvSpPr>
-          <p:cNvPr id="4" name="Date Placeholder 3"/>
-          <p:cNvSpPr>
-            <a:spLocks noGrp="1"/>
-          </p:cNvSpPr>
-          <p:nvPr>
-            <p:ph type="dt" sz="half" idx="10"/>
-          </p:nvPr>
-        </p:nvSpPr>
-        <p:spPr/>
-        <p:txBody>
-          <a:bodyPr/>
-          <a:lstStyle/>
-          <a:p>
-            <a:fld id="{1E6DFE57-4DB8-458E-ABCC-E88A9FA087D4}" type="datetimeFigureOut">
-              <a:rPr lang="de-DE" smtClean="0"/>
-              <a:t>28.10.2019</a:t>
-            </a:fld>
-            <a:endParaRPr lang="de-DE"/>
-          </a:p>
-        </p:txBody>
-      </p:sp>
-      <p:sp>
-        <p:nvSpPr>
-          <p:cNvPr id="5" name="Footer Placeholder 4"/>
-          <p:cNvSpPr>
-            <a:spLocks noGrp="1"/>
-          </p:cNvSpPr>
-          <p:nvPr>
-            <p:ph type="ftr" sz="quarter" idx="11"/>
-          </p:nvPr>
-        </p:nvSpPr>
-        <p:spPr/>
-        <p:txBody>
-          <a:bodyPr/>
-          <a:lstStyle/>
-          <a:p>
-            <a:endParaRPr lang="de-DE"/>
-          </a:p>
-        </p:txBody>
-      </p:sp>
-      <p:sp>
-        <p:nvSpPr>
-          <p:cNvPr id="6" name="Slide Number Placeholder 5"/>
-          <p:cNvSpPr>
-            <a:spLocks noGrp="1"/>
-          </p:cNvSpPr>
-          <p:nvPr>
-            <p:ph type="sldNum" sz="quarter" idx="12"/>
-          </p:nvPr>
-        </p:nvSpPr>
-        <p:spPr/>
-        <p:txBody>
-          <a:bodyPr/>
-          <a:lstStyle/>
-          <a:p>
-            <a:fld id="{F2867057-3C75-4EE3-9A4B-CA5D31C27B3D}" type="slidenum">
-              <a:rPr lang="de-DE" smtClean="0"/>
-              <a:t>‹#›</a:t>
-            </a:fld>
-            <a:endParaRPr lang="de-DE"/>
-          </a:p>
-        </p:txBody>
-      </p:sp>
-    </p:spTree>
-    <p:extLst>
-      <p:ext uri="{BB962C8B-B14F-4D97-AF65-F5344CB8AC3E}">
-        <p14:creationId xmlns:p14="http://schemas.microsoft.com/office/powerpoint/2010/main" val="4060417607"/>
-      </p:ext>
-    </p:extLst>
-  </p:cSld>
-  <p:clrMapOvr>
-    <a:masterClrMapping/>
-  </p:clrMapOvr>
-</p:sldLayout>
-</file>
-
-<file path=ppt/slideLayouts/slideLayout13.xml><?xml version="1.0" encoding="utf-8"?>
-<p:sldLayout xmlns:a="http://schemas.openxmlformats.org/drawingml/2006/main" xmlns:r="http://schemas.openxmlformats.org/officeDocument/2006/relationships" xmlns:p="http://schemas.openxmlformats.org/presentationml/2006/main" preserve="1">
-  <p:cSld name="Name Card">
-    <p:spTree>
-      <p:nvGrpSpPr>
-        <p:cNvPr id="1" name=""/>
-        <p:cNvGrpSpPr/>
-        <p:nvPr/>
-      </p:nvGrpSpPr>
-      <p:grpSpPr>
-        <a:xfrm>
-          <a:off x="0" y="0"/>
-          <a:ext cx="0" cy="0"/>
-          <a:chOff x="0" y="0"/>
-          <a:chExt cx="0" cy="0"/>
-        </a:xfrm>
-      </p:grpSpPr>
-      <p:sp>
-        <p:nvSpPr>
-          <p:cNvPr id="2" name="Title 1"/>
-          <p:cNvSpPr>
-            <a:spLocks noGrp="1"/>
-          </p:cNvSpPr>
-          <p:nvPr>
-            <p:ph type="title"/>
-          </p:nvPr>
-        </p:nvSpPr>
-        <p:spPr>
-          <a:xfrm>
-            <a:off x="1484313" y="3308581"/>
-            <a:ext cx="10018709" cy="1468800"/>
-          </a:xfrm>
-        </p:spPr>
-        <p:txBody>
-          <a:bodyPr anchor="b">
-            <a:normAutofit/>
-          </a:bodyPr>
-          <a:lstStyle>
-            <a:lvl1pPr algn="r">
-              <a:defRPr sz="3200" b="0" cap="none"/>
-            </a:lvl1pPr>
-          </a:lstStyle>
-          <a:p>
-            <a:r>
-              <a:rPr lang="en-US"/>
-              <a:t>Click to edit Master title style</a:t>
-            </a:r>
-            <a:endParaRPr lang="en-US" dirty="0"/>
-          </a:p>
-        </p:txBody>
-      </p:sp>
-      <p:sp>
-        <p:nvSpPr>
-          <p:cNvPr id="3" name="Text Placeholder 2"/>
-          <p:cNvSpPr>
-            <a:spLocks noGrp="1"/>
-          </p:cNvSpPr>
-          <p:nvPr>
-            <p:ph type="body" idx="1"/>
-          </p:nvPr>
-        </p:nvSpPr>
-        <p:spPr>
-          <a:xfrm>
-            <a:off x="1484312" y="4777381"/>
-            <a:ext cx="10018710" cy="860400"/>
-          </a:xfrm>
-        </p:spPr>
-        <p:txBody>
-          <a:bodyPr anchor="t">
-            <a:normAutofit/>
-          </a:bodyPr>
-          <a:lstStyle>
-            <a:lvl1pPr marL="0" indent="0" algn="r">
-              <a:buNone/>
-              <a:defRPr sz="2000">
-                <a:solidFill>
-                  <a:schemeClr val="tx1"/>
-                </a:solidFill>
-              </a:defRPr>
-            </a:lvl1pPr>
-            <a:lvl2pPr marL="457200" indent="0">
-              <a:buNone/>
-              <a:defRPr sz="1800">
-                <a:solidFill>
-                  <a:schemeClr val="tx1">
-                    <a:tint val="75000"/>
-                  </a:schemeClr>
-                </a:solidFill>
-              </a:defRPr>
-            </a:lvl2pPr>
-            <a:lvl3pPr marL="914400" indent="0">
-              <a:buNone/>
-              <a:defRPr sz="1600">
-                <a:solidFill>
-                  <a:schemeClr val="tx1">
-                    <a:tint val="75000"/>
-                  </a:schemeClr>
-                </a:solidFill>
-              </a:defRPr>
-            </a:lvl3pPr>
-            <a:lvl4pPr marL="1371600" indent="0">
-              <a:buNone/>
-              <a:defRPr sz="1400">
-                <a:solidFill>
-                  <a:schemeClr val="tx1">
-                    <a:tint val="75000"/>
-                  </a:schemeClr>
-                </a:solidFill>
-              </a:defRPr>
-            </a:lvl4pPr>
-            <a:lvl5pPr marL="1828800" indent="0">
-              <a:buNone/>
-              <a:defRPr sz="1400">
-                <a:solidFill>
-                  <a:schemeClr val="tx1">
-                    <a:tint val="75000"/>
-                  </a:schemeClr>
-                </a:solidFill>
-              </a:defRPr>
-            </a:lvl5pPr>
-            <a:lvl6pPr marL="2286000" indent="0">
-              <a:buNone/>
-              <a:defRPr sz="1400">
-                <a:solidFill>
-                  <a:schemeClr val="tx1">
-                    <a:tint val="75000"/>
-                  </a:schemeClr>
-                </a:solidFill>
-              </a:defRPr>
-            </a:lvl6pPr>
-            <a:lvl7pPr marL="2743200" indent="0">
-              <a:buNone/>
-              <a:defRPr sz="1400">
-                <a:solidFill>
-                  <a:schemeClr val="tx1">
-                    <a:tint val="75000"/>
-                  </a:schemeClr>
-                </a:solidFill>
-              </a:defRPr>
-            </a:lvl7pPr>
-            <a:lvl8pPr marL="3200400" indent="0">
-              <a:buNone/>
-              <a:defRPr sz="1400">
-                <a:solidFill>
-                  <a:schemeClr val="tx1">
-                    <a:tint val="75000"/>
-                  </a:schemeClr>
-                </a:solidFill>
-              </a:defRPr>
-            </a:lvl8pPr>
-            <a:lvl9pPr marL="3657600" indent="0">
-              <a:buNone/>
-              <a:defRPr sz="1400">
-                <a:solidFill>
-                  <a:schemeClr val="tx1">
-                    <a:tint val="75000"/>
-                  </a:schemeClr>
-                </a:solidFill>
-              </a:defRPr>
-            </a:lvl9pPr>
-          </a:lstStyle>
-          <a:p>
-            <a:pPr lvl="0"/>
-            <a:r>
-              <a:rPr lang="en-US"/>
-              <a:t>Click to edit Master text styles</a:t>
-            </a:r>
-          </a:p>
-        </p:txBody>
-      </p:sp>
-      <p:sp>
-        <p:nvSpPr>
-          <p:cNvPr id="4" name="Date Placeholder 3"/>
-          <p:cNvSpPr>
-            <a:spLocks noGrp="1"/>
-          </p:cNvSpPr>
-          <p:nvPr>
-            <p:ph type="dt" sz="half" idx="10"/>
-          </p:nvPr>
-        </p:nvSpPr>
-        <p:spPr/>
-        <p:txBody>
-          <a:bodyPr/>
-          <a:lstStyle/>
-          <a:p>
-            <a:fld id="{1E6DFE57-4DB8-458E-ABCC-E88A9FA087D4}" type="datetimeFigureOut">
-              <a:rPr lang="de-DE" smtClean="0"/>
-              <a:t>28.10.2019</a:t>
-            </a:fld>
-            <a:endParaRPr lang="de-DE"/>
-          </a:p>
-        </p:txBody>
-      </p:sp>
-      <p:sp>
-        <p:nvSpPr>
-          <p:cNvPr id="5" name="Footer Placeholder 4"/>
-          <p:cNvSpPr>
-            <a:spLocks noGrp="1"/>
-          </p:cNvSpPr>
-          <p:nvPr>
-            <p:ph type="ftr" sz="quarter" idx="11"/>
-          </p:nvPr>
-        </p:nvSpPr>
-        <p:spPr/>
-        <p:txBody>
-          <a:bodyPr/>
-          <a:lstStyle/>
-          <a:p>
-            <a:endParaRPr lang="de-DE"/>
-          </a:p>
-        </p:txBody>
-      </p:sp>
-      <p:sp>
-        <p:nvSpPr>
-          <p:cNvPr id="6" name="Slide Number Placeholder 5"/>
-          <p:cNvSpPr>
-            <a:spLocks noGrp="1"/>
-          </p:cNvSpPr>
-          <p:nvPr>
-            <p:ph type="sldNum" sz="quarter" idx="12"/>
-          </p:nvPr>
-        </p:nvSpPr>
-        <p:spPr/>
-        <p:txBody>
-          <a:bodyPr/>
-          <a:lstStyle/>
-          <a:p>
-            <a:fld id="{F2867057-3C75-4EE3-9A4B-CA5D31C27B3D}" type="slidenum">
-              <a:rPr lang="de-DE" smtClean="0"/>
-              <a:t>‹#›</a:t>
-            </a:fld>
-            <a:endParaRPr lang="de-DE"/>
-          </a:p>
-        </p:txBody>
-      </p:sp>
-    </p:spTree>
-    <p:extLst>
-      <p:ext uri="{BB962C8B-B14F-4D97-AF65-F5344CB8AC3E}">
-        <p14:creationId xmlns:p14="http://schemas.microsoft.com/office/powerpoint/2010/main" val="3389114206"/>
-      </p:ext>
-    </p:extLst>
-  </p:cSld>
-  <p:clrMapOvr>
-    <a:masterClrMapping/>
-  </p:clrMapOvr>
-</p:sldLayout>
-</file>
-
-<file path=ppt/slideLayouts/slideLayout14.xml><?xml version="1.0" encoding="utf-8"?>
-<p:sldLayout xmlns:a="http://schemas.openxmlformats.org/drawingml/2006/main" xmlns:r="http://schemas.openxmlformats.org/officeDocument/2006/relationships" xmlns:p="http://schemas.openxmlformats.org/presentationml/2006/main" preserve="1">
-  <p:cSld name="Quote Name Card">
-    <p:spTree>
-      <p:nvGrpSpPr>
-        <p:cNvPr id="1" name=""/>
-        <p:cNvGrpSpPr/>
-        <p:nvPr/>
-      </p:nvGrpSpPr>
-      <p:grpSpPr>
-        <a:xfrm>
-          <a:off x="0" y="0"/>
-          <a:ext cx="0" cy="0"/>
-          <a:chOff x="0" y="0"/>
-          <a:chExt cx="0" cy="0"/>
-        </a:xfrm>
-      </p:grpSpPr>
-      <p:sp>
-        <p:nvSpPr>
-          <p:cNvPr id="14" name="TextBox 13"/>
-          <p:cNvSpPr txBox="1"/>
-          <p:nvPr/>
-        </p:nvSpPr>
-        <p:spPr>
-          <a:xfrm>
-            <a:off x="1598612" y="863023"/>
-            <a:ext cx="609600" cy="584776"/>
-          </a:xfrm>
-          <a:prstGeom prst="rect">
-            <a:avLst/>
-          </a:prstGeom>
-        </p:spPr>
-        <p:txBody>
-          <a:bodyPr vert="horz" lIns="91440" tIns="45720" rIns="91440" bIns="45720" rtlCol="0" anchor="ctr">
-            <a:noAutofit/>
-          </a:bodyPr>
-          <a:lstStyle>
-            <a:lvl1pPr>
-              <a:spcBef>
-                <a:spcPct val="0"/>
-              </a:spcBef>
-              <a:buNone/>
-              <a:defRPr sz="3200" b="0" cap="all">
-                <a:ln w="3175" cmpd="sng">
-                  <a:noFill/>
-                </a:ln>
-                <a:effectLst>
-                  <a:glow rad="38100">
-                    <a:schemeClr val="bg1">
-                      <a:lumMod val="65000"/>
-                      <a:lumOff val="35000"/>
-                      <a:alpha val="40000"/>
-                    </a:schemeClr>
-                  </a:glow>
-                  <a:outerShdw blurRad="28575" dist="38100" dir="14040000" algn="tl" rotWithShape="0">
-                    <a:srgbClr val="000000">
-                      <a:alpha val="25000"/>
-                    </a:srgbClr>
-                  </a:outerShdw>
-                </a:effectLst>
-              </a:defRPr>
-            </a:lvl1pPr>
-            <a:lvl2pPr>
-              <a:defRPr>
-                <a:solidFill>
-                  <a:schemeClr val="tx2"/>
-                </a:solidFill>
-              </a:defRPr>
-            </a:lvl2pPr>
-            <a:lvl3pPr>
-              <a:defRPr>
-                <a:solidFill>
-                  <a:schemeClr val="tx2"/>
-                </a:solidFill>
-              </a:defRPr>
-            </a:lvl3pPr>
-            <a:lvl4pPr>
-              <a:defRPr>
-                <a:solidFill>
-                  <a:schemeClr val="tx2"/>
-                </a:solidFill>
-              </a:defRPr>
-            </a:lvl4pPr>
-            <a:lvl5pPr>
-              <a:defRPr>
-                <a:solidFill>
-                  <a:schemeClr val="tx2"/>
-                </a:solidFill>
-              </a:defRPr>
-            </a:lvl5pPr>
-            <a:lvl6pPr>
-              <a:defRPr>
-                <a:solidFill>
-                  <a:schemeClr val="tx2"/>
-                </a:solidFill>
-              </a:defRPr>
-            </a:lvl6pPr>
-            <a:lvl7pPr>
-              <a:defRPr>
-                <a:solidFill>
-                  <a:schemeClr val="tx2"/>
-                </a:solidFill>
-              </a:defRPr>
-            </a:lvl7pPr>
-            <a:lvl8pPr>
-              <a:defRPr>
-                <a:solidFill>
-                  <a:schemeClr val="tx2"/>
-                </a:solidFill>
-              </a:defRPr>
-            </a:lvl8pPr>
-            <a:lvl9pPr>
-              <a:defRPr>
-                <a:solidFill>
-                  <a:schemeClr val="tx2"/>
-                </a:solidFill>
-              </a:defRPr>
-            </a:lvl9pPr>
-          </a:lstStyle>
-          <a:p>
-            <a:pPr lvl="0"/>
-            <a:r>
-              <a:rPr lang="en-US" sz="8000" dirty="0">
-                <a:solidFill>
-                  <a:schemeClr val="tx1"/>
-                </a:solidFill>
-                <a:effectLst/>
-              </a:rPr>
-              <a:t>“</a:t>
-            </a:r>
-          </a:p>
-        </p:txBody>
-      </p:sp>
-      <p:sp>
-        <p:nvSpPr>
-          <p:cNvPr id="15" name="TextBox 14"/>
-          <p:cNvSpPr txBox="1"/>
-          <p:nvPr/>
-        </p:nvSpPr>
-        <p:spPr>
-          <a:xfrm>
-            <a:off x="10893425" y="2819399"/>
-            <a:ext cx="609600" cy="584776"/>
-          </a:xfrm>
-          <a:prstGeom prst="rect">
-            <a:avLst/>
-          </a:prstGeom>
-        </p:spPr>
-        <p:txBody>
-          <a:bodyPr vert="horz" lIns="91440" tIns="45720" rIns="91440" bIns="45720" rtlCol="0" anchor="ctr">
-            <a:noAutofit/>
-          </a:bodyPr>
-          <a:lstStyle>
-            <a:lvl1pPr>
-              <a:spcBef>
-                <a:spcPct val="0"/>
-              </a:spcBef>
-              <a:buNone/>
-              <a:defRPr sz="3200" b="0" cap="all">
-                <a:ln w="3175" cmpd="sng">
-                  <a:noFill/>
-                </a:ln>
-                <a:effectLst>
-                  <a:glow rad="38100">
-                    <a:schemeClr val="bg1">
-                      <a:lumMod val="65000"/>
-                      <a:lumOff val="35000"/>
-                      <a:alpha val="40000"/>
-                    </a:schemeClr>
-                  </a:glow>
-                  <a:outerShdw blurRad="28575" dist="38100" dir="14040000" algn="tl" rotWithShape="0">
-                    <a:srgbClr val="000000">
-                      <a:alpha val="25000"/>
-                    </a:srgbClr>
-                  </a:outerShdw>
-                </a:effectLst>
-              </a:defRPr>
-            </a:lvl1pPr>
-            <a:lvl2pPr>
-              <a:defRPr>
-                <a:solidFill>
-                  <a:schemeClr val="tx2"/>
-                </a:solidFill>
-              </a:defRPr>
-            </a:lvl2pPr>
-            <a:lvl3pPr>
-              <a:defRPr>
-                <a:solidFill>
-                  <a:schemeClr val="tx2"/>
-                </a:solidFill>
-              </a:defRPr>
-            </a:lvl3pPr>
-            <a:lvl4pPr>
-              <a:defRPr>
-                <a:solidFill>
-                  <a:schemeClr val="tx2"/>
-                </a:solidFill>
-              </a:defRPr>
-            </a:lvl4pPr>
-            <a:lvl5pPr>
-              <a:defRPr>
-                <a:solidFill>
-                  <a:schemeClr val="tx2"/>
-                </a:solidFill>
-              </a:defRPr>
-            </a:lvl5pPr>
-            <a:lvl6pPr>
-              <a:defRPr>
-                <a:solidFill>
-                  <a:schemeClr val="tx2"/>
-                </a:solidFill>
-              </a:defRPr>
-            </a:lvl6pPr>
-            <a:lvl7pPr>
-              <a:defRPr>
-                <a:solidFill>
-                  <a:schemeClr val="tx2"/>
-                </a:solidFill>
-              </a:defRPr>
-            </a:lvl7pPr>
-            <a:lvl8pPr>
-              <a:defRPr>
-                <a:solidFill>
-                  <a:schemeClr val="tx2"/>
-                </a:solidFill>
-              </a:defRPr>
-            </a:lvl8pPr>
-            <a:lvl9pPr>
-              <a:defRPr>
-                <a:solidFill>
-                  <a:schemeClr val="tx2"/>
-                </a:solidFill>
-              </a:defRPr>
-            </a:lvl9pPr>
-          </a:lstStyle>
-          <a:p>
-            <a:pPr lvl="0" algn="r"/>
-            <a:r>
-              <a:rPr lang="en-US" sz="8000" dirty="0">
-                <a:solidFill>
-                  <a:schemeClr val="tx1"/>
-                </a:solidFill>
-                <a:effectLst/>
-              </a:rPr>
-              <a:t>”</a:t>
-            </a:r>
-          </a:p>
-        </p:txBody>
-      </p:sp>
-      <p:sp>
-        <p:nvSpPr>
-          <p:cNvPr id="2" name="Title 1"/>
-          <p:cNvSpPr>
-            <a:spLocks noGrp="1"/>
-          </p:cNvSpPr>
-          <p:nvPr>
-            <p:ph type="title"/>
-          </p:nvPr>
-        </p:nvSpPr>
-        <p:spPr>
-          <a:xfrm>
-            <a:off x="2208212" y="685800"/>
-            <a:ext cx="8990012" cy="2743199"/>
-          </a:xfrm>
-        </p:spPr>
-        <p:txBody>
-          <a:bodyPr anchor="ctr">
-            <a:normAutofit/>
-          </a:bodyPr>
-          <a:lstStyle>
-            <a:lvl1pPr algn="ctr">
-              <a:defRPr sz="3200" b="0" cap="none">
-                <a:solidFill>
-                  <a:schemeClr val="tx1"/>
-                </a:solidFill>
-              </a:defRPr>
-            </a:lvl1pPr>
-          </a:lstStyle>
-          <a:p>
-            <a:r>
-              <a:rPr lang="en-US"/>
-              <a:t>Click to edit Master title style</a:t>
-            </a:r>
-            <a:endParaRPr lang="en-US" dirty="0"/>
-          </a:p>
-        </p:txBody>
-      </p:sp>
-      <p:sp>
-        <p:nvSpPr>
-          <p:cNvPr id="10" name="Text Placeholder 9"/>
-          <p:cNvSpPr>
-            <a:spLocks noGrp="1"/>
-          </p:cNvSpPr>
-          <p:nvPr>
-            <p:ph type="body" sz="quarter" idx="13"/>
-          </p:nvPr>
-        </p:nvSpPr>
-        <p:spPr>
-          <a:xfrm>
-            <a:off x="1484313" y="3886200"/>
-            <a:ext cx="10018710" cy="889000"/>
-          </a:xfrm>
-        </p:spPr>
-        <p:txBody>
-          <a:bodyPr vert="horz" lIns="91440" tIns="45720" rIns="91440" bIns="45720" rtlCol="0" anchor="b">
-            <a:normAutofit/>
-          </a:bodyPr>
-          <a:lstStyle>
-            <a:lvl1pPr algn="r">
-              <a:buNone/>
-              <a:defRPr lang="en-US" sz="2400" b="0" cap="none" dirty="0">
-                <a:ln w="3175" cmpd="sng">
-                  <a:noFill/>
-                </a:ln>
-                <a:solidFill>
-                  <a:schemeClr val="tx1"/>
-                </a:solidFill>
-                <a:effectLst/>
-              </a:defRPr>
-            </a:lvl1pPr>
-          </a:lstStyle>
-          <a:p>
-            <a:pPr marL="0" lvl="0">
-              <a:spcBef>
-                <a:spcPct val="0"/>
-              </a:spcBef>
-              <a:buNone/>
-            </a:pPr>
-            <a:r>
-              <a:rPr lang="en-US"/>
-              <a:t>Click to edit Master text styles</a:t>
-            </a:r>
-          </a:p>
-        </p:txBody>
-      </p:sp>
-      <p:sp>
-        <p:nvSpPr>
-          <p:cNvPr id="3" name="Text Placeholder 2"/>
-          <p:cNvSpPr>
-            <a:spLocks noGrp="1"/>
-          </p:cNvSpPr>
-          <p:nvPr>
-            <p:ph type="body" idx="1"/>
-          </p:nvPr>
-        </p:nvSpPr>
-        <p:spPr>
-          <a:xfrm>
-            <a:off x="1484312" y="4775200"/>
-            <a:ext cx="10018710" cy="1016000"/>
-          </a:xfrm>
-        </p:spPr>
-        <p:txBody>
-          <a:bodyPr anchor="t">
-            <a:normAutofit/>
-          </a:bodyPr>
-          <a:lstStyle>
-            <a:lvl1pPr marL="0" indent="0" algn="r">
-              <a:buNone/>
-              <a:defRPr sz="1800">
-                <a:solidFill>
-                  <a:schemeClr val="tx1"/>
-                </a:solidFill>
-              </a:defRPr>
-            </a:lvl1pPr>
-            <a:lvl2pPr marL="457200" indent="0">
-              <a:buNone/>
-              <a:defRPr sz="1800">
-                <a:solidFill>
-                  <a:schemeClr val="tx1">
-                    <a:tint val="75000"/>
-                  </a:schemeClr>
-                </a:solidFill>
-              </a:defRPr>
-            </a:lvl2pPr>
-            <a:lvl3pPr marL="914400" indent="0">
-              <a:buNone/>
-              <a:defRPr sz="1600">
-                <a:solidFill>
-                  <a:schemeClr val="tx1">
-                    <a:tint val="75000"/>
-                  </a:schemeClr>
-                </a:solidFill>
-              </a:defRPr>
-            </a:lvl3pPr>
-            <a:lvl4pPr marL="1371600" indent="0">
-              <a:buNone/>
-              <a:defRPr sz="1400">
-                <a:solidFill>
-                  <a:schemeClr val="tx1">
-                    <a:tint val="75000"/>
-                  </a:schemeClr>
-                </a:solidFill>
-              </a:defRPr>
-            </a:lvl4pPr>
-            <a:lvl5pPr marL="1828800" indent="0">
-              <a:buNone/>
-              <a:defRPr sz="1400">
-                <a:solidFill>
-                  <a:schemeClr val="tx1">
-                    <a:tint val="75000"/>
-                  </a:schemeClr>
-                </a:solidFill>
-              </a:defRPr>
-            </a:lvl5pPr>
-            <a:lvl6pPr marL="2286000" indent="0">
-              <a:buNone/>
-              <a:defRPr sz="1400">
-                <a:solidFill>
-                  <a:schemeClr val="tx1">
-                    <a:tint val="75000"/>
-                  </a:schemeClr>
-                </a:solidFill>
-              </a:defRPr>
-            </a:lvl6pPr>
-            <a:lvl7pPr marL="2743200" indent="0">
-              <a:buNone/>
-              <a:defRPr sz="1400">
-                <a:solidFill>
-                  <a:schemeClr val="tx1">
-                    <a:tint val="75000"/>
-                  </a:schemeClr>
-                </a:solidFill>
-              </a:defRPr>
-            </a:lvl7pPr>
-            <a:lvl8pPr marL="3200400" indent="0">
-              <a:buNone/>
-              <a:defRPr sz="1400">
-                <a:solidFill>
-                  <a:schemeClr val="tx1">
-                    <a:tint val="75000"/>
-                  </a:schemeClr>
-                </a:solidFill>
-              </a:defRPr>
-            </a:lvl8pPr>
-            <a:lvl9pPr marL="3657600" indent="0">
-              <a:buNone/>
-              <a:defRPr sz="1400">
-                <a:solidFill>
-                  <a:schemeClr val="tx1">
-                    <a:tint val="75000"/>
-                  </a:schemeClr>
-                </a:solidFill>
-              </a:defRPr>
-            </a:lvl9pPr>
-          </a:lstStyle>
-          <a:p>
-            <a:pPr lvl="0"/>
-            <a:r>
-              <a:rPr lang="en-US"/>
-              <a:t>Click to edit Master text styles</a:t>
-            </a:r>
-          </a:p>
-        </p:txBody>
-      </p:sp>
-      <p:sp>
-        <p:nvSpPr>
-          <p:cNvPr id="4" name="Date Placeholder 3"/>
-          <p:cNvSpPr>
-            <a:spLocks noGrp="1"/>
-          </p:cNvSpPr>
-          <p:nvPr>
-            <p:ph type="dt" sz="half" idx="10"/>
-          </p:nvPr>
-        </p:nvSpPr>
-        <p:spPr/>
-        <p:txBody>
-          <a:bodyPr/>
-          <a:lstStyle/>
-          <a:p>
-            <a:fld id="{1E6DFE57-4DB8-458E-ABCC-E88A9FA087D4}" type="datetimeFigureOut">
-              <a:rPr lang="de-DE" smtClean="0"/>
-              <a:t>28.10.2019</a:t>
-            </a:fld>
-            <a:endParaRPr lang="de-DE"/>
-          </a:p>
-        </p:txBody>
-      </p:sp>
-      <p:sp>
-        <p:nvSpPr>
-          <p:cNvPr id="5" name="Footer Placeholder 4"/>
-          <p:cNvSpPr>
-            <a:spLocks noGrp="1"/>
-          </p:cNvSpPr>
-          <p:nvPr>
-            <p:ph type="ftr" sz="quarter" idx="11"/>
-          </p:nvPr>
-        </p:nvSpPr>
-        <p:spPr/>
-        <p:txBody>
-          <a:bodyPr/>
-          <a:lstStyle/>
-          <a:p>
-            <a:endParaRPr lang="de-DE"/>
-          </a:p>
-        </p:txBody>
-      </p:sp>
-      <p:sp>
-        <p:nvSpPr>
-          <p:cNvPr id="6" name="Slide Number Placeholder 5"/>
-          <p:cNvSpPr>
-            <a:spLocks noGrp="1"/>
-          </p:cNvSpPr>
-          <p:nvPr>
-            <p:ph type="sldNum" sz="quarter" idx="12"/>
-          </p:nvPr>
-        </p:nvSpPr>
-        <p:spPr/>
-        <p:txBody>
-          <a:bodyPr/>
-          <a:lstStyle/>
-          <a:p>
-            <a:fld id="{F2867057-3C75-4EE3-9A4B-CA5D31C27B3D}" type="slidenum">
-              <a:rPr lang="de-DE" smtClean="0"/>
-              <a:t>‹#›</a:t>
-            </a:fld>
-            <a:endParaRPr lang="de-DE"/>
-          </a:p>
-        </p:txBody>
-      </p:sp>
-    </p:spTree>
-    <p:extLst>
-      <p:ext uri="{BB962C8B-B14F-4D97-AF65-F5344CB8AC3E}">
-        <p14:creationId xmlns:p14="http://schemas.microsoft.com/office/powerpoint/2010/main" val="2471258005"/>
-      </p:ext>
-    </p:extLst>
-  </p:cSld>
-  <p:clrMapOvr>
-    <a:masterClrMapping/>
-  </p:clrMapOvr>
-</p:sldLayout>
-</file>
-
-<file path=ppt/slideLayouts/slideLayout15.xml><?xml version="1.0" encoding="utf-8"?>
-<p:sldLayout xmlns:a="http://schemas.openxmlformats.org/drawingml/2006/main" xmlns:r="http://schemas.openxmlformats.org/officeDocument/2006/relationships" xmlns:p="http://schemas.openxmlformats.org/presentationml/2006/main" preserve="1">
-  <p:cSld name="True or False">
-    <p:spTree>
-      <p:nvGrpSpPr>
-        <p:cNvPr id="1" name=""/>
-        <p:cNvGrpSpPr/>
-        <p:nvPr/>
-      </p:nvGrpSpPr>
-      <p:grpSpPr>
-        <a:xfrm>
-          <a:off x="0" y="0"/>
-          <a:ext cx="0" cy="0"/>
-          <a:chOff x="0" y="0"/>
-          <a:chExt cx="0" cy="0"/>
-        </a:xfrm>
-      </p:grpSpPr>
-      <p:sp>
-        <p:nvSpPr>
-          <p:cNvPr id="2" name="Title 1"/>
-          <p:cNvSpPr>
-            <a:spLocks noGrp="1"/>
-          </p:cNvSpPr>
-          <p:nvPr>
-            <p:ph type="title"/>
-          </p:nvPr>
-        </p:nvSpPr>
-        <p:spPr>
-          <a:xfrm>
-            <a:off x="1484313" y="685800"/>
-            <a:ext cx="10018712" cy="2727325"/>
-          </a:xfrm>
-        </p:spPr>
-        <p:txBody>
-          <a:bodyPr vert="horz" lIns="91440" tIns="45720" rIns="91440" bIns="45720" rtlCol="0" anchor="ctr">
-            <a:normAutofit/>
-          </a:bodyPr>
-          <a:lstStyle>
-            <a:lvl1pPr>
-              <a:defRPr lang="en-US" b="0" dirty="0"/>
-            </a:lvl1pPr>
-          </a:lstStyle>
-          <a:p>
-            <a:pPr marL="0" lvl="0"/>
-            <a:r>
-              <a:rPr lang="en-US"/>
-              <a:t>Click to edit Master title style</a:t>
-            </a:r>
-            <a:endParaRPr lang="en-US" dirty="0"/>
-          </a:p>
-        </p:txBody>
-      </p:sp>
-      <p:sp>
-        <p:nvSpPr>
-          <p:cNvPr id="10" name="Text Placeholder 9"/>
-          <p:cNvSpPr>
-            <a:spLocks noGrp="1"/>
-          </p:cNvSpPr>
-          <p:nvPr>
-            <p:ph type="body" sz="quarter" idx="13"/>
-          </p:nvPr>
-        </p:nvSpPr>
-        <p:spPr>
-          <a:xfrm>
-            <a:off x="1484312" y="3505200"/>
-            <a:ext cx="10018713" cy="838200"/>
-          </a:xfrm>
-        </p:spPr>
-        <p:txBody>
-          <a:bodyPr vert="horz" lIns="91440" tIns="45720" rIns="91440" bIns="45720" rtlCol="0" anchor="b">
-            <a:normAutofit/>
-          </a:bodyPr>
-          <a:lstStyle>
-            <a:lvl1pPr>
-              <a:buNone/>
-              <a:defRPr lang="en-US" sz="2800" b="0" cap="none" dirty="0">
-                <a:ln w="3175" cmpd="sng">
-                  <a:noFill/>
-                </a:ln>
-                <a:solidFill>
-                  <a:schemeClr val="tx1"/>
-                </a:solidFill>
-                <a:effectLst/>
-              </a:defRPr>
-            </a:lvl1pPr>
-          </a:lstStyle>
-          <a:p>
-            <a:pPr marL="0" lvl="0">
-              <a:spcBef>
-                <a:spcPct val="0"/>
-              </a:spcBef>
-              <a:buNone/>
-            </a:pPr>
-            <a:r>
-              <a:rPr lang="en-US"/>
-              <a:t>Click to edit Master text styles</a:t>
-            </a:r>
-          </a:p>
-        </p:txBody>
-      </p:sp>
-      <p:sp>
-        <p:nvSpPr>
-          <p:cNvPr id="3" name="Text Placeholder 2"/>
-          <p:cNvSpPr>
-            <a:spLocks noGrp="1"/>
-          </p:cNvSpPr>
-          <p:nvPr>
-            <p:ph type="body" idx="1"/>
-          </p:nvPr>
-        </p:nvSpPr>
-        <p:spPr>
-          <a:xfrm>
-            <a:off x="1484311" y="4343400"/>
-            <a:ext cx="10018713" cy="1447800"/>
-          </a:xfrm>
-        </p:spPr>
-        <p:txBody>
-          <a:bodyPr anchor="t">
-            <a:normAutofit/>
-          </a:bodyPr>
-          <a:lstStyle>
-            <a:lvl1pPr marL="0" indent="0" algn="l">
-              <a:buNone/>
-              <a:defRPr sz="1800">
-                <a:solidFill>
-                  <a:schemeClr val="tx1"/>
-                </a:solidFill>
-              </a:defRPr>
-            </a:lvl1pPr>
-            <a:lvl2pPr marL="457200" indent="0">
-              <a:buNone/>
-              <a:defRPr sz="1800">
-                <a:solidFill>
-                  <a:schemeClr val="tx1">
-                    <a:tint val="75000"/>
-                  </a:schemeClr>
-                </a:solidFill>
-              </a:defRPr>
-            </a:lvl2pPr>
-            <a:lvl3pPr marL="914400" indent="0">
-              <a:buNone/>
-              <a:defRPr sz="1600">
-                <a:solidFill>
-                  <a:schemeClr val="tx1">
-                    <a:tint val="75000"/>
-                  </a:schemeClr>
-                </a:solidFill>
-              </a:defRPr>
-            </a:lvl3pPr>
-            <a:lvl4pPr marL="1371600" indent="0">
-              <a:buNone/>
-              <a:defRPr sz="1400">
-                <a:solidFill>
-                  <a:schemeClr val="tx1">
-                    <a:tint val="75000"/>
-                  </a:schemeClr>
-                </a:solidFill>
-              </a:defRPr>
-            </a:lvl4pPr>
-            <a:lvl5pPr marL="1828800" indent="0">
-              <a:buNone/>
-              <a:defRPr sz="1400">
-                <a:solidFill>
-                  <a:schemeClr val="tx1">
-                    <a:tint val="75000"/>
-                  </a:schemeClr>
-                </a:solidFill>
-              </a:defRPr>
-            </a:lvl5pPr>
-            <a:lvl6pPr marL="2286000" indent="0">
-              <a:buNone/>
-              <a:defRPr sz="1400">
-                <a:solidFill>
-                  <a:schemeClr val="tx1">
-                    <a:tint val="75000"/>
-                  </a:schemeClr>
-                </a:solidFill>
-              </a:defRPr>
-            </a:lvl6pPr>
-            <a:lvl7pPr marL="2743200" indent="0">
-              <a:buNone/>
-              <a:defRPr sz="1400">
-                <a:solidFill>
-                  <a:schemeClr val="tx1">
-                    <a:tint val="75000"/>
-                  </a:schemeClr>
-                </a:solidFill>
-              </a:defRPr>
-            </a:lvl7pPr>
-            <a:lvl8pPr marL="3200400" indent="0">
-              <a:buNone/>
-              <a:defRPr sz="1400">
-                <a:solidFill>
-                  <a:schemeClr val="tx1">
-                    <a:tint val="75000"/>
-                  </a:schemeClr>
-                </a:solidFill>
-              </a:defRPr>
-            </a:lvl8pPr>
-            <a:lvl9pPr marL="3657600" indent="0">
-              <a:buNone/>
-              <a:defRPr sz="1400">
-                <a:solidFill>
-                  <a:schemeClr val="tx1">
-                    <a:tint val="75000"/>
-                  </a:schemeClr>
-                </a:solidFill>
-              </a:defRPr>
-            </a:lvl9pPr>
-          </a:lstStyle>
-          <a:p>
-            <a:pPr lvl="0"/>
-            <a:r>
-              <a:rPr lang="en-US"/>
-              <a:t>Click to edit Master text styles</a:t>
-            </a:r>
-          </a:p>
-        </p:txBody>
-      </p:sp>
-      <p:sp>
-        <p:nvSpPr>
-          <p:cNvPr id="4" name="Date Placeholder 3"/>
-          <p:cNvSpPr>
-            <a:spLocks noGrp="1"/>
-          </p:cNvSpPr>
-          <p:nvPr>
-            <p:ph type="dt" sz="half" idx="10"/>
-          </p:nvPr>
-        </p:nvSpPr>
-        <p:spPr/>
-        <p:txBody>
-          <a:bodyPr/>
-          <a:lstStyle/>
-          <a:p>
-            <a:fld id="{1E6DFE57-4DB8-458E-ABCC-E88A9FA087D4}" type="datetimeFigureOut">
-              <a:rPr lang="de-DE" smtClean="0"/>
-              <a:t>28.10.2019</a:t>
-            </a:fld>
-            <a:endParaRPr lang="de-DE"/>
-          </a:p>
-        </p:txBody>
-      </p:sp>
-      <p:sp>
-        <p:nvSpPr>
-          <p:cNvPr id="5" name="Footer Placeholder 4"/>
-          <p:cNvSpPr>
-            <a:spLocks noGrp="1"/>
-          </p:cNvSpPr>
-          <p:nvPr>
-            <p:ph type="ftr" sz="quarter" idx="11"/>
-          </p:nvPr>
-        </p:nvSpPr>
-        <p:spPr/>
-        <p:txBody>
-          <a:bodyPr/>
-          <a:lstStyle/>
-          <a:p>
-            <a:endParaRPr lang="de-DE"/>
-          </a:p>
-        </p:txBody>
-      </p:sp>
-      <p:sp>
-        <p:nvSpPr>
-          <p:cNvPr id="6" name="Slide Number Placeholder 5"/>
-          <p:cNvSpPr>
-            <a:spLocks noGrp="1"/>
-          </p:cNvSpPr>
-          <p:nvPr>
-            <p:ph type="sldNum" sz="quarter" idx="12"/>
-          </p:nvPr>
-        </p:nvSpPr>
-        <p:spPr/>
-        <p:txBody>
-          <a:bodyPr/>
-          <a:lstStyle/>
-          <a:p>
-            <a:fld id="{F2867057-3C75-4EE3-9A4B-CA5D31C27B3D}" type="slidenum">
-              <a:rPr lang="de-DE" smtClean="0"/>
-              <a:t>‹#›</a:t>
-            </a:fld>
-            <a:endParaRPr lang="de-DE"/>
-          </a:p>
-        </p:txBody>
-      </p:sp>
-    </p:spTree>
-    <p:extLst>
-      <p:ext uri="{BB962C8B-B14F-4D97-AF65-F5344CB8AC3E}">
-        <p14:creationId xmlns:p14="http://schemas.microsoft.com/office/powerpoint/2010/main" val="3601102694"/>
-      </p:ext>
-    </p:extLst>
-  </p:cSld>
-  <p:clrMapOvr>
-    <a:masterClrMapping/>
-  </p:clrMapOvr>
-</p:sldLayout>
-</file>
-
-<file path=ppt/slideLayouts/slideLayout16.xml><?xml version="1.0" encoding="utf-8"?>
 <p:sldLayout xmlns:a="http://schemas.openxmlformats.org/drawingml/2006/main" xmlns:r="http://schemas.openxmlformats.org/officeDocument/2006/relationships" xmlns:p="http://schemas.openxmlformats.org/presentationml/2006/main" type="vertTx" preserve="1">
   <p:cSld name="Title and Vertical Text">
     <p:spTree>
@@ -2856,7 +401,13 @@
       </p:grpSpPr>
       <p:sp>
         <p:nvSpPr>
-          <p:cNvPr id="2" name="Title 1"/>
+          <p:cNvPr id="2" name="Title 1">
+            <a:extLst>
+              <a:ext uri="{FF2B5EF4-FFF2-40B4-BE49-F238E27FC236}">
+                <a16:creationId xmlns:a16="http://schemas.microsoft.com/office/drawing/2014/main" id="{3985A184-40A4-46EE-88D3-21E1B3EA8057}"/>
+              </a:ext>
+            </a:extLst>
+          </p:cNvPr>
           <p:cNvSpPr>
             <a:spLocks noGrp="1"/>
           </p:cNvSpPr>
@@ -2867,23 +418,25 @@
         <p:spPr/>
         <p:txBody>
           <a:bodyPr/>
-          <a:lstStyle>
-            <a:lvl1pPr algn="ctr">
-              <a:defRPr/>
-            </a:lvl1pPr>
-          </a:lstStyle>
+          <a:lstStyle/>
           <a:p>
             <a:r>
               <a:rPr lang="en-US"/>
               <a:t>Click to edit Master title style</a:t>
             </a:r>
-            <a:endParaRPr lang="en-US" dirty="0"/>
-          </a:p>
-        </p:txBody>
-      </p:sp>
-      <p:sp>
-        <p:nvSpPr>
-          <p:cNvPr id="3" name="Vertical Text Placeholder 2"/>
+            <a:endParaRPr lang="de-DE"/>
+          </a:p>
+        </p:txBody>
+      </p:sp>
+      <p:sp>
+        <p:nvSpPr>
+          <p:cNvPr id="3" name="Vertical Text Placeholder 2">
+            <a:extLst>
+              <a:ext uri="{FF2B5EF4-FFF2-40B4-BE49-F238E27FC236}">
+                <a16:creationId xmlns:a16="http://schemas.microsoft.com/office/drawing/2014/main" id="{2D99E244-33BE-4869-B30F-5E7FA8A1258D}"/>
+              </a:ext>
+            </a:extLst>
+          </p:cNvPr>
           <p:cNvSpPr>
             <a:spLocks noGrp="1"/>
           </p:cNvSpPr>
@@ -2893,7 +446,7 @@
         </p:nvSpPr>
         <p:spPr/>
         <p:txBody>
-          <a:bodyPr vert="eaVert" anchor="t"/>
+          <a:bodyPr vert="eaVert"/>
           <a:lstStyle/>
           <a:p>
             <a:pPr lvl="0"/>
@@ -2929,13 +482,19 @@
               <a:rPr lang="en-US"/>
               <a:t>Fifth level</a:t>
             </a:r>
-            <a:endParaRPr lang="en-US" dirty="0"/>
-          </a:p>
-        </p:txBody>
-      </p:sp>
-      <p:sp>
-        <p:nvSpPr>
-          <p:cNvPr id="4" name="Date Placeholder 3"/>
+            <a:endParaRPr lang="de-DE"/>
+          </a:p>
+        </p:txBody>
+      </p:sp>
+      <p:sp>
+        <p:nvSpPr>
+          <p:cNvPr id="4" name="Date Placeholder 3">
+            <a:extLst>
+              <a:ext uri="{FF2B5EF4-FFF2-40B4-BE49-F238E27FC236}">
+                <a16:creationId xmlns:a16="http://schemas.microsoft.com/office/drawing/2014/main" id="{71AADBDC-3C13-40B7-AA56-4992372EB825}"/>
+              </a:ext>
+            </a:extLst>
+          </p:cNvPr>
           <p:cNvSpPr>
             <a:spLocks noGrp="1"/>
           </p:cNvSpPr>
@@ -2948,7 +507,7 @@
           <a:bodyPr/>
           <a:lstStyle/>
           <a:p>
-            <a:fld id="{1E6DFE57-4DB8-458E-ABCC-E88A9FA087D4}" type="datetimeFigureOut">
+            <a:fld id="{8542452F-7325-4082-9F10-2831E9793E09}" type="datetimeFigureOut">
               <a:rPr lang="de-DE" smtClean="0"/>
               <a:t>28.10.2019</a:t>
             </a:fld>
@@ -2958,7 +517,13 @@
       </p:sp>
       <p:sp>
         <p:nvSpPr>
-          <p:cNvPr id="5" name="Footer Placeholder 4"/>
+          <p:cNvPr id="5" name="Footer Placeholder 4">
+            <a:extLst>
+              <a:ext uri="{FF2B5EF4-FFF2-40B4-BE49-F238E27FC236}">
+                <a16:creationId xmlns:a16="http://schemas.microsoft.com/office/drawing/2014/main" id="{BCA587A9-2184-46BA-B279-084DB3EC9A8B}"/>
+              </a:ext>
+            </a:extLst>
+          </p:cNvPr>
           <p:cNvSpPr>
             <a:spLocks noGrp="1"/>
           </p:cNvSpPr>
@@ -2977,7 +542,13 @@
       </p:sp>
       <p:sp>
         <p:nvSpPr>
-          <p:cNvPr id="6" name="Slide Number Placeholder 5"/>
+          <p:cNvPr id="6" name="Slide Number Placeholder 5">
+            <a:extLst>
+              <a:ext uri="{FF2B5EF4-FFF2-40B4-BE49-F238E27FC236}">
+                <a16:creationId xmlns:a16="http://schemas.microsoft.com/office/drawing/2014/main" id="{EDFEE319-CD62-491D-9D8C-105A619856FE}"/>
+              </a:ext>
+            </a:extLst>
+          </p:cNvPr>
           <p:cNvSpPr>
             <a:spLocks noGrp="1"/>
           </p:cNvSpPr>
@@ -2990,7 +561,7 @@
           <a:bodyPr/>
           <a:lstStyle/>
           <a:p>
-            <a:fld id="{F2867057-3C75-4EE3-9A4B-CA5D31C27B3D}" type="slidenum">
+            <a:fld id="{8ECB431E-5797-47EF-A021-4BE5D67581D7}" type="slidenum">
               <a:rPr lang="de-DE" smtClean="0"/>
               <a:t>‹#›</a:t>
             </a:fld>
@@ -3001,7 +572,7 @@
     </p:spTree>
     <p:extLst>
       <p:ext uri="{BB962C8B-B14F-4D97-AF65-F5344CB8AC3E}">
-        <p14:creationId xmlns:p14="http://schemas.microsoft.com/office/powerpoint/2010/main" val="3538219250"/>
+        <p14:creationId xmlns:p14="http://schemas.microsoft.com/office/powerpoint/2010/main" val="1626140374"/>
       </p:ext>
     </p:extLst>
   </p:cSld>
@@ -3011,7 +582,7 @@
 </p:sldLayout>
 </file>
 
-<file path=ppt/slideLayouts/slideLayout17.xml><?xml version="1.0" encoding="utf-8"?>
+<file path=ppt/slideLayouts/slideLayout11.xml><?xml version="1.0" encoding="utf-8"?>
 <p:sldLayout xmlns:a="http://schemas.openxmlformats.org/drawingml/2006/main" xmlns:r="http://schemas.openxmlformats.org/officeDocument/2006/relationships" xmlns:p="http://schemas.openxmlformats.org/presentationml/2006/main" type="vertTitleAndTx" preserve="1">
   <p:cSld name="Vertical Title and Text">
     <p:spTree>
@@ -3030,7 +601,13 @@
       </p:grpSpPr>
       <p:sp>
         <p:nvSpPr>
-          <p:cNvPr id="2" name="Vertical Title 1"/>
+          <p:cNvPr id="2" name="Vertical Title 1">
+            <a:extLst>
+              <a:ext uri="{FF2B5EF4-FFF2-40B4-BE49-F238E27FC236}">
+                <a16:creationId xmlns:a16="http://schemas.microsoft.com/office/drawing/2014/main" id="{984CF11A-07B8-4B80-963C-54027E200ACD}"/>
+              </a:ext>
+            </a:extLst>
+          </p:cNvPr>
           <p:cNvSpPr>
             <a:spLocks noGrp="1"/>
           </p:cNvSpPr>
@@ -3040,8 +617,8 @@
         </p:nvSpPr>
         <p:spPr>
           <a:xfrm>
-            <a:off x="9732655" y="685800"/>
-            <a:ext cx="1770369" cy="5105400"/>
+            <a:off x="8724900" y="365125"/>
+            <a:ext cx="2628900" cy="5811838"/>
           </a:xfrm>
         </p:spPr>
         <p:txBody>
@@ -3052,13 +629,19 @@
               <a:rPr lang="en-US"/>
               <a:t>Click to edit Master title style</a:t>
             </a:r>
-            <a:endParaRPr lang="en-US" dirty="0"/>
-          </a:p>
-        </p:txBody>
-      </p:sp>
-      <p:sp>
-        <p:nvSpPr>
-          <p:cNvPr id="3" name="Vertical Text Placeholder 2"/>
+            <a:endParaRPr lang="de-DE"/>
+          </a:p>
+        </p:txBody>
+      </p:sp>
+      <p:sp>
+        <p:nvSpPr>
+          <p:cNvPr id="3" name="Vertical Text Placeholder 2">
+            <a:extLst>
+              <a:ext uri="{FF2B5EF4-FFF2-40B4-BE49-F238E27FC236}">
+                <a16:creationId xmlns:a16="http://schemas.microsoft.com/office/drawing/2014/main" id="{2ACEE589-22CB-495D-877D-103E724FFFE8}"/>
+              </a:ext>
+            </a:extLst>
+          </p:cNvPr>
           <p:cNvSpPr>
             <a:spLocks noGrp="1"/>
           </p:cNvSpPr>
@@ -3068,12 +651,12 @@
         </p:nvSpPr>
         <p:spPr>
           <a:xfrm>
-            <a:off x="1484312" y="685800"/>
-            <a:ext cx="8019742" cy="5105400"/>
-          </a:xfrm>
-        </p:spPr>
-        <p:txBody>
-          <a:bodyPr vert="eaVert" anchor="t"/>
+            <a:off x="838200" y="365125"/>
+            <a:ext cx="7734300" cy="5811838"/>
+          </a:xfrm>
+        </p:spPr>
+        <p:txBody>
+          <a:bodyPr vert="eaVert"/>
           <a:lstStyle/>
           <a:p>
             <a:pPr lvl="0"/>
@@ -3109,13 +692,19 @@
               <a:rPr lang="en-US"/>
               <a:t>Fifth level</a:t>
             </a:r>
-            <a:endParaRPr lang="en-US" dirty="0"/>
-          </a:p>
-        </p:txBody>
-      </p:sp>
-      <p:sp>
-        <p:nvSpPr>
-          <p:cNvPr id="4" name="Date Placeholder 3"/>
+            <a:endParaRPr lang="de-DE"/>
+          </a:p>
+        </p:txBody>
+      </p:sp>
+      <p:sp>
+        <p:nvSpPr>
+          <p:cNvPr id="4" name="Date Placeholder 3">
+            <a:extLst>
+              <a:ext uri="{FF2B5EF4-FFF2-40B4-BE49-F238E27FC236}">
+                <a16:creationId xmlns:a16="http://schemas.microsoft.com/office/drawing/2014/main" id="{9FA2D83F-20D0-4B18-9E6A-A129CB22CC83}"/>
+              </a:ext>
+            </a:extLst>
+          </p:cNvPr>
           <p:cNvSpPr>
             <a:spLocks noGrp="1"/>
           </p:cNvSpPr>
@@ -3128,7 +717,7 @@
           <a:bodyPr/>
           <a:lstStyle/>
           <a:p>
-            <a:fld id="{1E6DFE57-4DB8-458E-ABCC-E88A9FA087D4}" type="datetimeFigureOut">
+            <a:fld id="{8542452F-7325-4082-9F10-2831E9793E09}" type="datetimeFigureOut">
               <a:rPr lang="de-DE" smtClean="0"/>
               <a:t>28.10.2019</a:t>
             </a:fld>
@@ -3138,7 +727,13 @@
       </p:sp>
       <p:sp>
         <p:nvSpPr>
-          <p:cNvPr id="5" name="Footer Placeholder 4"/>
+          <p:cNvPr id="5" name="Footer Placeholder 4">
+            <a:extLst>
+              <a:ext uri="{FF2B5EF4-FFF2-40B4-BE49-F238E27FC236}">
+                <a16:creationId xmlns:a16="http://schemas.microsoft.com/office/drawing/2014/main" id="{063E088C-C547-4522-A04E-6EB65BFB733C}"/>
+              </a:ext>
+            </a:extLst>
+          </p:cNvPr>
           <p:cNvSpPr>
             <a:spLocks noGrp="1"/>
           </p:cNvSpPr>
@@ -3157,7 +752,13 @@
       </p:sp>
       <p:sp>
         <p:nvSpPr>
-          <p:cNvPr id="6" name="Slide Number Placeholder 5"/>
+          <p:cNvPr id="6" name="Slide Number Placeholder 5">
+            <a:extLst>
+              <a:ext uri="{FF2B5EF4-FFF2-40B4-BE49-F238E27FC236}">
+                <a16:creationId xmlns:a16="http://schemas.microsoft.com/office/drawing/2014/main" id="{F34DD673-5EA4-4818-B90B-E95C050D78D3}"/>
+              </a:ext>
+            </a:extLst>
+          </p:cNvPr>
           <p:cNvSpPr>
             <a:spLocks noGrp="1"/>
           </p:cNvSpPr>
@@ -3170,7 +771,7 @@
           <a:bodyPr/>
           <a:lstStyle/>
           <a:p>
-            <a:fld id="{F2867057-3C75-4EE3-9A4B-CA5D31C27B3D}" type="slidenum">
+            <a:fld id="{8ECB431E-5797-47EF-A021-4BE5D67581D7}" type="slidenum">
               <a:rPr lang="de-DE" smtClean="0"/>
               <a:t>‹#›</a:t>
             </a:fld>
@@ -3181,7 +782,7 @@
     </p:spTree>
     <p:extLst>
       <p:ext uri="{BB962C8B-B14F-4D97-AF65-F5344CB8AC3E}">
-        <p14:creationId xmlns:p14="http://schemas.microsoft.com/office/powerpoint/2010/main" val="3229931558"/>
+        <p14:creationId xmlns:p14="http://schemas.microsoft.com/office/powerpoint/2010/main" val="2263791626"/>
       </p:ext>
     </p:extLst>
   </p:cSld>
@@ -3210,7 +811,13 @@
       </p:grpSpPr>
       <p:sp>
         <p:nvSpPr>
-          <p:cNvPr id="2" name="Title 1"/>
+          <p:cNvPr id="2" name="Title 1">
+            <a:extLst>
+              <a:ext uri="{FF2B5EF4-FFF2-40B4-BE49-F238E27FC236}">
+                <a16:creationId xmlns:a16="http://schemas.microsoft.com/office/drawing/2014/main" id="{E69233EB-C2C8-44D2-8A91-CE14FA6D4E1C}"/>
+              </a:ext>
+            </a:extLst>
+          </p:cNvPr>
           <p:cNvSpPr>
             <a:spLocks noGrp="1"/>
           </p:cNvSpPr>
@@ -3227,13 +834,19 @@
               <a:rPr lang="en-US"/>
               <a:t>Click to edit Master title style</a:t>
             </a:r>
-            <a:endParaRPr lang="en-US" dirty="0"/>
-          </a:p>
-        </p:txBody>
-      </p:sp>
-      <p:sp>
-        <p:nvSpPr>
-          <p:cNvPr id="3" name="Content Placeholder 2"/>
+            <a:endParaRPr lang="de-DE"/>
+          </a:p>
+        </p:txBody>
+      </p:sp>
+      <p:sp>
+        <p:nvSpPr>
+          <p:cNvPr id="3" name="Content Placeholder 2">
+            <a:extLst>
+              <a:ext uri="{FF2B5EF4-FFF2-40B4-BE49-F238E27FC236}">
+                <a16:creationId xmlns:a16="http://schemas.microsoft.com/office/drawing/2014/main" id="{E0D030C3-501C-432E-91ED-03C195E28094}"/>
+              </a:ext>
+            </a:extLst>
+          </p:cNvPr>
           <p:cNvSpPr>
             <a:spLocks noGrp="1"/>
           </p:cNvSpPr>
@@ -3243,7 +856,7 @@
         </p:nvSpPr>
         <p:spPr/>
         <p:txBody>
-          <a:bodyPr anchor="ctr"/>
+          <a:bodyPr/>
           <a:lstStyle/>
           <a:p>
             <a:pPr lvl="0"/>
@@ -3279,13 +892,19 @@
               <a:rPr lang="en-US"/>
               <a:t>Fifth level</a:t>
             </a:r>
-            <a:endParaRPr lang="en-US" dirty="0"/>
-          </a:p>
-        </p:txBody>
-      </p:sp>
-      <p:sp>
-        <p:nvSpPr>
-          <p:cNvPr id="4" name="Date Placeholder 3"/>
+            <a:endParaRPr lang="de-DE"/>
+          </a:p>
+        </p:txBody>
+      </p:sp>
+      <p:sp>
+        <p:nvSpPr>
+          <p:cNvPr id="4" name="Date Placeholder 3">
+            <a:extLst>
+              <a:ext uri="{FF2B5EF4-FFF2-40B4-BE49-F238E27FC236}">
+                <a16:creationId xmlns:a16="http://schemas.microsoft.com/office/drawing/2014/main" id="{AFEA04E9-F1CE-4426-AB7A-45F264F7AC5D}"/>
+              </a:ext>
+            </a:extLst>
+          </p:cNvPr>
           <p:cNvSpPr>
             <a:spLocks noGrp="1"/>
           </p:cNvSpPr>
@@ -3298,7 +917,7 @@
           <a:bodyPr/>
           <a:lstStyle/>
           <a:p>
-            <a:fld id="{1E6DFE57-4DB8-458E-ABCC-E88A9FA087D4}" type="datetimeFigureOut">
+            <a:fld id="{8542452F-7325-4082-9F10-2831E9793E09}" type="datetimeFigureOut">
               <a:rPr lang="de-DE" smtClean="0"/>
               <a:t>28.10.2019</a:t>
             </a:fld>
@@ -3308,7 +927,13 @@
       </p:sp>
       <p:sp>
         <p:nvSpPr>
-          <p:cNvPr id="5" name="Footer Placeholder 4"/>
+          <p:cNvPr id="5" name="Footer Placeholder 4">
+            <a:extLst>
+              <a:ext uri="{FF2B5EF4-FFF2-40B4-BE49-F238E27FC236}">
+                <a16:creationId xmlns:a16="http://schemas.microsoft.com/office/drawing/2014/main" id="{C7D1B96A-F596-494C-8805-9B3FFB35C1FB}"/>
+              </a:ext>
+            </a:extLst>
+          </p:cNvPr>
           <p:cNvSpPr>
             <a:spLocks noGrp="1"/>
           </p:cNvSpPr>
@@ -3327,7 +952,13 @@
       </p:sp>
       <p:sp>
         <p:nvSpPr>
-          <p:cNvPr id="6" name="Slide Number Placeholder 5"/>
+          <p:cNvPr id="6" name="Slide Number Placeholder 5">
+            <a:extLst>
+              <a:ext uri="{FF2B5EF4-FFF2-40B4-BE49-F238E27FC236}">
+                <a16:creationId xmlns:a16="http://schemas.microsoft.com/office/drawing/2014/main" id="{8A2ED3E4-0519-4851-875E-5E10F159922A}"/>
+              </a:ext>
+            </a:extLst>
+          </p:cNvPr>
           <p:cNvSpPr>
             <a:spLocks noGrp="1"/>
           </p:cNvSpPr>
@@ -3335,17 +966,12 @@
             <p:ph type="sldNum" sz="quarter" idx="12"/>
           </p:nvPr>
         </p:nvSpPr>
-        <p:spPr>
-          <a:xfrm>
-            <a:off x="10951856" y="5867131"/>
-            <a:ext cx="551167" cy="365125"/>
-          </a:xfrm>
-        </p:spPr>
+        <p:spPr/>
         <p:txBody>
           <a:bodyPr/>
           <a:lstStyle/>
           <a:p>
-            <a:fld id="{F2867057-3C75-4EE3-9A4B-CA5D31C27B3D}" type="slidenum">
+            <a:fld id="{8ECB431E-5797-47EF-A021-4BE5D67581D7}" type="slidenum">
               <a:rPr lang="de-DE" smtClean="0"/>
               <a:t>‹#›</a:t>
             </a:fld>
@@ -3356,7 +982,7 @@
     </p:spTree>
     <p:extLst>
       <p:ext uri="{BB962C8B-B14F-4D97-AF65-F5344CB8AC3E}">
-        <p14:creationId xmlns:p14="http://schemas.microsoft.com/office/powerpoint/2010/main" val="1122098010"/>
+        <p14:creationId xmlns:p14="http://schemas.microsoft.com/office/powerpoint/2010/main" val="3701040444"/>
       </p:ext>
     </p:extLst>
   </p:cSld>
@@ -3385,7 +1011,13 @@
       </p:grpSpPr>
       <p:sp>
         <p:nvSpPr>
-          <p:cNvPr id="2" name="Title 1"/>
+          <p:cNvPr id="2" name="Title 1">
+            <a:extLst>
+              <a:ext uri="{FF2B5EF4-FFF2-40B4-BE49-F238E27FC236}">
+                <a16:creationId xmlns:a16="http://schemas.microsoft.com/office/drawing/2014/main" id="{C98BE5D7-4661-465E-983C-F56FCF313D1D}"/>
+              </a:ext>
+            </a:extLst>
+          </p:cNvPr>
           <p:cNvSpPr>
             <a:spLocks noGrp="1"/>
           </p:cNvSpPr>
@@ -3395,15 +1027,15 @@
         </p:nvSpPr>
         <p:spPr>
           <a:xfrm>
-            <a:off x="2572279" y="2666999"/>
-            <a:ext cx="8930747" cy="2110382"/>
+            <a:off x="831850" y="1709738"/>
+            <a:ext cx="10515600" cy="2852737"/>
           </a:xfrm>
         </p:spPr>
         <p:txBody>
           <a:bodyPr anchor="b"/>
           <a:lstStyle>
-            <a:lvl1pPr algn="r">
-              <a:defRPr sz="4000" b="0" cap="none"/>
+            <a:lvl1pPr>
+              <a:defRPr sz="6000"/>
             </a:lvl1pPr>
           </a:lstStyle>
           <a:p>
@@ -3411,13 +1043,19 @@
               <a:rPr lang="en-US"/>
               <a:t>Click to edit Master title style</a:t>
             </a:r>
-            <a:endParaRPr lang="en-US" dirty="0"/>
-          </a:p>
-        </p:txBody>
-      </p:sp>
-      <p:sp>
-        <p:nvSpPr>
-          <p:cNvPr id="3" name="Text Placeholder 2"/>
+            <a:endParaRPr lang="de-DE"/>
+          </a:p>
+        </p:txBody>
+      </p:sp>
+      <p:sp>
+        <p:nvSpPr>
+          <p:cNvPr id="3" name="Text Placeholder 2">
+            <a:extLst>
+              <a:ext uri="{FF2B5EF4-FFF2-40B4-BE49-F238E27FC236}">
+                <a16:creationId xmlns:a16="http://schemas.microsoft.com/office/drawing/2014/main" id="{1960CFE3-4389-40B6-9EF4-64ACFFF41C81}"/>
+              </a:ext>
+            </a:extLst>
+          </p:cNvPr>
           <p:cNvSpPr>
             <a:spLocks noGrp="1"/>
           </p:cNvSpPr>
@@ -3427,26 +1065,26 @@
         </p:nvSpPr>
         <p:spPr>
           <a:xfrm>
-            <a:off x="2572278" y="4777381"/>
-            <a:ext cx="8930748" cy="860400"/>
-          </a:xfrm>
-        </p:spPr>
-        <p:txBody>
-          <a:bodyPr anchor="t">
-            <a:normAutofit/>
-          </a:bodyPr>
+            <a:off x="831850" y="4589463"/>
+            <a:ext cx="10515600" cy="1500187"/>
+          </a:xfrm>
+        </p:spPr>
+        <p:txBody>
+          <a:bodyPr/>
           <a:lstStyle>
-            <a:lvl1pPr marL="0" indent="0" algn="r">
-              <a:buNone/>
-              <a:defRPr sz="2000">
+            <a:lvl1pPr marL="0" indent="0">
+              <a:buNone/>
+              <a:defRPr sz="2400">
                 <a:solidFill>
-                  <a:schemeClr val="tx1"/>
+                  <a:schemeClr val="tx1">
+                    <a:tint val="75000"/>
+                  </a:schemeClr>
                 </a:solidFill>
               </a:defRPr>
             </a:lvl1pPr>
             <a:lvl2pPr marL="457200" indent="0">
               <a:buNone/>
-              <a:defRPr sz="1800">
+              <a:defRPr sz="2000">
                 <a:solidFill>
                   <a:schemeClr val="tx1">
                     <a:tint val="75000"/>
@@ -3456,7 +1094,7 @@
             </a:lvl2pPr>
             <a:lvl3pPr marL="914400" indent="0">
               <a:buNone/>
-              <a:defRPr sz="1600">
+              <a:defRPr sz="1800">
                 <a:solidFill>
                   <a:schemeClr val="tx1">
                     <a:tint val="75000"/>
@@ -3466,7 +1104,7 @@
             </a:lvl3pPr>
             <a:lvl4pPr marL="1371600" indent="0">
               <a:buNone/>
-              <a:defRPr sz="1400">
+              <a:defRPr sz="1600">
                 <a:solidFill>
                   <a:schemeClr val="tx1">
                     <a:tint val="75000"/>
@@ -3476,7 +1114,7 @@
             </a:lvl4pPr>
             <a:lvl5pPr marL="1828800" indent="0">
               <a:buNone/>
-              <a:defRPr sz="1400">
+              <a:defRPr sz="1600">
                 <a:solidFill>
                   <a:schemeClr val="tx1">
                     <a:tint val="75000"/>
@@ -3486,7 +1124,7 @@
             </a:lvl5pPr>
             <a:lvl6pPr marL="2286000" indent="0">
               <a:buNone/>
-              <a:defRPr sz="1400">
+              <a:defRPr sz="1600">
                 <a:solidFill>
                   <a:schemeClr val="tx1">
                     <a:tint val="75000"/>
@@ -3496,7 +1134,7 @@
             </a:lvl6pPr>
             <a:lvl7pPr marL="2743200" indent="0">
               <a:buNone/>
-              <a:defRPr sz="1400">
+              <a:defRPr sz="1600">
                 <a:solidFill>
                   <a:schemeClr val="tx1">
                     <a:tint val="75000"/>
@@ -3506,7 +1144,7 @@
             </a:lvl7pPr>
             <a:lvl8pPr marL="3200400" indent="0">
               <a:buNone/>
-              <a:defRPr sz="1400">
+              <a:defRPr sz="1600">
                 <a:solidFill>
                   <a:schemeClr val="tx1">
                     <a:tint val="75000"/>
@@ -3516,7 +1154,7 @@
             </a:lvl8pPr>
             <a:lvl9pPr marL="3657600" indent="0">
               <a:buNone/>
-              <a:defRPr sz="1400">
+              <a:defRPr sz="1600">
                 <a:solidFill>
                   <a:schemeClr val="tx1">
                     <a:tint val="75000"/>
@@ -3536,7 +1174,13 @@
       </p:sp>
       <p:sp>
         <p:nvSpPr>
-          <p:cNvPr id="4" name="Date Placeholder 3"/>
+          <p:cNvPr id="4" name="Date Placeholder 3">
+            <a:extLst>
+              <a:ext uri="{FF2B5EF4-FFF2-40B4-BE49-F238E27FC236}">
+                <a16:creationId xmlns:a16="http://schemas.microsoft.com/office/drawing/2014/main" id="{1D5B4FF2-2A68-4674-9BED-A7F52E082D11}"/>
+              </a:ext>
+            </a:extLst>
+          </p:cNvPr>
           <p:cNvSpPr>
             <a:spLocks noGrp="1"/>
           </p:cNvSpPr>
@@ -3549,7 +1193,7 @@
           <a:bodyPr/>
           <a:lstStyle/>
           <a:p>
-            <a:fld id="{1E6DFE57-4DB8-458E-ABCC-E88A9FA087D4}" type="datetimeFigureOut">
+            <a:fld id="{8542452F-7325-4082-9F10-2831E9793E09}" type="datetimeFigureOut">
               <a:rPr lang="de-DE" smtClean="0"/>
               <a:t>28.10.2019</a:t>
             </a:fld>
@@ -3559,7 +1203,13 @@
       </p:sp>
       <p:sp>
         <p:nvSpPr>
-          <p:cNvPr id="5" name="Footer Placeholder 4"/>
+          <p:cNvPr id="5" name="Footer Placeholder 4">
+            <a:extLst>
+              <a:ext uri="{FF2B5EF4-FFF2-40B4-BE49-F238E27FC236}">
+                <a16:creationId xmlns:a16="http://schemas.microsoft.com/office/drawing/2014/main" id="{51663927-9393-4E67-BCE7-50B511DFDF96}"/>
+              </a:ext>
+            </a:extLst>
+          </p:cNvPr>
           <p:cNvSpPr>
             <a:spLocks noGrp="1"/>
           </p:cNvSpPr>
@@ -3578,7 +1228,13 @@
       </p:sp>
       <p:sp>
         <p:nvSpPr>
-          <p:cNvPr id="6" name="Slide Number Placeholder 5"/>
+          <p:cNvPr id="6" name="Slide Number Placeholder 5">
+            <a:extLst>
+              <a:ext uri="{FF2B5EF4-FFF2-40B4-BE49-F238E27FC236}">
+                <a16:creationId xmlns:a16="http://schemas.microsoft.com/office/drawing/2014/main" id="{4851146B-069E-45D9-8216-48A8B792BD3C}"/>
+              </a:ext>
+            </a:extLst>
+          </p:cNvPr>
           <p:cNvSpPr>
             <a:spLocks noGrp="1"/>
           </p:cNvSpPr>
@@ -3591,7 +1247,7 @@
           <a:bodyPr/>
           <a:lstStyle/>
           <a:p>
-            <a:fld id="{F2867057-3C75-4EE3-9A4B-CA5D31C27B3D}" type="slidenum">
+            <a:fld id="{8ECB431E-5797-47EF-A021-4BE5D67581D7}" type="slidenum">
               <a:rPr lang="de-DE" smtClean="0"/>
               <a:t>‹#›</a:t>
             </a:fld>
@@ -3602,7 +1258,7 @@
     </p:spTree>
     <p:extLst>
       <p:ext uri="{BB962C8B-B14F-4D97-AF65-F5344CB8AC3E}">
-        <p14:creationId xmlns:p14="http://schemas.microsoft.com/office/powerpoint/2010/main" val="1481105612"/>
+        <p14:creationId xmlns:p14="http://schemas.microsoft.com/office/powerpoint/2010/main" val="2245283050"/>
       </p:ext>
     </p:extLst>
   </p:cSld>
@@ -3631,7 +1287,13 @@
       </p:grpSpPr>
       <p:sp>
         <p:nvSpPr>
-          <p:cNvPr id="2" name="Title 1"/>
+          <p:cNvPr id="2" name="Title 1">
+            <a:extLst>
+              <a:ext uri="{FF2B5EF4-FFF2-40B4-BE49-F238E27FC236}">
+                <a16:creationId xmlns:a16="http://schemas.microsoft.com/office/drawing/2014/main" id="{FA837E1B-6526-47F5-AEB5-13D224870B13}"/>
+              </a:ext>
+            </a:extLst>
+          </p:cNvPr>
           <p:cNvSpPr>
             <a:spLocks noGrp="1"/>
           </p:cNvSpPr>
@@ -3639,12 +1301,7 @@
             <p:ph type="title"/>
           </p:nvPr>
         </p:nvSpPr>
-        <p:spPr>
-          <a:xfrm>
-            <a:off x="1484311" y="685800"/>
-            <a:ext cx="10018713" cy="1752599"/>
-          </a:xfrm>
-        </p:spPr>
+        <p:spPr/>
         <p:txBody>
           <a:bodyPr/>
           <a:lstStyle/>
@@ -3653,13 +1310,19 @@
               <a:rPr lang="en-US"/>
               <a:t>Click to edit Master title style</a:t>
             </a:r>
-            <a:endParaRPr lang="en-US" dirty="0"/>
-          </a:p>
-        </p:txBody>
-      </p:sp>
-      <p:sp>
-        <p:nvSpPr>
-          <p:cNvPr id="3" name="Content Placeholder 2"/>
+            <a:endParaRPr lang="de-DE"/>
+          </a:p>
+        </p:txBody>
+      </p:sp>
+      <p:sp>
+        <p:nvSpPr>
+          <p:cNvPr id="3" name="Content Placeholder 2">
+            <a:extLst>
+              <a:ext uri="{FF2B5EF4-FFF2-40B4-BE49-F238E27FC236}">
+                <a16:creationId xmlns:a16="http://schemas.microsoft.com/office/drawing/2014/main" id="{B66051C0-8722-4F26-A7A0-3470748F377B}"/>
+              </a:ext>
+            </a:extLst>
+          </p:cNvPr>
           <p:cNvSpPr>
             <a:spLocks noGrp="1"/>
           </p:cNvSpPr>
@@ -3669,43 +1332,13 @@
         </p:nvSpPr>
         <p:spPr>
           <a:xfrm>
-            <a:off x="1484312" y="2666999"/>
-            <a:ext cx="4895055" cy="3124201"/>
-          </a:xfrm>
-        </p:spPr>
-        <p:txBody>
-          <a:bodyPr>
-            <a:normAutofit/>
-          </a:bodyPr>
-          <a:lstStyle>
-            <a:lvl1pPr>
-              <a:defRPr sz="1800"/>
-            </a:lvl1pPr>
-            <a:lvl2pPr>
-              <a:defRPr sz="1600"/>
-            </a:lvl2pPr>
-            <a:lvl3pPr>
-              <a:defRPr sz="1400"/>
-            </a:lvl3pPr>
-            <a:lvl4pPr>
-              <a:defRPr sz="1200"/>
-            </a:lvl4pPr>
-            <a:lvl5pPr>
-              <a:defRPr sz="1200"/>
-            </a:lvl5pPr>
-            <a:lvl6pPr>
-              <a:defRPr sz="1200"/>
-            </a:lvl6pPr>
-            <a:lvl7pPr>
-              <a:defRPr sz="1200"/>
-            </a:lvl7pPr>
-            <a:lvl8pPr>
-              <a:defRPr sz="1200"/>
-            </a:lvl8pPr>
-            <a:lvl9pPr>
-              <a:defRPr sz="1200"/>
-            </a:lvl9pPr>
-          </a:lstStyle>
+            <a:off x="838200" y="1825625"/>
+            <a:ext cx="5181600" cy="4351338"/>
+          </a:xfrm>
+        </p:spPr>
+        <p:txBody>
+          <a:bodyPr/>
+          <a:lstStyle/>
           <a:p>
             <a:pPr lvl="0"/>
             <a:r>
@@ -3740,13 +1373,19 @@
               <a:rPr lang="en-US"/>
               <a:t>Fifth level</a:t>
             </a:r>
-            <a:endParaRPr lang="en-US" dirty="0"/>
-          </a:p>
-        </p:txBody>
-      </p:sp>
-      <p:sp>
-        <p:nvSpPr>
-          <p:cNvPr id="4" name="Content Placeholder 3"/>
+            <a:endParaRPr lang="de-DE"/>
+          </a:p>
+        </p:txBody>
+      </p:sp>
+      <p:sp>
+        <p:nvSpPr>
+          <p:cNvPr id="4" name="Content Placeholder 3">
+            <a:extLst>
+              <a:ext uri="{FF2B5EF4-FFF2-40B4-BE49-F238E27FC236}">
+                <a16:creationId xmlns:a16="http://schemas.microsoft.com/office/drawing/2014/main" id="{54B06C0E-BDF3-4845-80C6-5BE65E0441A0}"/>
+              </a:ext>
+            </a:extLst>
+          </p:cNvPr>
           <p:cNvSpPr>
             <a:spLocks noGrp="1"/>
           </p:cNvSpPr>
@@ -3756,43 +1395,13 @@
         </p:nvSpPr>
         <p:spPr>
           <a:xfrm>
-            <a:off x="6607967" y="2667000"/>
-            <a:ext cx="4895056" cy="3124200"/>
-          </a:xfrm>
-        </p:spPr>
-        <p:txBody>
-          <a:bodyPr>
-            <a:normAutofit/>
-          </a:bodyPr>
-          <a:lstStyle>
-            <a:lvl1pPr>
-              <a:defRPr sz="1800"/>
-            </a:lvl1pPr>
-            <a:lvl2pPr>
-              <a:defRPr sz="1600"/>
-            </a:lvl2pPr>
-            <a:lvl3pPr>
-              <a:defRPr sz="1400"/>
-            </a:lvl3pPr>
-            <a:lvl4pPr>
-              <a:defRPr sz="1200"/>
-            </a:lvl4pPr>
-            <a:lvl5pPr>
-              <a:defRPr sz="1200"/>
-            </a:lvl5pPr>
-            <a:lvl6pPr>
-              <a:defRPr sz="1200"/>
-            </a:lvl6pPr>
-            <a:lvl7pPr>
-              <a:defRPr sz="1200"/>
-            </a:lvl7pPr>
-            <a:lvl8pPr>
-              <a:defRPr sz="1200"/>
-            </a:lvl8pPr>
-            <a:lvl9pPr>
-              <a:defRPr sz="1200"/>
-            </a:lvl9pPr>
-          </a:lstStyle>
+            <a:off x="6172200" y="1825625"/>
+            <a:ext cx="5181600" cy="4351338"/>
+          </a:xfrm>
+        </p:spPr>
+        <p:txBody>
+          <a:bodyPr/>
+          <a:lstStyle/>
           <a:p>
             <a:pPr lvl="0"/>
             <a:r>
@@ -3827,13 +1436,19 @@
               <a:rPr lang="en-US"/>
               <a:t>Fifth level</a:t>
             </a:r>
-            <a:endParaRPr lang="en-US" dirty="0"/>
-          </a:p>
-        </p:txBody>
-      </p:sp>
-      <p:sp>
-        <p:nvSpPr>
-          <p:cNvPr id="5" name="Date Placeholder 4"/>
+            <a:endParaRPr lang="de-DE"/>
+          </a:p>
+        </p:txBody>
+      </p:sp>
+      <p:sp>
+        <p:nvSpPr>
+          <p:cNvPr id="5" name="Date Placeholder 4">
+            <a:extLst>
+              <a:ext uri="{FF2B5EF4-FFF2-40B4-BE49-F238E27FC236}">
+                <a16:creationId xmlns:a16="http://schemas.microsoft.com/office/drawing/2014/main" id="{53C5BA97-754C-4521-927E-9431299D8BD0}"/>
+              </a:ext>
+            </a:extLst>
+          </p:cNvPr>
           <p:cNvSpPr>
             <a:spLocks noGrp="1"/>
           </p:cNvSpPr>
@@ -3846,7 +1461,7 @@
           <a:bodyPr/>
           <a:lstStyle/>
           <a:p>
-            <a:fld id="{1E6DFE57-4DB8-458E-ABCC-E88A9FA087D4}" type="datetimeFigureOut">
+            <a:fld id="{8542452F-7325-4082-9F10-2831E9793E09}" type="datetimeFigureOut">
               <a:rPr lang="de-DE" smtClean="0"/>
               <a:t>28.10.2019</a:t>
             </a:fld>
@@ -3856,7 +1471,13 @@
       </p:sp>
       <p:sp>
         <p:nvSpPr>
-          <p:cNvPr id="6" name="Footer Placeholder 5"/>
+          <p:cNvPr id="6" name="Footer Placeholder 5">
+            <a:extLst>
+              <a:ext uri="{FF2B5EF4-FFF2-40B4-BE49-F238E27FC236}">
+                <a16:creationId xmlns:a16="http://schemas.microsoft.com/office/drawing/2014/main" id="{3B600FA2-8298-467D-8E73-3B3B2F9C86A9}"/>
+              </a:ext>
+            </a:extLst>
+          </p:cNvPr>
           <p:cNvSpPr>
             <a:spLocks noGrp="1"/>
           </p:cNvSpPr>
@@ -3875,7 +1496,13 @@
       </p:sp>
       <p:sp>
         <p:nvSpPr>
-          <p:cNvPr id="7" name="Slide Number Placeholder 6"/>
+          <p:cNvPr id="7" name="Slide Number Placeholder 6">
+            <a:extLst>
+              <a:ext uri="{FF2B5EF4-FFF2-40B4-BE49-F238E27FC236}">
+                <a16:creationId xmlns:a16="http://schemas.microsoft.com/office/drawing/2014/main" id="{765BB4C4-4AE9-4B6E-8E2C-09E6F94ECD46}"/>
+              </a:ext>
+            </a:extLst>
+          </p:cNvPr>
           <p:cNvSpPr>
             <a:spLocks noGrp="1"/>
           </p:cNvSpPr>
@@ -3888,7 +1515,7 @@
           <a:bodyPr/>
           <a:lstStyle/>
           <a:p>
-            <a:fld id="{F2867057-3C75-4EE3-9A4B-CA5D31C27B3D}" type="slidenum">
+            <a:fld id="{8ECB431E-5797-47EF-A021-4BE5D67581D7}" type="slidenum">
               <a:rPr lang="de-DE" smtClean="0"/>
               <a:t>‹#›</a:t>
             </a:fld>
@@ -3899,7 +1526,7 @@
     </p:spTree>
     <p:extLst>
       <p:ext uri="{BB962C8B-B14F-4D97-AF65-F5344CB8AC3E}">
-        <p14:creationId xmlns:p14="http://schemas.microsoft.com/office/powerpoint/2010/main" val="3131051675"/>
+        <p14:creationId xmlns:p14="http://schemas.microsoft.com/office/powerpoint/2010/main" val="643099649"/>
       </p:ext>
     </p:extLst>
   </p:cSld>
@@ -3928,7 +1555,13 @@
       </p:grpSpPr>
       <p:sp>
         <p:nvSpPr>
-          <p:cNvPr id="2" name="Title 1"/>
+          <p:cNvPr id="2" name="Title 1">
+            <a:extLst>
+              <a:ext uri="{FF2B5EF4-FFF2-40B4-BE49-F238E27FC236}">
+                <a16:creationId xmlns:a16="http://schemas.microsoft.com/office/drawing/2014/main" id="{2E08A2BC-0498-423F-AC82-FEC25277872B}"/>
+              </a:ext>
+            </a:extLst>
+          </p:cNvPr>
           <p:cNvSpPr>
             <a:spLocks noGrp="1"/>
           </p:cNvSpPr>
@@ -3936,26 +1569,33 @@
             <p:ph type="title"/>
           </p:nvPr>
         </p:nvSpPr>
-        <p:spPr/>
+        <p:spPr>
+          <a:xfrm>
+            <a:off x="839788" y="365125"/>
+            <a:ext cx="10515600" cy="1325563"/>
+          </a:xfrm>
+        </p:spPr>
         <p:txBody>
           <a:bodyPr/>
-          <a:lstStyle>
-            <a:lvl1pPr>
-              <a:defRPr/>
-            </a:lvl1pPr>
-          </a:lstStyle>
+          <a:lstStyle/>
           <a:p>
             <a:r>
               <a:rPr lang="en-US"/>
               <a:t>Click to edit Master title style</a:t>
             </a:r>
-            <a:endParaRPr lang="en-US" dirty="0"/>
-          </a:p>
-        </p:txBody>
-      </p:sp>
-      <p:sp>
-        <p:nvSpPr>
-          <p:cNvPr id="3" name="Text Placeholder 2"/>
+            <a:endParaRPr lang="de-DE"/>
+          </a:p>
+        </p:txBody>
+      </p:sp>
+      <p:sp>
+        <p:nvSpPr>
+          <p:cNvPr id="3" name="Text Placeholder 2">
+            <a:extLst>
+              <a:ext uri="{FF2B5EF4-FFF2-40B4-BE49-F238E27FC236}">
+                <a16:creationId xmlns:a16="http://schemas.microsoft.com/office/drawing/2014/main" id="{7B391136-2F29-4CC4-A573-F0D505C59F59}"/>
+              </a:ext>
+            </a:extLst>
+          </p:cNvPr>
           <p:cNvSpPr>
             <a:spLocks noGrp="1"/>
           </p:cNvSpPr>
@@ -3965,24 +1605,16 @@
         </p:nvSpPr>
         <p:spPr>
           <a:xfrm>
-            <a:off x="1772179" y="2658533"/>
-            <a:ext cx="4607188" cy="576262"/>
-          </a:xfrm>
-        </p:spPr>
-        <p:txBody>
-          <a:bodyPr anchor="b">
-            <a:noAutofit/>
-          </a:bodyPr>
+            <a:off x="839788" y="1681163"/>
+            <a:ext cx="5157787" cy="823912"/>
+          </a:xfrm>
+        </p:spPr>
+        <p:txBody>
+          <a:bodyPr anchor="b"/>
           <a:lstStyle>
             <a:lvl1pPr marL="0" indent="0">
               <a:buNone/>
-              <a:defRPr sz="2800" b="0">
-                <a:solidFill>
-                  <a:schemeClr val="accent1">
-                    <a:lumMod val="75000"/>
-                  </a:schemeClr>
-                </a:solidFill>
-              </a:defRPr>
+              <a:defRPr sz="2400" b="1"/>
             </a:lvl1pPr>
             <a:lvl2pPr marL="457200" indent="0">
               <a:buNone/>
@@ -4028,7 +1660,13 @@
       </p:sp>
       <p:sp>
         <p:nvSpPr>
-          <p:cNvPr id="4" name="Content Placeholder 3"/>
+          <p:cNvPr id="4" name="Content Placeholder 3">
+            <a:extLst>
+              <a:ext uri="{FF2B5EF4-FFF2-40B4-BE49-F238E27FC236}">
+                <a16:creationId xmlns:a16="http://schemas.microsoft.com/office/drawing/2014/main" id="{4FA9111C-EA42-4088-95FA-B1CF29B04900}"/>
+              </a:ext>
+            </a:extLst>
+          </p:cNvPr>
           <p:cNvSpPr>
             <a:spLocks noGrp="1"/>
           </p:cNvSpPr>
@@ -4038,43 +1676,13 @@
         </p:nvSpPr>
         <p:spPr>
           <a:xfrm>
-            <a:off x="1484311" y="3335337"/>
-            <a:ext cx="4895056" cy="2455862"/>
-          </a:xfrm>
-        </p:spPr>
-        <p:txBody>
-          <a:bodyPr anchor="t">
-            <a:normAutofit/>
-          </a:bodyPr>
-          <a:lstStyle>
-            <a:lvl1pPr>
-              <a:defRPr sz="1800"/>
-            </a:lvl1pPr>
-            <a:lvl2pPr>
-              <a:defRPr sz="1600"/>
-            </a:lvl2pPr>
-            <a:lvl3pPr>
-              <a:defRPr sz="1400"/>
-            </a:lvl3pPr>
-            <a:lvl4pPr>
-              <a:defRPr sz="1200"/>
-            </a:lvl4pPr>
-            <a:lvl5pPr>
-              <a:defRPr sz="1200"/>
-            </a:lvl5pPr>
-            <a:lvl6pPr>
-              <a:defRPr sz="1200"/>
-            </a:lvl6pPr>
-            <a:lvl7pPr>
-              <a:defRPr sz="1200"/>
-            </a:lvl7pPr>
-            <a:lvl8pPr>
-              <a:defRPr sz="1200"/>
-            </a:lvl8pPr>
-            <a:lvl9pPr>
-              <a:defRPr sz="1200"/>
-            </a:lvl9pPr>
-          </a:lstStyle>
+            <a:off x="839788" y="2505075"/>
+            <a:ext cx="5157787" cy="3684588"/>
+          </a:xfrm>
+        </p:spPr>
+        <p:txBody>
+          <a:bodyPr/>
+          <a:lstStyle/>
           <a:p>
             <a:pPr lvl="0"/>
             <a:r>
@@ -4109,13 +1717,19 @@
               <a:rPr lang="en-US"/>
               <a:t>Fifth level</a:t>
             </a:r>
-            <a:endParaRPr lang="en-US" dirty="0"/>
-          </a:p>
-        </p:txBody>
-      </p:sp>
-      <p:sp>
-        <p:nvSpPr>
-          <p:cNvPr id="5" name="Text Placeholder 4"/>
+            <a:endParaRPr lang="de-DE"/>
+          </a:p>
+        </p:txBody>
+      </p:sp>
+      <p:sp>
+        <p:nvSpPr>
+          <p:cNvPr id="5" name="Text Placeholder 4">
+            <a:extLst>
+              <a:ext uri="{FF2B5EF4-FFF2-40B4-BE49-F238E27FC236}">
+                <a16:creationId xmlns:a16="http://schemas.microsoft.com/office/drawing/2014/main" id="{2B8FC3E7-BAEA-45F2-833B-B47AFA325B0C}"/>
+              </a:ext>
+            </a:extLst>
+          </p:cNvPr>
           <p:cNvSpPr>
             <a:spLocks noGrp="1"/>
           </p:cNvSpPr>
@@ -4125,24 +1739,16 @@
         </p:nvSpPr>
         <p:spPr>
           <a:xfrm>
-            <a:off x="6880487" y="2667000"/>
-            <a:ext cx="4622537" cy="576262"/>
-          </a:xfrm>
-        </p:spPr>
-        <p:txBody>
-          <a:bodyPr anchor="b">
-            <a:noAutofit/>
-          </a:bodyPr>
+            <a:off x="6172200" y="1681163"/>
+            <a:ext cx="5183188" cy="823912"/>
+          </a:xfrm>
+        </p:spPr>
+        <p:txBody>
+          <a:bodyPr anchor="b"/>
           <a:lstStyle>
             <a:lvl1pPr marL="0" indent="0">
               <a:buNone/>
-              <a:defRPr sz="2800" b="0">
-                <a:solidFill>
-                  <a:schemeClr val="accent1">
-                    <a:lumMod val="75000"/>
-                  </a:schemeClr>
-                </a:solidFill>
-              </a:defRPr>
+              <a:defRPr sz="2400" b="1"/>
             </a:lvl1pPr>
             <a:lvl2pPr marL="457200" indent="0">
               <a:buNone/>
@@ -4188,7 +1794,13 @@
       </p:sp>
       <p:sp>
         <p:nvSpPr>
-          <p:cNvPr id="6" name="Content Placeholder 5"/>
+          <p:cNvPr id="6" name="Content Placeholder 5">
+            <a:extLst>
+              <a:ext uri="{FF2B5EF4-FFF2-40B4-BE49-F238E27FC236}">
+                <a16:creationId xmlns:a16="http://schemas.microsoft.com/office/drawing/2014/main" id="{BE194F18-9471-4691-ADB2-33361C110997}"/>
+              </a:ext>
+            </a:extLst>
+          </p:cNvPr>
           <p:cNvSpPr>
             <a:spLocks noGrp="1"/>
           </p:cNvSpPr>
@@ -4198,43 +1810,13 @@
         </p:nvSpPr>
         <p:spPr>
           <a:xfrm>
-            <a:off x="6607967" y="3335337"/>
-            <a:ext cx="4895056" cy="2455862"/>
-          </a:xfrm>
-        </p:spPr>
-        <p:txBody>
-          <a:bodyPr anchor="t">
-            <a:normAutofit/>
-          </a:bodyPr>
-          <a:lstStyle>
-            <a:lvl1pPr>
-              <a:defRPr sz="1800"/>
-            </a:lvl1pPr>
-            <a:lvl2pPr>
-              <a:defRPr sz="1600"/>
-            </a:lvl2pPr>
-            <a:lvl3pPr>
-              <a:defRPr sz="1400"/>
-            </a:lvl3pPr>
-            <a:lvl4pPr>
-              <a:defRPr sz="1200"/>
-            </a:lvl4pPr>
-            <a:lvl5pPr>
-              <a:defRPr sz="1200"/>
-            </a:lvl5pPr>
-            <a:lvl6pPr>
-              <a:defRPr sz="1200"/>
-            </a:lvl6pPr>
-            <a:lvl7pPr>
-              <a:defRPr sz="1200"/>
-            </a:lvl7pPr>
-            <a:lvl8pPr>
-              <a:defRPr sz="1200"/>
-            </a:lvl8pPr>
-            <a:lvl9pPr>
-              <a:defRPr sz="1200"/>
-            </a:lvl9pPr>
-          </a:lstStyle>
+            <a:off x="6172200" y="2505075"/>
+            <a:ext cx="5183188" cy="3684588"/>
+          </a:xfrm>
+        </p:spPr>
+        <p:txBody>
+          <a:bodyPr/>
+          <a:lstStyle/>
           <a:p>
             <a:pPr lvl="0"/>
             <a:r>
@@ -4269,13 +1851,19 @@
               <a:rPr lang="en-US"/>
               <a:t>Fifth level</a:t>
             </a:r>
-            <a:endParaRPr lang="en-US" dirty="0"/>
-          </a:p>
-        </p:txBody>
-      </p:sp>
-      <p:sp>
-        <p:nvSpPr>
-          <p:cNvPr id="7" name="Date Placeholder 6"/>
+            <a:endParaRPr lang="de-DE"/>
+          </a:p>
+        </p:txBody>
+      </p:sp>
+      <p:sp>
+        <p:nvSpPr>
+          <p:cNvPr id="7" name="Date Placeholder 6">
+            <a:extLst>
+              <a:ext uri="{FF2B5EF4-FFF2-40B4-BE49-F238E27FC236}">
+                <a16:creationId xmlns:a16="http://schemas.microsoft.com/office/drawing/2014/main" id="{7C8AA4EE-F117-4183-A0B5-94BFBE64C906}"/>
+              </a:ext>
+            </a:extLst>
+          </p:cNvPr>
           <p:cNvSpPr>
             <a:spLocks noGrp="1"/>
           </p:cNvSpPr>
@@ -4288,7 +1876,7 @@
           <a:bodyPr/>
           <a:lstStyle/>
           <a:p>
-            <a:fld id="{1E6DFE57-4DB8-458E-ABCC-E88A9FA087D4}" type="datetimeFigureOut">
+            <a:fld id="{8542452F-7325-4082-9F10-2831E9793E09}" type="datetimeFigureOut">
               <a:rPr lang="de-DE" smtClean="0"/>
               <a:t>28.10.2019</a:t>
             </a:fld>
@@ -4298,7 +1886,13 @@
       </p:sp>
       <p:sp>
         <p:nvSpPr>
-          <p:cNvPr id="8" name="Footer Placeholder 7"/>
+          <p:cNvPr id="8" name="Footer Placeholder 7">
+            <a:extLst>
+              <a:ext uri="{FF2B5EF4-FFF2-40B4-BE49-F238E27FC236}">
+                <a16:creationId xmlns:a16="http://schemas.microsoft.com/office/drawing/2014/main" id="{FAB313AF-7CB4-4E8D-901F-7CC2DB89A015}"/>
+              </a:ext>
+            </a:extLst>
+          </p:cNvPr>
           <p:cNvSpPr>
             <a:spLocks noGrp="1"/>
           </p:cNvSpPr>
@@ -4317,7 +1911,13 @@
       </p:sp>
       <p:sp>
         <p:nvSpPr>
-          <p:cNvPr id="9" name="Slide Number Placeholder 8"/>
+          <p:cNvPr id="9" name="Slide Number Placeholder 8">
+            <a:extLst>
+              <a:ext uri="{FF2B5EF4-FFF2-40B4-BE49-F238E27FC236}">
+                <a16:creationId xmlns:a16="http://schemas.microsoft.com/office/drawing/2014/main" id="{B7C8E3D4-2E1C-452C-B536-9AF73C635880}"/>
+              </a:ext>
+            </a:extLst>
+          </p:cNvPr>
           <p:cNvSpPr>
             <a:spLocks noGrp="1"/>
           </p:cNvSpPr>
@@ -4330,7 +1930,7 @@
           <a:bodyPr/>
           <a:lstStyle/>
           <a:p>
-            <a:fld id="{F2867057-3C75-4EE3-9A4B-CA5D31C27B3D}" type="slidenum">
+            <a:fld id="{8ECB431E-5797-47EF-A021-4BE5D67581D7}" type="slidenum">
               <a:rPr lang="de-DE" smtClean="0"/>
               <a:t>‹#›</a:t>
             </a:fld>
@@ -4341,7 +1941,7 @@
     </p:spTree>
     <p:extLst>
       <p:ext uri="{BB962C8B-B14F-4D97-AF65-F5344CB8AC3E}">
-        <p14:creationId xmlns:p14="http://schemas.microsoft.com/office/powerpoint/2010/main" val="3751410539"/>
+        <p14:creationId xmlns:p14="http://schemas.microsoft.com/office/powerpoint/2010/main" val="2692994206"/>
       </p:ext>
     </p:extLst>
   </p:cSld>
@@ -4370,7 +1970,13 @@
       </p:grpSpPr>
       <p:sp>
         <p:nvSpPr>
-          <p:cNvPr id="2" name="Title 1"/>
+          <p:cNvPr id="2" name="Title 1">
+            <a:extLst>
+              <a:ext uri="{FF2B5EF4-FFF2-40B4-BE49-F238E27FC236}">
+                <a16:creationId xmlns:a16="http://schemas.microsoft.com/office/drawing/2014/main" id="{855C6EF3-A183-4330-BB20-12930F498081}"/>
+              </a:ext>
+            </a:extLst>
+          </p:cNvPr>
           <p:cNvSpPr>
             <a:spLocks noGrp="1"/>
           </p:cNvSpPr>
@@ -4387,13 +1993,19 @@
               <a:rPr lang="en-US"/>
               <a:t>Click to edit Master title style</a:t>
             </a:r>
-            <a:endParaRPr lang="en-US" dirty="0"/>
-          </a:p>
-        </p:txBody>
-      </p:sp>
-      <p:sp>
-        <p:nvSpPr>
-          <p:cNvPr id="3" name="Date Placeholder 2"/>
+            <a:endParaRPr lang="de-DE"/>
+          </a:p>
+        </p:txBody>
+      </p:sp>
+      <p:sp>
+        <p:nvSpPr>
+          <p:cNvPr id="3" name="Date Placeholder 2">
+            <a:extLst>
+              <a:ext uri="{FF2B5EF4-FFF2-40B4-BE49-F238E27FC236}">
+                <a16:creationId xmlns:a16="http://schemas.microsoft.com/office/drawing/2014/main" id="{7E28C802-46A6-4930-B2BD-345215B2EA6B}"/>
+              </a:ext>
+            </a:extLst>
+          </p:cNvPr>
           <p:cNvSpPr>
             <a:spLocks noGrp="1"/>
           </p:cNvSpPr>
@@ -4406,7 +2018,7 @@
           <a:bodyPr/>
           <a:lstStyle/>
           <a:p>
-            <a:fld id="{1E6DFE57-4DB8-458E-ABCC-E88A9FA087D4}" type="datetimeFigureOut">
+            <a:fld id="{8542452F-7325-4082-9F10-2831E9793E09}" type="datetimeFigureOut">
               <a:rPr lang="de-DE" smtClean="0"/>
               <a:t>28.10.2019</a:t>
             </a:fld>
@@ -4416,7 +2028,13 @@
       </p:sp>
       <p:sp>
         <p:nvSpPr>
-          <p:cNvPr id="4" name="Footer Placeholder 3"/>
+          <p:cNvPr id="4" name="Footer Placeholder 3">
+            <a:extLst>
+              <a:ext uri="{FF2B5EF4-FFF2-40B4-BE49-F238E27FC236}">
+                <a16:creationId xmlns:a16="http://schemas.microsoft.com/office/drawing/2014/main" id="{5FF79CD1-03BB-4891-8639-449D90358450}"/>
+              </a:ext>
+            </a:extLst>
+          </p:cNvPr>
           <p:cNvSpPr>
             <a:spLocks noGrp="1"/>
           </p:cNvSpPr>
@@ -4435,7 +2053,13 @@
       </p:sp>
       <p:sp>
         <p:nvSpPr>
-          <p:cNvPr id="5" name="Slide Number Placeholder 4"/>
+          <p:cNvPr id="5" name="Slide Number Placeholder 4">
+            <a:extLst>
+              <a:ext uri="{FF2B5EF4-FFF2-40B4-BE49-F238E27FC236}">
+                <a16:creationId xmlns:a16="http://schemas.microsoft.com/office/drawing/2014/main" id="{02460493-D0B6-485F-9A58-491618CC7F21}"/>
+              </a:ext>
+            </a:extLst>
+          </p:cNvPr>
           <p:cNvSpPr>
             <a:spLocks noGrp="1"/>
           </p:cNvSpPr>
@@ -4448,7 +2072,7 @@
           <a:bodyPr/>
           <a:lstStyle/>
           <a:p>
-            <a:fld id="{F2867057-3C75-4EE3-9A4B-CA5D31C27B3D}" type="slidenum">
+            <a:fld id="{8ECB431E-5797-47EF-A021-4BE5D67581D7}" type="slidenum">
               <a:rPr lang="de-DE" smtClean="0"/>
               <a:t>‹#›</a:t>
             </a:fld>
@@ -4459,7 +2083,7 @@
     </p:spTree>
     <p:extLst>
       <p:ext uri="{BB962C8B-B14F-4D97-AF65-F5344CB8AC3E}">
-        <p14:creationId xmlns:p14="http://schemas.microsoft.com/office/powerpoint/2010/main" val="2387318461"/>
+        <p14:creationId xmlns:p14="http://schemas.microsoft.com/office/powerpoint/2010/main" val="826093110"/>
       </p:ext>
     </p:extLst>
   </p:cSld>
@@ -4488,7 +2112,13 @@
       </p:grpSpPr>
       <p:sp>
         <p:nvSpPr>
-          <p:cNvPr id="2" name="Date Placeholder 1"/>
+          <p:cNvPr id="2" name="Date Placeholder 1">
+            <a:extLst>
+              <a:ext uri="{FF2B5EF4-FFF2-40B4-BE49-F238E27FC236}">
+                <a16:creationId xmlns:a16="http://schemas.microsoft.com/office/drawing/2014/main" id="{8400FC48-40D5-444A-A335-D2055E9FB796}"/>
+              </a:ext>
+            </a:extLst>
+          </p:cNvPr>
           <p:cNvSpPr>
             <a:spLocks noGrp="1"/>
           </p:cNvSpPr>
@@ -4501,7 +2131,7 @@
           <a:bodyPr/>
           <a:lstStyle/>
           <a:p>
-            <a:fld id="{1E6DFE57-4DB8-458E-ABCC-E88A9FA087D4}" type="datetimeFigureOut">
+            <a:fld id="{8542452F-7325-4082-9F10-2831E9793E09}" type="datetimeFigureOut">
               <a:rPr lang="de-DE" smtClean="0"/>
               <a:t>28.10.2019</a:t>
             </a:fld>
@@ -4511,7 +2141,13 @@
       </p:sp>
       <p:sp>
         <p:nvSpPr>
-          <p:cNvPr id="3" name="Footer Placeholder 2"/>
+          <p:cNvPr id="3" name="Footer Placeholder 2">
+            <a:extLst>
+              <a:ext uri="{FF2B5EF4-FFF2-40B4-BE49-F238E27FC236}">
+                <a16:creationId xmlns:a16="http://schemas.microsoft.com/office/drawing/2014/main" id="{C63838C2-5B7B-4134-9A2D-382F393CDA65}"/>
+              </a:ext>
+            </a:extLst>
+          </p:cNvPr>
           <p:cNvSpPr>
             <a:spLocks noGrp="1"/>
           </p:cNvSpPr>
@@ -4530,7 +2166,13 @@
       </p:sp>
       <p:sp>
         <p:nvSpPr>
-          <p:cNvPr id="4" name="Slide Number Placeholder 3"/>
+          <p:cNvPr id="4" name="Slide Number Placeholder 3">
+            <a:extLst>
+              <a:ext uri="{FF2B5EF4-FFF2-40B4-BE49-F238E27FC236}">
+                <a16:creationId xmlns:a16="http://schemas.microsoft.com/office/drawing/2014/main" id="{1C35602A-3852-4F13-A312-7BB9CC0CFA10}"/>
+              </a:ext>
+            </a:extLst>
+          </p:cNvPr>
           <p:cNvSpPr>
             <a:spLocks noGrp="1"/>
           </p:cNvSpPr>
@@ -4543,7 +2185,7 @@
           <a:bodyPr/>
           <a:lstStyle/>
           <a:p>
-            <a:fld id="{F2867057-3C75-4EE3-9A4B-CA5D31C27B3D}" type="slidenum">
+            <a:fld id="{8ECB431E-5797-47EF-A021-4BE5D67581D7}" type="slidenum">
               <a:rPr lang="de-DE" smtClean="0"/>
               <a:t>‹#›</a:t>
             </a:fld>
@@ -4554,7 +2196,7 @@
     </p:spTree>
     <p:extLst>
       <p:ext uri="{BB962C8B-B14F-4D97-AF65-F5344CB8AC3E}">
-        <p14:creationId xmlns:p14="http://schemas.microsoft.com/office/powerpoint/2010/main" val="2751272358"/>
+        <p14:creationId xmlns:p14="http://schemas.microsoft.com/office/powerpoint/2010/main" val="482142643"/>
       </p:ext>
     </p:extLst>
   </p:cSld>
@@ -4583,7 +2225,13 @@
       </p:grpSpPr>
       <p:sp>
         <p:nvSpPr>
-          <p:cNvPr id="2" name="Title 1"/>
+          <p:cNvPr id="2" name="Title 1">
+            <a:extLst>
+              <a:ext uri="{FF2B5EF4-FFF2-40B4-BE49-F238E27FC236}">
+                <a16:creationId xmlns:a16="http://schemas.microsoft.com/office/drawing/2014/main" id="{20FAC563-01C2-42BF-AD4A-47C63D9D43AB}"/>
+              </a:ext>
+            </a:extLst>
+          </p:cNvPr>
           <p:cNvSpPr>
             <a:spLocks noGrp="1"/>
           </p:cNvSpPr>
@@ -4593,17 +2241,15 @@
         </p:nvSpPr>
         <p:spPr>
           <a:xfrm>
-            <a:off x="1484312" y="1600200"/>
-            <a:ext cx="3549121" cy="1371600"/>
-          </a:xfrm>
-        </p:spPr>
-        <p:txBody>
-          <a:bodyPr anchor="b">
-            <a:normAutofit/>
-          </a:bodyPr>
+            <a:off x="839788" y="457200"/>
+            <a:ext cx="3932237" cy="1600200"/>
+          </a:xfrm>
+        </p:spPr>
+        <p:txBody>
+          <a:bodyPr anchor="b"/>
           <a:lstStyle>
-            <a:lvl1pPr algn="ctr">
-              <a:defRPr sz="2400" b="0"/>
+            <a:lvl1pPr>
+              <a:defRPr sz="3200"/>
             </a:lvl1pPr>
           </a:lstStyle>
           <a:p>
@@ -4611,13 +2257,19 @@
               <a:rPr lang="en-US"/>
               <a:t>Click to edit Master title style</a:t>
             </a:r>
-            <a:endParaRPr lang="en-US" dirty="0"/>
-          </a:p>
-        </p:txBody>
-      </p:sp>
-      <p:sp>
-        <p:nvSpPr>
-          <p:cNvPr id="3" name="Content Placeholder 2"/>
+            <a:endParaRPr lang="de-DE"/>
+          </a:p>
+        </p:txBody>
+      </p:sp>
+      <p:sp>
+        <p:nvSpPr>
+          <p:cNvPr id="3" name="Content Placeholder 2">
+            <a:extLst>
+              <a:ext uri="{FF2B5EF4-FFF2-40B4-BE49-F238E27FC236}">
+                <a16:creationId xmlns:a16="http://schemas.microsoft.com/office/drawing/2014/main" id="{796F0634-9EF3-496E-B3C6-1932B3FBD1CD}"/>
+              </a:ext>
+            </a:extLst>
+          </p:cNvPr>
           <p:cNvSpPr>
             <a:spLocks noGrp="1"/>
           </p:cNvSpPr>
@@ -4627,41 +2279,39 @@
         </p:nvSpPr>
         <p:spPr>
           <a:xfrm>
-            <a:off x="5262033" y="685799"/>
-            <a:ext cx="6240990" cy="5105401"/>
-          </a:xfrm>
-        </p:spPr>
-        <p:txBody>
-          <a:bodyPr anchor="ctr">
-            <a:normAutofit/>
-          </a:bodyPr>
+            <a:off x="5183188" y="987425"/>
+            <a:ext cx="6172200" cy="4873625"/>
+          </a:xfrm>
+        </p:spPr>
+        <p:txBody>
+          <a:bodyPr/>
           <a:lstStyle>
             <a:lvl1pPr>
-              <a:defRPr sz="2000"/>
+              <a:defRPr sz="3200"/>
             </a:lvl1pPr>
             <a:lvl2pPr>
-              <a:defRPr sz="1800"/>
+              <a:defRPr sz="2800"/>
             </a:lvl2pPr>
             <a:lvl3pPr>
-              <a:defRPr sz="1600"/>
+              <a:defRPr sz="2400"/>
             </a:lvl3pPr>
             <a:lvl4pPr>
-              <a:defRPr sz="1400"/>
+              <a:defRPr sz="2000"/>
             </a:lvl4pPr>
             <a:lvl5pPr>
-              <a:defRPr sz="1400"/>
+              <a:defRPr sz="2000"/>
             </a:lvl5pPr>
             <a:lvl6pPr>
-              <a:defRPr sz="1400"/>
+              <a:defRPr sz="2000"/>
             </a:lvl6pPr>
             <a:lvl7pPr>
-              <a:defRPr sz="1400"/>
+              <a:defRPr sz="2000"/>
             </a:lvl7pPr>
             <a:lvl8pPr>
-              <a:defRPr sz="1400"/>
+              <a:defRPr sz="2000"/>
             </a:lvl8pPr>
             <a:lvl9pPr>
-              <a:defRPr sz="1400"/>
+              <a:defRPr sz="2000"/>
             </a:lvl9pPr>
           </a:lstStyle>
           <a:p>
@@ -4698,13 +2348,19 @@
               <a:rPr lang="en-US"/>
               <a:t>Fifth level</a:t>
             </a:r>
-            <a:endParaRPr lang="en-US" dirty="0"/>
-          </a:p>
-        </p:txBody>
-      </p:sp>
-      <p:sp>
-        <p:nvSpPr>
-          <p:cNvPr id="4" name="Text Placeholder 3"/>
+            <a:endParaRPr lang="de-DE"/>
+          </a:p>
+        </p:txBody>
+      </p:sp>
+      <p:sp>
+        <p:nvSpPr>
+          <p:cNvPr id="4" name="Text Placeholder 3">
+            <a:extLst>
+              <a:ext uri="{FF2B5EF4-FFF2-40B4-BE49-F238E27FC236}">
+                <a16:creationId xmlns:a16="http://schemas.microsoft.com/office/drawing/2014/main" id="{351D896A-0610-4091-9E6A-19390D146250}"/>
+              </a:ext>
+            </a:extLst>
+          </p:cNvPr>
           <p:cNvSpPr>
             <a:spLocks noGrp="1"/>
           </p:cNvSpPr>
@@ -4714,50 +2370,48 @@
         </p:nvSpPr>
         <p:spPr>
           <a:xfrm>
-            <a:off x="1484312" y="2971800"/>
-            <a:ext cx="3549121" cy="1828800"/>
-          </a:xfrm>
-        </p:spPr>
-        <p:txBody>
-          <a:bodyPr>
-            <a:normAutofit/>
-          </a:bodyPr>
+            <a:off x="839788" y="2057400"/>
+            <a:ext cx="3932237" cy="3811588"/>
+          </a:xfrm>
+        </p:spPr>
+        <p:txBody>
+          <a:bodyPr/>
           <a:lstStyle>
-            <a:lvl1pPr marL="0" indent="0" algn="ctr">
+            <a:lvl1pPr marL="0" indent="0">
               <a:buNone/>
               <a:defRPr sz="1600"/>
             </a:lvl1pPr>
             <a:lvl2pPr marL="457200" indent="0">
               <a:buNone/>
-              <a:defRPr sz="1200"/>
+              <a:defRPr sz="1400"/>
             </a:lvl2pPr>
             <a:lvl3pPr marL="914400" indent="0">
               <a:buNone/>
-              <a:defRPr sz="1000"/>
+              <a:defRPr sz="1200"/>
             </a:lvl3pPr>
             <a:lvl4pPr marL="1371600" indent="0">
               <a:buNone/>
-              <a:defRPr sz="900"/>
+              <a:defRPr sz="1000"/>
             </a:lvl4pPr>
             <a:lvl5pPr marL="1828800" indent="0">
               <a:buNone/>
-              <a:defRPr sz="900"/>
+              <a:defRPr sz="1000"/>
             </a:lvl5pPr>
             <a:lvl6pPr marL="2286000" indent="0">
               <a:buNone/>
-              <a:defRPr sz="900"/>
+              <a:defRPr sz="1000"/>
             </a:lvl6pPr>
             <a:lvl7pPr marL="2743200" indent="0">
               <a:buNone/>
-              <a:defRPr sz="900"/>
+              <a:defRPr sz="1000"/>
             </a:lvl7pPr>
             <a:lvl8pPr marL="3200400" indent="0">
               <a:buNone/>
-              <a:defRPr sz="900"/>
+              <a:defRPr sz="1000"/>
             </a:lvl8pPr>
             <a:lvl9pPr marL="3657600" indent="0">
               <a:buNone/>
-              <a:defRPr sz="900"/>
+              <a:defRPr sz="1000"/>
             </a:lvl9pPr>
           </a:lstStyle>
           <a:p>
@@ -4771,7 +2425,13 @@
       </p:sp>
       <p:sp>
         <p:nvSpPr>
-          <p:cNvPr id="5" name="Date Placeholder 4"/>
+          <p:cNvPr id="5" name="Date Placeholder 4">
+            <a:extLst>
+              <a:ext uri="{FF2B5EF4-FFF2-40B4-BE49-F238E27FC236}">
+                <a16:creationId xmlns:a16="http://schemas.microsoft.com/office/drawing/2014/main" id="{B6B80BAF-11C5-4836-85F1-DA671BAFFB6F}"/>
+              </a:ext>
+            </a:extLst>
+          </p:cNvPr>
           <p:cNvSpPr>
             <a:spLocks noGrp="1"/>
           </p:cNvSpPr>
@@ -4784,7 +2444,7 @@
           <a:bodyPr/>
           <a:lstStyle/>
           <a:p>
-            <a:fld id="{1E6DFE57-4DB8-458E-ABCC-E88A9FA087D4}" type="datetimeFigureOut">
+            <a:fld id="{8542452F-7325-4082-9F10-2831E9793E09}" type="datetimeFigureOut">
               <a:rPr lang="de-DE" smtClean="0"/>
               <a:t>28.10.2019</a:t>
             </a:fld>
@@ -4794,7 +2454,13 @@
       </p:sp>
       <p:sp>
         <p:nvSpPr>
-          <p:cNvPr id="6" name="Footer Placeholder 5"/>
+          <p:cNvPr id="6" name="Footer Placeholder 5">
+            <a:extLst>
+              <a:ext uri="{FF2B5EF4-FFF2-40B4-BE49-F238E27FC236}">
+                <a16:creationId xmlns:a16="http://schemas.microsoft.com/office/drawing/2014/main" id="{B28416D1-6F6C-42B3-AFC3-22345D3A7B67}"/>
+              </a:ext>
+            </a:extLst>
+          </p:cNvPr>
           <p:cNvSpPr>
             <a:spLocks noGrp="1"/>
           </p:cNvSpPr>
@@ -4813,7 +2479,13 @@
       </p:sp>
       <p:sp>
         <p:nvSpPr>
-          <p:cNvPr id="7" name="Slide Number Placeholder 6"/>
+          <p:cNvPr id="7" name="Slide Number Placeholder 6">
+            <a:extLst>
+              <a:ext uri="{FF2B5EF4-FFF2-40B4-BE49-F238E27FC236}">
+                <a16:creationId xmlns:a16="http://schemas.microsoft.com/office/drawing/2014/main" id="{EB3A1374-254B-41BC-82F8-73EB811ACB82}"/>
+              </a:ext>
+            </a:extLst>
+          </p:cNvPr>
           <p:cNvSpPr>
             <a:spLocks noGrp="1"/>
           </p:cNvSpPr>
@@ -4826,7 +2498,7 @@
           <a:bodyPr/>
           <a:lstStyle/>
           <a:p>
-            <a:fld id="{F2867057-3C75-4EE3-9A4B-CA5D31C27B3D}" type="slidenum">
+            <a:fld id="{8ECB431E-5797-47EF-A021-4BE5D67581D7}" type="slidenum">
               <a:rPr lang="de-DE" smtClean="0"/>
               <a:t>‹#›</a:t>
             </a:fld>
@@ -4837,7 +2509,7 @@
     </p:spTree>
     <p:extLst>
       <p:ext uri="{BB962C8B-B14F-4D97-AF65-F5344CB8AC3E}">
-        <p14:creationId xmlns:p14="http://schemas.microsoft.com/office/powerpoint/2010/main" val="3024141452"/>
+        <p14:creationId xmlns:p14="http://schemas.microsoft.com/office/powerpoint/2010/main" val="2043255784"/>
       </p:ext>
     </p:extLst>
   </p:cSld>
@@ -4866,7 +2538,13 @@
       </p:grpSpPr>
       <p:sp>
         <p:nvSpPr>
-          <p:cNvPr id="2" name="Title 1"/>
+          <p:cNvPr id="2" name="Title 1">
+            <a:extLst>
+              <a:ext uri="{FF2B5EF4-FFF2-40B4-BE49-F238E27FC236}">
+                <a16:creationId xmlns:a16="http://schemas.microsoft.com/office/drawing/2014/main" id="{2FB72F46-2E04-4319-BEA3-0D455AD08C95}"/>
+              </a:ext>
+            </a:extLst>
+          </p:cNvPr>
           <p:cNvSpPr>
             <a:spLocks noGrp="1"/>
           </p:cNvSpPr>
@@ -4876,17 +2554,15 @@
         </p:nvSpPr>
         <p:spPr>
           <a:xfrm>
-            <a:off x="1482724" y="1752599"/>
-            <a:ext cx="5426158" cy="1371600"/>
-          </a:xfrm>
-        </p:spPr>
-        <p:txBody>
-          <a:bodyPr anchor="b">
-            <a:normAutofit/>
-          </a:bodyPr>
+            <a:off x="839788" y="457200"/>
+            <a:ext cx="3932237" cy="1600200"/>
+          </a:xfrm>
+        </p:spPr>
+        <p:txBody>
+          <a:bodyPr anchor="b"/>
           <a:lstStyle>
-            <a:lvl1pPr algn="ctr">
-              <a:defRPr sz="2800" b="0"/>
+            <a:lvl1pPr>
+              <a:defRPr sz="3200"/>
             </a:lvl1pPr>
           </a:lstStyle>
           <a:p>
@@ -4894,15 +2570,21 @@
               <a:rPr lang="en-US"/>
               <a:t>Click to edit Master title style</a:t>
             </a:r>
-            <a:endParaRPr lang="en-US" dirty="0"/>
-          </a:p>
-        </p:txBody>
-      </p:sp>
-      <p:sp>
-        <p:nvSpPr>
-          <p:cNvPr id="14" name="Picture Placeholder 2"/>
-          <p:cNvSpPr>
-            <a:spLocks noGrp="1" noChangeAspect="1"/>
+            <a:endParaRPr lang="de-DE"/>
+          </a:p>
+        </p:txBody>
+      </p:sp>
+      <p:sp>
+        <p:nvSpPr>
+          <p:cNvPr id="3" name="Picture Placeholder 2">
+            <a:extLst>
+              <a:ext uri="{FF2B5EF4-FFF2-40B4-BE49-F238E27FC236}">
+                <a16:creationId xmlns:a16="http://schemas.microsoft.com/office/drawing/2014/main" id="{0B3DDFF3-D04F-4C6A-9CA9-C75C33DE7782}"/>
+              </a:ext>
+            </a:extLst>
+          </p:cNvPr>
+          <p:cNvSpPr>
+            <a:spLocks noGrp="1"/>
           </p:cNvSpPr>
           <p:nvPr>
             <p:ph type="pic" idx="1"/>
@@ -4910,148 +2592,118 @@
         </p:nvSpPr>
         <p:spPr>
           <a:xfrm>
-            <a:off x="7594682" y="914400"/>
-            <a:ext cx="3280974" cy="4572000"/>
-          </a:xfrm>
-          <a:prstGeom prst="roundRect">
-            <a:avLst>
-              <a:gd name="adj" fmla="val 4280"/>
-            </a:avLst>
-          </a:prstGeom>
-          <a:ln w="38100">
-            <a:gradFill flip="none" rotWithShape="1">
-              <a:gsLst>
-                <a:gs pos="0">
-                  <a:schemeClr val="bg2"/>
-                </a:gs>
-                <a:gs pos="100000">
-                  <a:schemeClr val="bg2">
-                    <a:lumMod val="75000"/>
-                  </a:schemeClr>
-                </a:gs>
-              </a:gsLst>
-              <a:lin ang="5400000" scaled="0"/>
-              <a:tileRect/>
-            </a:gradFill>
-          </a:ln>
-          <a:effectLst>
-            <a:innerShdw blurRad="57150" dist="38100" dir="14460000">
-              <a:srgbClr val="000000">
-                <a:alpha val="70000"/>
-              </a:srgbClr>
-            </a:innerShdw>
-          </a:effectLst>
-        </p:spPr>
-        <p:txBody>
-          <a:bodyPr anchor="t">
-            <a:normAutofit/>
-          </a:bodyPr>
+            <a:off x="5183188" y="987425"/>
+            <a:ext cx="6172200" cy="4873625"/>
+          </a:xfrm>
+        </p:spPr>
+        <p:txBody>
+          <a:bodyPr/>
           <a:lstStyle>
-            <a:lvl1pPr marL="0" indent="0" algn="ctr">
+            <a:lvl1pPr marL="0" indent="0">
+              <a:buNone/>
+              <a:defRPr sz="3200"/>
+            </a:lvl1pPr>
+            <a:lvl2pPr marL="457200" indent="0">
+              <a:buNone/>
+              <a:defRPr sz="2800"/>
+            </a:lvl2pPr>
+            <a:lvl3pPr marL="914400" indent="0">
+              <a:buNone/>
+              <a:defRPr sz="2400"/>
+            </a:lvl3pPr>
+            <a:lvl4pPr marL="1371600" indent="0">
+              <a:buNone/>
+              <a:defRPr sz="2000"/>
+            </a:lvl4pPr>
+            <a:lvl5pPr marL="1828800" indent="0">
+              <a:buNone/>
+              <a:defRPr sz="2000"/>
+            </a:lvl5pPr>
+            <a:lvl6pPr marL="2286000" indent="0">
+              <a:buNone/>
+              <a:defRPr sz="2000"/>
+            </a:lvl6pPr>
+            <a:lvl7pPr marL="2743200" indent="0">
+              <a:buNone/>
+              <a:defRPr sz="2000"/>
+            </a:lvl7pPr>
+            <a:lvl8pPr marL="3200400" indent="0">
+              <a:buNone/>
+              <a:defRPr sz="2000"/>
+            </a:lvl8pPr>
+            <a:lvl9pPr marL="3657600" indent="0">
+              <a:buNone/>
+              <a:defRPr sz="2000"/>
+            </a:lvl9pPr>
+          </a:lstStyle>
+          <a:p>
+            <a:endParaRPr lang="de-DE"/>
+          </a:p>
+        </p:txBody>
+      </p:sp>
+      <p:sp>
+        <p:nvSpPr>
+          <p:cNvPr id="4" name="Text Placeholder 3">
+            <a:extLst>
+              <a:ext uri="{FF2B5EF4-FFF2-40B4-BE49-F238E27FC236}">
+                <a16:creationId xmlns:a16="http://schemas.microsoft.com/office/drawing/2014/main" id="{84BADC3C-4DEC-4B6C-954A-F778A9F32D07}"/>
+              </a:ext>
+            </a:extLst>
+          </p:cNvPr>
+          <p:cNvSpPr>
+            <a:spLocks noGrp="1"/>
+          </p:cNvSpPr>
+          <p:nvPr>
+            <p:ph type="body" sz="half" idx="2"/>
+          </p:nvPr>
+        </p:nvSpPr>
+        <p:spPr>
+          <a:xfrm>
+            <a:off x="839788" y="2057400"/>
+            <a:ext cx="3932237" cy="3811588"/>
+          </a:xfrm>
+        </p:spPr>
+        <p:txBody>
+          <a:bodyPr/>
+          <a:lstStyle>
+            <a:lvl1pPr marL="0" indent="0">
               <a:buNone/>
               <a:defRPr sz="1600"/>
             </a:lvl1pPr>
             <a:lvl2pPr marL="457200" indent="0">
               <a:buNone/>
-              <a:defRPr sz="1600"/>
+              <a:defRPr sz="1400"/>
             </a:lvl2pPr>
             <a:lvl3pPr marL="914400" indent="0">
               <a:buNone/>
-              <a:defRPr sz="1600"/>
+              <a:defRPr sz="1200"/>
             </a:lvl3pPr>
             <a:lvl4pPr marL="1371600" indent="0">
               <a:buNone/>
-              <a:defRPr sz="1600"/>
+              <a:defRPr sz="1000"/>
             </a:lvl4pPr>
             <a:lvl5pPr marL="1828800" indent="0">
               <a:buNone/>
-              <a:defRPr sz="1600"/>
+              <a:defRPr sz="1000"/>
             </a:lvl5pPr>
             <a:lvl6pPr marL="2286000" indent="0">
               <a:buNone/>
-              <a:defRPr sz="1600"/>
+              <a:defRPr sz="1000"/>
             </a:lvl6pPr>
             <a:lvl7pPr marL="2743200" indent="0">
               <a:buNone/>
-              <a:defRPr sz="1600"/>
+              <a:defRPr sz="1000"/>
             </a:lvl7pPr>
             <a:lvl8pPr marL="3200400" indent="0">
               <a:buNone/>
-              <a:defRPr sz="1600"/>
+              <a:defRPr sz="1000"/>
             </a:lvl8pPr>
             <a:lvl9pPr marL="3657600" indent="0">
               <a:buNone/>
-              <a:defRPr sz="1600"/>
+              <a:defRPr sz="1000"/>
             </a:lvl9pPr>
           </a:lstStyle>
           <a:p>
-            <a:r>
-              <a:rPr lang="en-US"/>
-              <a:t>Click icon to add picture</a:t>
-            </a:r>
-            <a:endParaRPr lang="en-US" dirty="0"/>
-          </a:p>
-        </p:txBody>
-      </p:sp>
-      <p:sp>
-        <p:nvSpPr>
-          <p:cNvPr id="4" name="Text Placeholder 3"/>
-          <p:cNvSpPr>
-            <a:spLocks noGrp="1"/>
-          </p:cNvSpPr>
-          <p:nvPr>
-            <p:ph type="body" sz="half" idx="2"/>
-          </p:nvPr>
-        </p:nvSpPr>
-        <p:spPr>
-          <a:xfrm>
-            <a:off x="1482724" y="3124199"/>
-            <a:ext cx="5426158" cy="1828800"/>
-          </a:xfrm>
-        </p:spPr>
-        <p:txBody>
-          <a:bodyPr>
-            <a:normAutofit/>
-          </a:bodyPr>
-          <a:lstStyle>
-            <a:lvl1pPr marL="0" indent="0" algn="ctr">
-              <a:buNone/>
-              <a:defRPr sz="1800"/>
-            </a:lvl1pPr>
-            <a:lvl2pPr marL="457200" indent="0">
-              <a:buNone/>
-              <a:defRPr sz="1200"/>
-            </a:lvl2pPr>
-            <a:lvl3pPr marL="914400" indent="0">
-              <a:buNone/>
-              <a:defRPr sz="1000"/>
-            </a:lvl3pPr>
-            <a:lvl4pPr marL="1371600" indent="0">
-              <a:buNone/>
-              <a:defRPr sz="900"/>
-            </a:lvl4pPr>
-            <a:lvl5pPr marL="1828800" indent="0">
-              <a:buNone/>
-              <a:defRPr sz="900"/>
-            </a:lvl5pPr>
-            <a:lvl6pPr marL="2286000" indent="0">
-              <a:buNone/>
-              <a:defRPr sz="900"/>
-            </a:lvl6pPr>
-            <a:lvl7pPr marL="2743200" indent="0">
-              <a:buNone/>
-              <a:defRPr sz="900"/>
-            </a:lvl7pPr>
-            <a:lvl8pPr marL="3200400" indent="0">
-              <a:buNone/>
-              <a:defRPr sz="900"/>
-            </a:lvl8pPr>
-            <a:lvl9pPr marL="3657600" indent="0">
-              <a:buNone/>
-              <a:defRPr sz="900"/>
-            </a:lvl9pPr>
-          </a:lstStyle>
-          <a:p>
             <a:pPr lvl="0"/>
             <a:r>
               <a:rPr lang="en-US"/>
@@ -5062,7 +2714,13 @@
       </p:sp>
       <p:sp>
         <p:nvSpPr>
-          <p:cNvPr id="5" name="Date Placeholder 4"/>
+          <p:cNvPr id="5" name="Date Placeholder 4">
+            <a:extLst>
+              <a:ext uri="{FF2B5EF4-FFF2-40B4-BE49-F238E27FC236}">
+                <a16:creationId xmlns:a16="http://schemas.microsoft.com/office/drawing/2014/main" id="{93CBABAD-B573-44BD-BA64-650F28BF4605}"/>
+              </a:ext>
+            </a:extLst>
+          </p:cNvPr>
           <p:cNvSpPr>
             <a:spLocks noGrp="1"/>
           </p:cNvSpPr>
@@ -5075,7 +2733,7 @@
           <a:bodyPr/>
           <a:lstStyle/>
           <a:p>
-            <a:fld id="{1E6DFE57-4DB8-458E-ABCC-E88A9FA087D4}" type="datetimeFigureOut">
+            <a:fld id="{8542452F-7325-4082-9F10-2831E9793E09}" type="datetimeFigureOut">
               <a:rPr lang="de-DE" smtClean="0"/>
               <a:t>28.10.2019</a:t>
             </a:fld>
@@ -5085,7 +2743,13 @@
       </p:sp>
       <p:sp>
         <p:nvSpPr>
-          <p:cNvPr id="6" name="Footer Placeholder 5"/>
+          <p:cNvPr id="6" name="Footer Placeholder 5">
+            <a:extLst>
+              <a:ext uri="{FF2B5EF4-FFF2-40B4-BE49-F238E27FC236}">
+                <a16:creationId xmlns:a16="http://schemas.microsoft.com/office/drawing/2014/main" id="{E78617D7-4D9F-4C39-B082-684768085EF7}"/>
+              </a:ext>
+            </a:extLst>
+          </p:cNvPr>
           <p:cNvSpPr>
             <a:spLocks noGrp="1"/>
           </p:cNvSpPr>
@@ -5104,7 +2768,13 @@
       </p:sp>
       <p:sp>
         <p:nvSpPr>
-          <p:cNvPr id="7" name="Slide Number Placeholder 6"/>
+          <p:cNvPr id="7" name="Slide Number Placeholder 6">
+            <a:extLst>
+              <a:ext uri="{FF2B5EF4-FFF2-40B4-BE49-F238E27FC236}">
+                <a16:creationId xmlns:a16="http://schemas.microsoft.com/office/drawing/2014/main" id="{DBE1360F-9419-46CE-BA32-2F6411EE6B3A}"/>
+              </a:ext>
+            </a:extLst>
+          </p:cNvPr>
           <p:cNvSpPr>
             <a:spLocks noGrp="1"/>
           </p:cNvSpPr>
@@ -5117,7 +2787,7 @@
           <a:bodyPr/>
           <a:lstStyle/>
           <a:p>
-            <a:fld id="{F2867057-3C75-4EE3-9A4B-CA5D31C27B3D}" type="slidenum">
+            <a:fld id="{8ECB431E-5797-47EF-A021-4BE5D67581D7}" type="slidenum">
               <a:rPr lang="de-DE" smtClean="0"/>
               <a:t>‹#›</a:t>
             </a:fld>
@@ -5128,7 +2798,7 @@
     </p:spTree>
     <p:extLst>
       <p:ext uri="{BB962C8B-B14F-4D97-AF65-F5344CB8AC3E}">
-        <p14:creationId xmlns:p14="http://schemas.microsoft.com/office/powerpoint/2010/main" val="2058823726"/>
+        <p14:creationId xmlns:p14="http://schemas.microsoft.com/office/powerpoint/2010/main" val="745808209"/>
       </p:ext>
     </p:extLst>
   </p:cSld>
@@ -5142,8 +2812,8 @@
 <p:sldMaster xmlns:a="http://schemas.openxmlformats.org/drawingml/2006/main" xmlns:r="http://schemas.openxmlformats.org/officeDocument/2006/relationships" xmlns:p="http://schemas.openxmlformats.org/presentationml/2006/main">
   <p:cSld>
     <p:bg>
-      <p:bgRef idx="1003">
-        <a:schemeClr val="bg2"/>
+      <p:bgRef idx="1001">
+        <a:schemeClr val="bg1"/>
       </p:bgRef>
     </p:bg>
     <p:spTree>
@@ -5160,325 +2830,15 @@
           <a:chExt cx="0" cy="0"/>
         </a:xfrm>
       </p:grpSpPr>
-      <p:grpSp>
-        <p:nvGrpSpPr>
-          <p:cNvPr id="7" name="Group 6"/>
-          <p:cNvGrpSpPr/>
-          <p:nvPr/>
-        </p:nvGrpSpPr>
-        <p:grpSpPr>
-          <a:xfrm>
-            <a:off x="150812" y="0"/>
-            <a:ext cx="2436813" cy="6858001"/>
-            <a:chOff x="1320800" y="0"/>
-            <a:chExt cx="2436813" cy="6858001"/>
-          </a:xfrm>
-        </p:grpSpPr>
-        <p:sp>
-          <p:nvSpPr>
-            <p:cNvPr id="8" name="Freeform 6"/>
-            <p:cNvSpPr/>
-            <p:nvPr/>
-          </p:nvSpPr>
-          <p:spPr bwMode="auto">
-            <a:xfrm>
-              <a:off x="1627188" y="0"/>
-              <a:ext cx="1122363" cy="5329238"/>
-            </a:xfrm>
-            <a:custGeom>
-              <a:avLst/>
-              <a:gdLst/>
-              <a:ahLst/>
-              <a:cxnLst/>
-              <a:rect l="0" t="0" r="r" b="b"/>
-              <a:pathLst>
-                <a:path w="707" h="3357">
-                  <a:moveTo>
-                    <a:pt x="0" y="3330"/>
-                  </a:moveTo>
-                  <a:lnTo>
-                    <a:pt x="156" y="3357"/>
-                  </a:lnTo>
-                  <a:lnTo>
-                    <a:pt x="707" y="0"/>
-                  </a:lnTo>
-                  <a:lnTo>
-                    <a:pt x="547" y="0"/>
-                  </a:lnTo>
-                  <a:lnTo>
-                    <a:pt x="0" y="3330"/>
-                  </a:lnTo>
-                  <a:close/>
-                </a:path>
-              </a:pathLst>
-            </a:custGeom>
-            <a:solidFill>
-              <a:schemeClr val="accent1"/>
-            </a:solidFill>
-            <a:ln>
-              <a:noFill/>
-            </a:ln>
-          </p:spPr>
-        </p:sp>
-        <p:sp>
-          <p:nvSpPr>
-            <p:cNvPr id="9" name="Freeform 7"/>
-            <p:cNvSpPr/>
-            <p:nvPr/>
-          </p:nvSpPr>
-          <p:spPr bwMode="auto">
-            <a:xfrm>
-              <a:off x="1320800" y="0"/>
-              <a:ext cx="1117600" cy="5276850"/>
-            </a:xfrm>
-            <a:custGeom>
-              <a:avLst/>
-              <a:gdLst/>
-              <a:ahLst/>
-              <a:cxnLst/>
-              <a:rect l="0" t="0" r="r" b="b"/>
-              <a:pathLst>
-                <a:path w="704" h="3324">
-                  <a:moveTo>
-                    <a:pt x="704" y="0"/>
-                  </a:moveTo>
-                  <a:lnTo>
-                    <a:pt x="545" y="0"/>
-                  </a:lnTo>
-                  <a:lnTo>
-                    <a:pt x="0" y="3300"/>
-                  </a:lnTo>
-                  <a:lnTo>
-                    <a:pt x="157" y="3324"/>
-                  </a:lnTo>
-                  <a:lnTo>
-                    <a:pt x="704" y="0"/>
-                  </a:lnTo>
-                  <a:close/>
-                </a:path>
-              </a:pathLst>
-            </a:custGeom>
-            <a:solidFill>
-              <a:schemeClr val="tx1">
-                <a:lumMod val="65000"/>
-                <a:lumOff val="35000"/>
-              </a:schemeClr>
-            </a:solidFill>
-            <a:ln>
-              <a:noFill/>
-            </a:ln>
-          </p:spPr>
-        </p:sp>
-        <p:sp>
-          <p:nvSpPr>
-            <p:cNvPr id="10" name="Freeform 8"/>
-            <p:cNvSpPr/>
-            <p:nvPr/>
-          </p:nvSpPr>
-          <p:spPr bwMode="auto">
-            <a:xfrm>
-              <a:off x="1320800" y="5238750"/>
-              <a:ext cx="1228725" cy="1619250"/>
-            </a:xfrm>
-            <a:custGeom>
-              <a:avLst/>
-              <a:gdLst/>
-              <a:ahLst/>
-              <a:cxnLst/>
-              <a:rect l="0" t="0" r="r" b="b"/>
-              <a:pathLst>
-                <a:path w="774" h="1020">
-                  <a:moveTo>
-                    <a:pt x="0" y="0"/>
-                  </a:moveTo>
-                  <a:lnTo>
-                    <a:pt x="740" y="1020"/>
-                  </a:lnTo>
-                  <a:lnTo>
-                    <a:pt x="774" y="1020"/>
-                  </a:lnTo>
-                  <a:lnTo>
-                    <a:pt x="0" y="0"/>
-                  </a:lnTo>
-                  <a:close/>
-                </a:path>
-              </a:pathLst>
-            </a:custGeom>
-            <a:solidFill>
-              <a:schemeClr val="tx1">
-                <a:lumMod val="85000"/>
-                <a:lumOff val="15000"/>
-              </a:schemeClr>
-            </a:solidFill>
-            <a:ln>
-              <a:noFill/>
-            </a:ln>
-          </p:spPr>
-        </p:sp>
-        <p:sp>
-          <p:nvSpPr>
-            <p:cNvPr id="11" name="Freeform 9"/>
-            <p:cNvSpPr/>
-            <p:nvPr/>
-          </p:nvSpPr>
-          <p:spPr bwMode="auto">
-            <a:xfrm>
-              <a:off x="1627188" y="5291138"/>
-              <a:ext cx="1495425" cy="1566863"/>
-            </a:xfrm>
-            <a:custGeom>
-              <a:avLst/>
-              <a:gdLst/>
-              <a:ahLst/>
-              <a:cxnLst/>
-              <a:rect l="0" t="0" r="r" b="b"/>
-              <a:pathLst>
-                <a:path w="942" h="987">
-                  <a:moveTo>
-                    <a:pt x="0" y="0"/>
-                  </a:moveTo>
-                  <a:lnTo>
-                    <a:pt x="909" y="987"/>
-                  </a:lnTo>
-                  <a:lnTo>
-                    <a:pt x="942" y="987"/>
-                  </a:lnTo>
-                  <a:lnTo>
-                    <a:pt x="0" y="0"/>
-                  </a:lnTo>
-                  <a:close/>
-                </a:path>
-              </a:pathLst>
-            </a:custGeom>
-            <a:solidFill>
-              <a:schemeClr val="accent1">
-                <a:lumMod val="50000"/>
-              </a:schemeClr>
-            </a:solidFill>
-            <a:ln>
-              <a:noFill/>
-            </a:ln>
-          </p:spPr>
-        </p:sp>
-        <p:sp>
-          <p:nvSpPr>
-            <p:cNvPr id="12" name="Freeform 10"/>
-            <p:cNvSpPr/>
-            <p:nvPr/>
-          </p:nvSpPr>
-          <p:spPr bwMode="auto">
-            <a:xfrm>
-              <a:off x="1627188" y="5286375"/>
-              <a:ext cx="2130425" cy="1571625"/>
-            </a:xfrm>
-            <a:custGeom>
-              <a:avLst/>
-              <a:gdLst/>
-              <a:ahLst/>
-              <a:cxnLst/>
-              <a:rect l="0" t="0" r="r" b="b"/>
-              <a:pathLst>
-                <a:path w="1342" h="990">
-                  <a:moveTo>
-                    <a:pt x="0" y="3"/>
-                  </a:moveTo>
-                  <a:lnTo>
-                    <a:pt x="942" y="990"/>
-                  </a:lnTo>
-                  <a:lnTo>
-                    <a:pt x="1342" y="990"/>
-                  </a:lnTo>
-                  <a:lnTo>
-                    <a:pt x="156" y="27"/>
-                  </a:lnTo>
-                  <a:lnTo>
-                    <a:pt x="0" y="0"/>
-                  </a:lnTo>
-                  <a:lnTo>
-                    <a:pt x="0" y="3"/>
-                  </a:lnTo>
-                  <a:close/>
-                </a:path>
-              </a:pathLst>
-            </a:custGeom>
-            <a:solidFill>
-              <a:schemeClr val="accent1">
-                <a:lumMod val="75000"/>
-              </a:schemeClr>
-            </a:solidFill>
-            <a:ln>
-              <a:noFill/>
-            </a:ln>
-          </p:spPr>
-        </p:sp>
-        <p:sp>
-          <p:nvSpPr>
-            <p:cNvPr id="13" name="Freeform 11"/>
-            <p:cNvSpPr/>
-            <p:nvPr/>
-          </p:nvSpPr>
-          <p:spPr bwMode="auto">
-            <a:xfrm>
-              <a:off x="1320800" y="5238750"/>
-              <a:ext cx="1695450" cy="1619250"/>
-            </a:xfrm>
-            <a:custGeom>
-              <a:avLst/>
-              <a:gdLst/>
-              <a:ahLst/>
-              <a:cxnLst/>
-              <a:rect l="0" t="0" r="r" b="b"/>
-              <a:pathLst>
-                <a:path w="1068" h="1020">
-                  <a:moveTo>
-                    <a:pt x="1068" y="1020"/>
-                  </a:moveTo>
-                  <a:lnTo>
-                    <a:pt x="184" y="60"/>
-                  </a:lnTo>
-                  <a:lnTo>
-                    <a:pt x="154" y="27"/>
-                  </a:lnTo>
-                  <a:lnTo>
-                    <a:pt x="157" y="27"/>
-                  </a:lnTo>
-                  <a:lnTo>
-                    <a:pt x="157" y="24"/>
-                  </a:lnTo>
-                  <a:lnTo>
-                    <a:pt x="154" y="24"/>
-                  </a:lnTo>
-                  <a:lnTo>
-                    <a:pt x="0" y="0"/>
-                  </a:lnTo>
-                  <a:lnTo>
-                    <a:pt x="0" y="0"/>
-                  </a:lnTo>
-                  <a:lnTo>
-                    <a:pt x="774" y="1020"/>
-                  </a:lnTo>
-                  <a:lnTo>
-                    <a:pt x="1068" y="1020"/>
-                  </a:lnTo>
-                  <a:close/>
-                </a:path>
-              </a:pathLst>
-            </a:custGeom>
-            <a:solidFill>
-              <a:schemeClr val="tx1">
-                <a:lumMod val="75000"/>
-                <a:lumOff val="25000"/>
-              </a:schemeClr>
-            </a:solidFill>
-            <a:ln>
-              <a:noFill/>
-            </a:ln>
-          </p:spPr>
-        </p:sp>
-      </p:grpSp>
-      <p:sp>
-        <p:nvSpPr>
-          <p:cNvPr id="2" name="Title Placeholder 1"/>
+      <p:sp>
+        <p:nvSpPr>
+          <p:cNvPr id="2" name="Title Placeholder 1">
+            <a:extLst>
+              <a:ext uri="{FF2B5EF4-FFF2-40B4-BE49-F238E27FC236}">
+                <a16:creationId xmlns:a16="http://schemas.microsoft.com/office/drawing/2014/main" id="{D85C3046-16B1-4E5A-9D23-46B18E282FC9}"/>
+              </a:ext>
+            </a:extLst>
+          </p:cNvPr>
           <p:cNvSpPr>
             <a:spLocks noGrp="1"/>
           </p:cNvSpPr>
@@ -5488,13 +2848,12 @@
         </p:nvSpPr>
         <p:spPr>
           <a:xfrm>
-            <a:off x="1484311" y="685800"/>
-            <a:ext cx="10018713" cy="1752599"/>
+            <a:off x="838200" y="365125"/>
+            <a:ext cx="10515600" cy="1325563"/>
           </a:xfrm>
           <a:prstGeom prst="rect">
             <a:avLst/>
           </a:prstGeom>
-          <a:effectLst/>
         </p:spPr>
         <p:txBody>
           <a:bodyPr vert="horz" lIns="91440" tIns="45720" rIns="91440" bIns="45720" rtlCol="0" anchor="ctr">
@@ -5506,13 +2865,19 @@
               <a:rPr lang="en-US"/>
               <a:t>Click to edit Master title style</a:t>
             </a:r>
-            <a:endParaRPr lang="en-US" dirty="0"/>
-          </a:p>
-        </p:txBody>
-      </p:sp>
-      <p:sp>
-        <p:nvSpPr>
-          <p:cNvPr id="3" name="Text Placeholder 2"/>
+            <a:endParaRPr lang="de-DE"/>
+          </a:p>
+        </p:txBody>
+      </p:sp>
+      <p:sp>
+        <p:nvSpPr>
+          <p:cNvPr id="3" name="Text Placeholder 2">
+            <a:extLst>
+              <a:ext uri="{FF2B5EF4-FFF2-40B4-BE49-F238E27FC236}">
+                <a16:creationId xmlns:a16="http://schemas.microsoft.com/office/drawing/2014/main" id="{E13168FB-D6E8-47BE-BA79-16D41C1AF80D}"/>
+              </a:ext>
+            </a:extLst>
+          </p:cNvPr>
           <p:cNvSpPr>
             <a:spLocks noGrp="1"/>
           </p:cNvSpPr>
@@ -5522,15 +2887,15 @@
         </p:nvSpPr>
         <p:spPr>
           <a:xfrm>
-            <a:off x="1484310" y="2666999"/>
-            <a:ext cx="10018713" cy="3124201"/>
+            <a:off x="838200" y="1825625"/>
+            <a:ext cx="10515600" cy="4351338"/>
           </a:xfrm>
           <a:prstGeom prst="rect">
             <a:avLst/>
           </a:prstGeom>
         </p:spPr>
         <p:txBody>
-          <a:bodyPr vert="horz" lIns="91440" tIns="45720" rIns="91440" bIns="45720" rtlCol="0" anchor="ctr">
+          <a:bodyPr vert="horz" lIns="91440" tIns="45720" rIns="91440" bIns="45720" rtlCol="0">
             <a:normAutofit/>
           </a:bodyPr>
           <a:lstStyle/>
@@ -5568,13 +2933,19 @@
               <a:rPr lang="en-US"/>
               <a:t>Fifth level</a:t>
             </a:r>
-            <a:endParaRPr lang="en-US" dirty="0"/>
-          </a:p>
-        </p:txBody>
-      </p:sp>
-      <p:sp>
-        <p:nvSpPr>
-          <p:cNvPr id="4" name="Date Placeholder 3"/>
+            <a:endParaRPr lang="de-DE"/>
+          </a:p>
+        </p:txBody>
+      </p:sp>
+      <p:sp>
+        <p:nvSpPr>
+          <p:cNvPr id="4" name="Date Placeholder 3">
+            <a:extLst>
+              <a:ext uri="{FF2B5EF4-FFF2-40B4-BE49-F238E27FC236}">
+                <a16:creationId xmlns:a16="http://schemas.microsoft.com/office/drawing/2014/main" id="{3681C2AE-719C-4E82-AF49-139732D7974E}"/>
+              </a:ext>
+            </a:extLst>
+          </p:cNvPr>
           <p:cNvSpPr>
             <a:spLocks noGrp="1"/>
           </p:cNvSpPr>
@@ -5584,8 +2955,8 @@
         </p:nvSpPr>
         <p:spPr>
           <a:xfrm>
-            <a:off x="9732656" y="5883275"/>
-            <a:ext cx="1143000" cy="365125"/>
+            <a:off x="838200" y="6356350"/>
+            <a:ext cx="2743200" cy="365125"/>
           </a:xfrm>
           <a:prstGeom prst="rect">
             <a:avLst/>
@@ -5594,18 +2965,18 @@
         <p:txBody>
           <a:bodyPr vert="horz" lIns="91440" tIns="45720" rIns="91440" bIns="45720" rtlCol="0" anchor="ctr"/>
           <a:lstStyle>
-            <a:lvl1pPr algn="r">
-              <a:defRPr sz="1000" b="0" i="0">
+            <a:lvl1pPr algn="l">
+              <a:defRPr sz="1200">
                 <a:solidFill>
-                  <a:schemeClr val="tx1"/>
+                  <a:schemeClr val="tx1">
+                    <a:tint val="75000"/>
+                  </a:schemeClr>
                 </a:solidFill>
-                <a:effectLst/>
-                <a:latin typeface="+mn-lt"/>
               </a:defRPr>
             </a:lvl1pPr>
           </a:lstStyle>
           <a:p>
-            <a:fld id="{1E6DFE57-4DB8-458E-ABCC-E88A9FA087D4}" type="datetimeFigureOut">
+            <a:fld id="{8542452F-7325-4082-9F10-2831E9793E09}" type="datetimeFigureOut">
               <a:rPr lang="de-DE" smtClean="0"/>
               <a:t>28.10.2019</a:t>
             </a:fld>
@@ -5615,7 +2986,13 @@
       </p:sp>
       <p:sp>
         <p:nvSpPr>
-          <p:cNvPr id="5" name="Footer Placeholder 4"/>
+          <p:cNvPr id="5" name="Footer Placeholder 4">
+            <a:extLst>
+              <a:ext uri="{FF2B5EF4-FFF2-40B4-BE49-F238E27FC236}">
+                <a16:creationId xmlns:a16="http://schemas.microsoft.com/office/drawing/2014/main" id="{BF84642E-5C3B-4A70-B372-A833AE7A10D2}"/>
+              </a:ext>
+            </a:extLst>
+          </p:cNvPr>
           <p:cNvSpPr>
             <a:spLocks noGrp="1"/>
           </p:cNvSpPr>
@@ -5625,8 +3002,8 @@
         </p:nvSpPr>
         <p:spPr>
           <a:xfrm>
-            <a:off x="2572279" y="5883275"/>
-            <a:ext cx="7084177" cy="365125"/>
+            <a:off x="4038600" y="6356350"/>
+            <a:ext cx="4114800" cy="365125"/>
           </a:xfrm>
           <a:prstGeom prst="rect">
             <a:avLst/>
@@ -5635,13 +3012,13 @@
         <p:txBody>
           <a:bodyPr vert="horz" lIns="91440" tIns="45720" rIns="91440" bIns="45720" rtlCol="0" anchor="ctr"/>
           <a:lstStyle>
-            <a:lvl1pPr algn="l">
-              <a:defRPr sz="1000" b="0" i="0">
+            <a:lvl1pPr algn="ctr">
+              <a:defRPr sz="1200">
                 <a:solidFill>
-                  <a:schemeClr val="tx1"/>
+                  <a:schemeClr val="tx1">
+                    <a:tint val="75000"/>
+                  </a:schemeClr>
                 </a:solidFill>
-                <a:effectLst/>
-                <a:latin typeface="+mn-lt"/>
               </a:defRPr>
             </a:lvl1pPr>
           </a:lstStyle>
@@ -5652,7 +3029,13 @@
       </p:sp>
       <p:sp>
         <p:nvSpPr>
-          <p:cNvPr id="6" name="Slide Number Placeholder 5"/>
+          <p:cNvPr id="6" name="Slide Number Placeholder 5">
+            <a:extLst>
+              <a:ext uri="{FF2B5EF4-FFF2-40B4-BE49-F238E27FC236}">
+                <a16:creationId xmlns:a16="http://schemas.microsoft.com/office/drawing/2014/main" id="{453B3E97-2169-4238-8588-DF1CB95A139E}"/>
+              </a:ext>
+            </a:extLst>
+          </p:cNvPr>
           <p:cNvSpPr>
             <a:spLocks noGrp="1"/>
           </p:cNvSpPr>
@@ -5662,8 +3045,8 @@
         </p:nvSpPr>
         <p:spPr>
           <a:xfrm>
-            <a:off x="10951856" y="5883275"/>
-            <a:ext cx="551167" cy="365125"/>
+            <a:off x="8610600" y="6356350"/>
+            <a:ext cx="2743200" cy="365125"/>
           </a:xfrm>
           <a:prstGeom prst="rect">
             <a:avLst/>
@@ -5673,17 +3056,17 @@
           <a:bodyPr vert="horz" lIns="91440" tIns="45720" rIns="91440" bIns="45720" rtlCol="0" anchor="ctr"/>
           <a:lstStyle>
             <a:lvl1pPr algn="r">
-              <a:defRPr sz="1000" b="0" i="0">
+              <a:defRPr sz="1200">
                 <a:solidFill>
-                  <a:schemeClr val="tx1"/>
+                  <a:schemeClr val="tx1">
+                    <a:tint val="75000"/>
+                  </a:schemeClr>
                 </a:solidFill>
-                <a:effectLst/>
-                <a:latin typeface="+mn-lt"/>
               </a:defRPr>
             </a:lvl1pPr>
           </a:lstStyle>
           <a:p>
-            <a:fld id="{F2867057-3C75-4EE3-9A4B-CA5D31C27B3D}" type="slidenum">
+            <a:fld id="{8ECB431E-5797-47EF-A021-4BE5D67581D7}" type="slidenum">
               <a:rPr lang="de-DE" smtClean="0"/>
               <a:t>‹#›</a:t>
             </a:fld>
@@ -5694,328 +3077,202 @@
     </p:spTree>
     <p:extLst>
       <p:ext uri="{BB962C8B-B14F-4D97-AF65-F5344CB8AC3E}">
-        <p14:creationId xmlns:p14="http://schemas.microsoft.com/office/powerpoint/2010/main" val="1009545606"/>
+        <p14:creationId xmlns:p14="http://schemas.microsoft.com/office/powerpoint/2010/main" val="734290271"/>
       </p:ext>
     </p:extLst>
   </p:cSld>
   <p:clrMap bg1="lt1" tx1="dk1" bg2="lt2" tx2="dk2" accent1="accent1" accent2="accent2" accent3="accent3" accent4="accent4" accent5="accent5" accent6="accent6" hlink="hlink" folHlink="folHlink"/>
   <p:sldLayoutIdLst>
-    <p:sldLayoutId id="2147483679" r:id="rId1"/>
-    <p:sldLayoutId id="2147483680" r:id="rId2"/>
-    <p:sldLayoutId id="2147483681" r:id="rId3"/>
-    <p:sldLayoutId id="2147483682" r:id="rId4"/>
-    <p:sldLayoutId id="2147483683" r:id="rId5"/>
-    <p:sldLayoutId id="2147483684" r:id="rId6"/>
-    <p:sldLayoutId id="2147483685" r:id="rId7"/>
-    <p:sldLayoutId id="2147483686" r:id="rId8"/>
-    <p:sldLayoutId id="2147483687" r:id="rId9"/>
-    <p:sldLayoutId id="2147483688" r:id="rId10"/>
-    <p:sldLayoutId id="2147483689" r:id="rId11"/>
-    <p:sldLayoutId id="2147483690" r:id="rId12"/>
-    <p:sldLayoutId id="2147483691" r:id="rId13"/>
-    <p:sldLayoutId id="2147483692" r:id="rId14"/>
-    <p:sldLayoutId id="2147483693" r:id="rId15"/>
-    <p:sldLayoutId id="2147483694" r:id="rId16"/>
-    <p:sldLayoutId id="2147483695" r:id="rId17"/>
+    <p:sldLayoutId id="2147483649" r:id="rId1"/>
+    <p:sldLayoutId id="2147483650" r:id="rId2"/>
+    <p:sldLayoutId id="2147483651" r:id="rId3"/>
+    <p:sldLayoutId id="2147483652" r:id="rId4"/>
+    <p:sldLayoutId id="2147483653" r:id="rId5"/>
+    <p:sldLayoutId id="2147483654" r:id="rId6"/>
+    <p:sldLayoutId id="2147483655" r:id="rId7"/>
+    <p:sldLayoutId id="2147483656" r:id="rId8"/>
+    <p:sldLayoutId id="2147483657" r:id="rId9"/>
+    <p:sldLayoutId id="2147483658" r:id="rId10"/>
+    <p:sldLayoutId id="2147483659" r:id="rId11"/>
   </p:sldLayoutIdLst>
   <p:txStyles>
     <p:titleStyle>
-      <a:lvl1pPr algn="ctr" defTabSz="457200" rtl="0" eaLnBrk="1" latinLnBrk="0" hangingPunct="1">
+      <a:lvl1pPr algn="l" defTabSz="914400" rtl="0" eaLnBrk="1" latinLnBrk="0" hangingPunct="1">
+        <a:lnSpc>
+          <a:spcPct val="90000"/>
+        </a:lnSpc>
         <a:spcBef>
           <a:spcPct val="0"/>
         </a:spcBef>
         <a:buNone/>
-        <a:defRPr sz="4000" kern="1200" cap="none">
-          <a:ln w="3175" cmpd="sng">
-            <a:noFill/>
-          </a:ln>
+        <a:defRPr sz="4400" kern="1200">
           <a:solidFill>
             <a:schemeClr val="tx1"/>
           </a:solidFill>
-          <a:effectLst/>
           <a:latin typeface="+mj-lt"/>
           <a:ea typeface="+mj-ea"/>
           <a:cs typeface="+mj-cs"/>
         </a:defRPr>
       </a:lvl1pPr>
-      <a:lvl2pPr eaLnBrk="1" hangingPunct="1">
-        <a:defRPr>
-          <a:solidFill>
-            <a:schemeClr val="tx2"/>
-          </a:solidFill>
-        </a:defRPr>
-      </a:lvl2pPr>
-      <a:lvl3pPr eaLnBrk="1" hangingPunct="1">
-        <a:defRPr>
-          <a:solidFill>
-            <a:schemeClr val="tx2"/>
-          </a:solidFill>
-        </a:defRPr>
-      </a:lvl3pPr>
-      <a:lvl4pPr eaLnBrk="1" hangingPunct="1">
-        <a:defRPr>
-          <a:solidFill>
-            <a:schemeClr val="tx2"/>
-          </a:solidFill>
-        </a:defRPr>
-      </a:lvl4pPr>
-      <a:lvl5pPr eaLnBrk="1" hangingPunct="1">
-        <a:defRPr>
-          <a:solidFill>
-            <a:schemeClr val="tx2"/>
-          </a:solidFill>
-        </a:defRPr>
-      </a:lvl5pPr>
-      <a:lvl6pPr eaLnBrk="1" hangingPunct="1">
-        <a:defRPr>
-          <a:solidFill>
-            <a:schemeClr val="tx2"/>
-          </a:solidFill>
-        </a:defRPr>
-      </a:lvl6pPr>
-      <a:lvl7pPr eaLnBrk="1" hangingPunct="1">
-        <a:defRPr>
-          <a:solidFill>
-            <a:schemeClr val="tx2"/>
-          </a:solidFill>
-        </a:defRPr>
-      </a:lvl7pPr>
-      <a:lvl8pPr eaLnBrk="1" hangingPunct="1">
-        <a:defRPr>
-          <a:solidFill>
-            <a:schemeClr val="tx2"/>
-          </a:solidFill>
-        </a:defRPr>
-      </a:lvl8pPr>
-      <a:lvl9pPr eaLnBrk="1" hangingPunct="1">
-        <a:defRPr>
-          <a:solidFill>
-            <a:schemeClr val="tx2"/>
-          </a:solidFill>
-        </a:defRPr>
-      </a:lvl9pPr>
     </p:titleStyle>
     <p:bodyStyle>
-      <a:lvl1pPr marL="285750" indent="-285750" algn="l" defTabSz="457200" rtl="0" eaLnBrk="1" latinLnBrk="0" hangingPunct="1">
+      <a:lvl1pPr marL="228600" indent="-228600" algn="l" defTabSz="914400" rtl="0" eaLnBrk="1" latinLnBrk="0" hangingPunct="1">
+        <a:lnSpc>
+          <a:spcPct val="90000"/>
+        </a:lnSpc>
         <a:spcBef>
-          <a:spcPct val="20000"/>
+          <a:spcPts val="1000"/>
         </a:spcBef>
-        <a:spcAft>
-          <a:spcPts val="600"/>
-        </a:spcAft>
-        <a:buClr>
-          <a:schemeClr val="accent1">
-            <a:lumMod val="75000"/>
-          </a:schemeClr>
-        </a:buClr>
-        <a:buSzPct val="145000"/>
-        <a:buFont typeface="Arial"/>
+        <a:buFont typeface="Arial" panose="020B0604020202020204" pitchFamily="34" charset="0"/>
         <a:buChar char="•"/>
-        <a:defRPr sz="2400" kern="1200" cap="none">
+        <a:defRPr sz="2800" kern="1200">
           <a:solidFill>
             <a:schemeClr val="tx1"/>
           </a:solidFill>
-          <a:effectLst/>
           <a:latin typeface="+mn-lt"/>
           <a:ea typeface="+mn-ea"/>
           <a:cs typeface="+mn-cs"/>
         </a:defRPr>
       </a:lvl1pPr>
-      <a:lvl2pPr marL="742950" indent="-285750" algn="l" defTabSz="457200" rtl="0" eaLnBrk="1" latinLnBrk="0" hangingPunct="1">
+      <a:lvl2pPr marL="685800" indent="-228600" algn="l" defTabSz="914400" rtl="0" eaLnBrk="1" latinLnBrk="0" hangingPunct="1">
+        <a:lnSpc>
+          <a:spcPct val="90000"/>
+        </a:lnSpc>
         <a:spcBef>
-          <a:spcPct val="20000"/>
+          <a:spcPts val="500"/>
         </a:spcBef>
-        <a:spcAft>
-          <a:spcPts val="600"/>
-        </a:spcAft>
-        <a:buClr>
-          <a:schemeClr val="accent1">
-            <a:lumMod val="75000"/>
-          </a:schemeClr>
-        </a:buClr>
-        <a:buSzPct val="145000"/>
-        <a:buFont typeface="Arial"/>
+        <a:buFont typeface="Arial" panose="020B0604020202020204" pitchFamily="34" charset="0"/>
         <a:buChar char="•"/>
-        <a:defRPr sz="2000" kern="1200" cap="none">
+        <a:defRPr sz="2400" kern="1200">
           <a:solidFill>
             <a:schemeClr val="tx1"/>
           </a:solidFill>
-          <a:effectLst/>
           <a:latin typeface="+mn-lt"/>
           <a:ea typeface="+mn-ea"/>
           <a:cs typeface="+mn-cs"/>
         </a:defRPr>
       </a:lvl2pPr>
-      <a:lvl3pPr marL="1200150" indent="-285750" algn="l" defTabSz="457200" rtl="0" eaLnBrk="1" latinLnBrk="0" hangingPunct="1">
+      <a:lvl3pPr marL="1143000" indent="-228600" algn="l" defTabSz="914400" rtl="0" eaLnBrk="1" latinLnBrk="0" hangingPunct="1">
+        <a:lnSpc>
+          <a:spcPct val="90000"/>
+        </a:lnSpc>
         <a:spcBef>
-          <a:spcPct val="20000"/>
+          <a:spcPts val="500"/>
         </a:spcBef>
-        <a:spcAft>
-          <a:spcPts val="600"/>
-        </a:spcAft>
-        <a:buClr>
-          <a:schemeClr val="accent1">
-            <a:lumMod val="75000"/>
-          </a:schemeClr>
-        </a:buClr>
-        <a:buSzPct val="145000"/>
-        <a:buFont typeface="Arial"/>
+        <a:buFont typeface="Arial" panose="020B0604020202020204" pitchFamily="34" charset="0"/>
         <a:buChar char="•"/>
-        <a:defRPr sz="1800" kern="1200" cap="none">
+        <a:defRPr sz="2000" kern="1200">
           <a:solidFill>
             <a:schemeClr val="tx1"/>
           </a:solidFill>
-          <a:effectLst/>
           <a:latin typeface="+mn-lt"/>
           <a:ea typeface="+mn-ea"/>
           <a:cs typeface="+mn-cs"/>
         </a:defRPr>
       </a:lvl3pPr>
-      <a:lvl4pPr marL="1543050" indent="-171450" algn="l" defTabSz="457200" rtl="0" eaLnBrk="1" latinLnBrk="0" hangingPunct="1">
+      <a:lvl4pPr marL="1600200" indent="-228600" algn="l" defTabSz="914400" rtl="0" eaLnBrk="1" latinLnBrk="0" hangingPunct="1">
+        <a:lnSpc>
+          <a:spcPct val="90000"/>
+        </a:lnSpc>
         <a:spcBef>
-          <a:spcPct val="20000"/>
+          <a:spcPts val="500"/>
         </a:spcBef>
-        <a:spcAft>
-          <a:spcPts val="600"/>
-        </a:spcAft>
-        <a:buClr>
-          <a:schemeClr val="accent1">
-            <a:lumMod val="75000"/>
-          </a:schemeClr>
-        </a:buClr>
-        <a:buSzPct val="145000"/>
-        <a:buFont typeface="Arial"/>
+        <a:buFont typeface="Arial" panose="020B0604020202020204" pitchFamily="34" charset="0"/>
         <a:buChar char="•"/>
-        <a:defRPr sz="1600" kern="1200" cap="none">
+        <a:defRPr sz="1800" kern="1200">
           <a:solidFill>
             <a:schemeClr val="tx1"/>
           </a:solidFill>
-          <a:effectLst/>
           <a:latin typeface="+mn-lt"/>
           <a:ea typeface="+mn-ea"/>
           <a:cs typeface="+mn-cs"/>
         </a:defRPr>
       </a:lvl4pPr>
-      <a:lvl5pPr marL="2000250" indent="-171450" algn="l" defTabSz="457200" rtl="0" eaLnBrk="1" latinLnBrk="0" hangingPunct="1">
+      <a:lvl5pPr marL="2057400" indent="-228600" algn="l" defTabSz="914400" rtl="0" eaLnBrk="1" latinLnBrk="0" hangingPunct="1">
+        <a:lnSpc>
+          <a:spcPct val="90000"/>
+        </a:lnSpc>
         <a:spcBef>
-          <a:spcPct val="20000"/>
+          <a:spcPts val="500"/>
         </a:spcBef>
-        <a:spcAft>
-          <a:spcPts val="600"/>
-        </a:spcAft>
-        <a:buClr>
-          <a:schemeClr val="accent1">
-            <a:lumMod val="75000"/>
-          </a:schemeClr>
-        </a:buClr>
-        <a:buSzPct val="145000"/>
-        <a:buFont typeface="Arial"/>
+        <a:buFont typeface="Arial" panose="020B0604020202020204" pitchFamily="34" charset="0"/>
         <a:buChar char="•"/>
-        <a:defRPr sz="1400" kern="1200" cap="none">
+        <a:defRPr sz="1800" kern="1200">
           <a:solidFill>
             <a:schemeClr val="tx1"/>
           </a:solidFill>
-          <a:effectLst/>
           <a:latin typeface="+mn-lt"/>
           <a:ea typeface="+mn-ea"/>
           <a:cs typeface="+mn-cs"/>
         </a:defRPr>
       </a:lvl5pPr>
-      <a:lvl6pPr marL="2514600" indent="-228600" algn="l" defTabSz="457200" rtl="0" eaLnBrk="1" latinLnBrk="0" hangingPunct="1">
+      <a:lvl6pPr marL="2514600" indent="-228600" algn="l" defTabSz="914400" rtl="0" eaLnBrk="1" latinLnBrk="0" hangingPunct="1">
+        <a:lnSpc>
+          <a:spcPct val="90000"/>
+        </a:lnSpc>
         <a:spcBef>
-          <a:spcPct val="20000"/>
+          <a:spcPts val="500"/>
         </a:spcBef>
-        <a:spcAft>
-          <a:spcPts val="600"/>
-        </a:spcAft>
-        <a:buClr>
-          <a:schemeClr val="accent1">
-            <a:lumMod val="75000"/>
-          </a:schemeClr>
-        </a:buClr>
-        <a:buSzPct val="145000"/>
-        <a:buFont typeface="Arial"/>
+        <a:buFont typeface="Arial" panose="020B0604020202020204" pitchFamily="34" charset="0"/>
         <a:buChar char="•"/>
-        <a:defRPr sz="1400" kern="1200" cap="none">
+        <a:defRPr sz="1800" kern="1200">
           <a:solidFill>
             <a:schemeClr val="tx1"/>
           </a:solidFill>
-          <a:effectLst/>
           <a:latin typeface="+mn-lt"/>
           <a:ea typeface="+mn-ea"/>
           <a:cs typeface="+mn-cs"/>
         </a:defRPr>
       </a:lvl6pPr>
-      <a:lvl7pPr marL="2971800" indent="-228600" algn="l" defTabSz="457200" rtl="0" eaLnBrk="1" latinLnBrk="0" hangingPunct="1">
+      <a:lvl7pPr marL="2971800" indent="-228600" algn="l" defTabSz="914400" rtl="0" eaLnBrk="1" latinLnBrk="0" hangingPunct="1">
+        <a:lnSpc>
+          <a:spcPct val="90000"/>
+        </a:lnSpc>
         <a:spcBef>
-          <a:spcPct val="20000"/>
+          <a:spcPts val="500"/>
         </a:spcBef>
-        <a:spcAft>
-          <a:spcPts val="600"/>
-        </a:spcAft>
-        <a:buClr>
-          <a:schemeClr val="accent1">
-            <a:lumMod val="75000"/>
-          </a:schemeClr>
-        </a:buClr>
-        <a:buSzPct val="145000"/>
-        <a:buFont typeface="Arial"/>
+        <a:buFont typeface="Arial" panose="020B0604020202020204" pitchFamily="34" charset="0"/>
         <a:buChar char="•"/>
-        <a:defRPr sz="1400" kern="1200" cap="none">
+        <a:defRPr sz="1800" kern="1200">
           <a:solidFill>
             <a:schemeClr val="tx1"/>
           </a:solidFill>
-          <a:effectLst/>
           <a:latin typeface="+mn-lt"/>
           <a:ea typeface="+mn-ea"/>
           <a:cs typeface="+mn-cs"/>
         </a:defRPr>
       </a:lvl7pPr>
-      <a:lvl8pPr marL="3429000" indent="-228600" algn="l" defTabSz="457200" rtl="0" eaLnBrk="1" latinLnBrk="0" hangingPunct="1">
+      <a:lvl8pPr marL="3429000" indent="-228600" algn="l" defTabSz="914400" rtl="0" eaLnBrk="1" latinLnBrk="0" hangingPunct="1">
+        <a:lnSpc>
+          <a:spcPct val="90000"/>
+        </a:lnSpc>
         <a:spcBef>
-          <a:spcPct val="20000"/>
+          <a:spcPts val="500"/>
         </a:spcBef>
-        <a:spcAft>
-          <a:spcPts val="600"/>
-        </a:spcAft>
-        <a:buClr>
-          <a:schemeClr val="accent1">
-            <a:lumMod val="75000"/>
-          </a:schemeClr>
-        </a:buClr>
-        <a:buSzPct val="145000"/>
-        <a:buFont typeface="Arial"/>
+        <a:buFont typeface="Arial" panose="020B0604020202020204" pitchFamily="34" charset="0"/>
         <a:buChar char="•"/>
-        <a:defRPr sz="1400" kern="1200" cap="none">
+        <a:defRPr sz="1800" kern="1200">
           <a:solidFill>
             <a:schemeClr val="tx1"/>
           </a:solidFill>
-          <a:effectLst/>
           <a:latin typeface="+mn-lt"/>
           <a:ea typeface="+mn-ea"/>
           <a:cs typeface="+mn-cs"/>
         </a:defRPr>
       </a:lvl8pPr>
-      <a:lvl9pPr marL="3886200" indent="-228600" algn="l" defTabSz="457200" rtl="0" eaLnBrk="1" latinLnBrk="0" hangingPunct="1">
+      <a:lvl9pPr marL="3886200" indent="-228600" algn="l" defTabSz="914400" rtl="0" eaLnBrk="1" latinLnBrk="0" hangingPunct="1">
+        <a:lnSpc>
+          <a:spcPct val="90000"/>
+        </a:lnSpc>
         <a:spcBef>
-          <a:spcPct val="20000"/>
+          <a:spcPts val="500"/>
         </a:spcBef>
-        <a:spcAft>
-          <a:spcPts val="600"/>
-        </a:spcAft>
-        <a:buClr>
-          <a:schemeClr val="accent1">
-            <a:lumMod val="75000"/>
-          </a:schemeClr>
-        </a:buClr>
-        <a:buSzPct val="145000"/>
-        <a:buFont typeface="Arial"/>
+        <a:buFont typeface="Arial" panose="020B0604020202020204" pitchFamily="34" charset="0"/>
         <a:buChar char="•"/>
-        <a:defRPr sz="1400" kern="1200" cap="none">
+        <a:defRPr sz="1800" kern="1200">
           <a:solidFill>
             <a:schemeClr val="tx1"/>
           </a:solidFill>
-          <a:effectLst/>
           <a:latin typeface="+mn-lt"/>
           <a:ea typeface="+mn-ea"/>
           <a:cs typeface="+mn-cs"/>
@@ -6024,9 +3281,9 @@
     </p:bodyStyle>
     <p:otherStyle>
       <a:defPPr>
-        <a:defRPr lang="en-US"/>
+        <a:defRPr lang="de-DE"/>
       </a:defPPr>
-      <a:lvl1pPr marL="0" algn="l" defTabSz="457200" rtl="0" eaLnBrk="1" latinLnBrk="0" hangingPunct="1">
+      <a:lvl1pPr marL="0" algn="l" defTabSz="914400" rtl="0" eaLnBrk="1" latinLnBrk="0" hangingPunct="1">
         <a:defRPr sz="1800" kern="1200">
           <a:solidFill>
             <a:schemeClr val="tx1"/>
@@ -6036,7 +3293,7 @@
           <a:cs typeface="+mn-cs"/>
         </a:defRPr>
       </a:lvl1pPr>
-      <a:lvl2pPr marL="457200" algn="l" defTabSz="457200" rtl="0" eaLnBrk="1" latinLnBrk="0" hangingPunct="1">
+      <a:lvl2pPr marL="457200" algn="l" defTabSz="914400" rtl="0" eaLnBrk="1" latinLnBrk="0" hangingPunct="1">
         <a:defRPr sz="1800" kern="1200">
           <a:solidFill>
             <a:schemeClr val="tx1"/>
@@ -6046,7 +3303,7 @@
           <a:cs typeface="+mn-cs"/>
         </a:defRPr>
       </a:lvl2pPr>
-      <a:lvl3pPr marL="914400" algn="l" defTabSz="457200" rtl="0" eaLnBrk="1" latinLnBrk="0" hangingPunct="1">
+      <a:lvl3pPr marL="914400" algn="l" defTabSz="914400" rtl="0" eaLnBrk="1" latinLnBrk="0" hangingPunct="1">
         <a:defRPr sz="1800" kern="1200">
           <a:solidFill>
             <a:schemeClr val="tx1"/>
@@ -6056,7 +3313,7 @@
           <a:cs typeface="+mn-cs"/>
         </a:defRPr>
       </a:lvl3pPr>
-      <a:lvl4pPr marL="1371600" algn="l" defTabSz="457200" rtl="0" eaLnBrk="1" latinLnBrk="0" hangingPunct="1">
+      <a:lvl4pPr marL="1371600" algn="l" defTabSz="914400" rtl="0" eaLnBrk="1" latinLnBrk="0" hangingPunct="1">
         <a:defRPr sz="1800" kern="1200">
           <a:solidFill>
             <a:schemeClr val="tx1"/>
@@ -6066,7 +3323,7 @@
           <a:cs typeface="+mn-cs"/>
         </a:defRPr>
       </a:lvl4pPr>
-      <a:lvl5pPr marL="1828800" algn="l" defTabSz="457200" rtl="0" eaLnBrk="1" latinLnBrk="0" hangingPunct="1">
+      <a:lvl5pPr marL="1828800" algn="l" defTabSz="914400" rtl="0" eaLnBrk="1" latinLnBrk="0" hangingPunct="1">
         <a:defRPr sz="1800" kern="1200">
           <a:solidFill>
             <a:schemeClr val="tx1"/>
@@ -6076,7 +3333,7 @@
           <a:cs typeface="+mn-cs"/>
         </a:defRPr>
       </a:lvl5pPr>
-      <a:lvl6pPr marL="2286000" algn="l" defTabSz="457200" rtl="0" eaLnBrk="1" latinLnBrk="0" hangingPunct="1">
+      <a:lvl6pPr marL="2286000" algn="l" defTabSz="914400" rtl="0" eaLnBrk="1" latinLnBrk="0" hangingPunct="1">
         <a:defRPr sz="1800" kern="1200">
           <a:solidFill>
             <a:schemeClr val="tx1"/>
@@ -6086,7 +3343,7 @@
           <a:cs typeface="+mn-cs"/>
         </a:defRPr>
       </a:lvl6pPr>
-      <a:lvl7pPr marL="2743200" algn="l" defTabSz="457200" rtl="0" eaLnBrk="1" latinLnBrk="0" hangingPunct="1">
+      <a:lvl7pPr marL="2743200" algn="l" defTabSz="914400" rtl="0" eaLnBrk="1" latinLnBrk="0" hangingPunct="1">
         <a:defRPr sz="1800" kern="1200">
           <a:solidFill>
             <a:schemeClr val="tx1"/>
@@ -6096,7 +3353,7 @@
           <a:cs typeface="+mn-cs"/>
         </a:defRPr>
       </a:lvl7pPr>
-      <a:lvl8pPr marL="3200400" algn="l" defTabSz="457200" rtl="0" eaLnBrk="1" latinLnBrk="0" hangingPunct="1">
+      <a:lvl8pPr marL="3200400" algn="l" defTabSz="914400" rtl="0" eaLnBrk="1" latinLnBrk="0" hangingPunct="1">
         <a:defRPr sz="1800" kern="1200">
           <a:solidFill>
             <a:schemeClr val="tx1"/>
@@ -6106,7 +3363,7 @@
           <a:cs typeface="+mn-cs"/>
         </a:defRPr>
       </a:lvl8pPr>
-      <a:lvl9pPr marL="3657600" algn="l" defTabSz="457200" rtl="0" eaLnBrk="1" latinLnBrk="0" hangingPunct="1">
+      <a:lvl9pPr marL="3657600" algn="l" defTabSz="914400" rtl="0" eaLnBrk="1" latinLnBrk="0" hangingPunct="1">
         <a:defRPr sz="1800" kern="1200">
           <a:solidFill>
             <a:schemeClr val="tx1"/>
@@ -6207,72 +3464,72 @@
           <a:lstStyle/>
           <a:p>
             <a:r>
-              <a:rPr lang="en-US" b="1"/>
+              <a:rPr lang="en-US" b="1" dirty="0"/>
               <a:t>Intern </a:t>
             </a:r>
           </a:p>
           <a:p>
             <a:r>
-              <a:rPr lang="en-US"/>
+              <a:rPr lang="en-US" dirty="0"/>
               <a:t>Was:</a:t>
             </a:r>
           </a:p>
           <a:p>
             <a:r>
-              <a:rPr lang="en-US"/>
+              <a:rPr lang="en-US" dirty="0"/>
               <a:t>- Interne </a:t>
             </a:r>
             <a:r>
-              <a:rPr lang="en-US" err="1"/>
+              <a:rPr lang="en-US" dirty="0" err="1"/>
               <a:t>Prozesse</a:t>
             </a:r>
-            <a:endParaRPr lang="en-US"/>
-          </a:p>
-          <a:p>
-            <a:r>
-              <a:rPr lang="en-US"/>
+            <a:endParaRPr lang="en-US" dirty="0"/>
+          </a:p>
+          <a:p>
+            <a:r>
+              <a:rPr lang="en-US" dirty="0"/>
               <a:t>-</a:t>
             </a:r>
             <a:r>
-              <a:rPr lang="en-US" err="1"/>
+              <a:rPr lang="en-US" dirty="0" err="1"/>
               <a:t>Aufbauorganisation</a:t>
             </a:r>
-            <a:endParaRPr lang="en-US"/>
-          </a:p>
-          <a:p>
-            <a:endParaRPr lang="en-US"/>
-          </a:p>
-          <a:p>
-            <a:r>
-              <a:rPr lang="en-US" err="1"/>
+            <a:endParaRPr lang="en-US" dirty="0"/>
+          </a:p>
+          <a:p>
+            <a:endParaRPr lang="en-US" dirty="0"/>
+          </a:p>
+          <a:p>
+            <a:r>
+              <a:rPr lang="en-US" dirty="0" err="1"/>
               <a:t>Wer</a:t>
             </a:r>
             <a:r>
-              <a:rPr lang="en-US"/>
+              <a:rPr lang="en-US" dirty="0"/>
               <a:t>:</a:t>
             </a:r>
           </a:p>
           <a:p>
             <a:r>
-              <a:rPr lang="en-US"/>
+              <a:rPr lang="en-US" dirty="0"/>
               <a:t>- </a:t>
             </a:r>
             <a:r>
-              <a:rPr lang="en-US" err="1"/>
+              <a:rPr lang="en-US" dirty="0" err="1"/>
               <a:t>Porjektteam</a:t>
             </a:r>
-            <a:endParaRPr lang="en-US"/>
-          </a:p>
-          <a:p>
-            <a:r>
-              <a:rPr lang="en-US"/>
+            <a:endParaRPr lang="en-US" dirty="0"/>
+          </a:p>
+          <a:p>
+            <a:r>
+              <a:rPr lang="en-US" dirty="0"/>
               <a:t>- </a:t>
             </a:r>
             <a:r>
-              <a:rPr lang="en-US" err="1"/>
+              <a:rPr lang="en-US" dirty="0" err="1"/>
               <a:t>Projektleiter</a:t>
             </a:r>
-            <a:endParaRPr lang="en-US"/>
+            <a:endParaRPr lang="en-US" dirty="0"/>
           </a:p>
         </p:txBody>
       </p:sp>
@@ -6308,114 +3565,114 @@
           <a:lstStyle/>
           <a:p>
             <a:r>
-              <a:rPr lang="en-US" b="1"/>
+              <a:rPr lang="en-US" b="1" dirty="0"/>
               <a:t>Extern</a:t>
             </a:r>
           </a:p>
           <a:p>
             <a:r>
-              <a:rPr lang="en-US"/>
+              <a:rPr lang="en-US" dirty="0"/>
               <a:t>Was:</a:t>
             </a:r>
           </a:p>
           <a:p>
             <a:r>
-              <a:rPr lang="en-US"/>
+              <a:rPr lang="en-US" dirty="0"/>
               <a:t>- </a:t>
             </a:r>
             <a:r>
-              <a:rPr lang="en-US" err="1"/>
+              <a:rPr lang="en-US" dirty="0" err="1"/>
               <a:t>Gesetze</a:t>
             </a:r>
-            <a:endParaRPr lang="en-US"/>
-          </a:p>
-          <a:p>
-            <a:r>
-              <a:rPr lang="en-US"/>
+            <a:endParaRPr lang="en-US" dirty="0"/>
+          </a:p>
+          <a:p>
+            <a:r>
+              <a:rPr lang="en-US" dirty="0"/>
               <a:t>- Patent</a:t>
             </a:r>
           </a:p>
           <a:p>
             <a:r>
-              <a:rPr lang="en-US"/>
+              <a:rPr lang="en-US" dirty="0"/>
               <a:t>- </a:t>
             </a:r>
             <a:r>
-              <a:rPr lang="en-US" err="1"/>
+              <a:rPr lang="en-US" dirty="0" err="1"/>
               <a:t>Vertragliche</a:t>
             </a:r>
             <a:r>
-              <a:rPr lang="en-US"/>
+              <a:rPr lang="en-US" dirty="0"/>
               <a:t> </a:t>
             </a:r>
             <a:r>
-              <a:rPr lang="en-US" err="1"/>
-              <a:t>Rechtlinie</a:t>
-            </a:r>
-            <a:endParaRPr lang="en-US"/>
-          </a:p>
-          <a:p>
-            <a:endParaRPr lang="en-US"/>
-          </a:p>
-          <a:p>
-            <a:r>
-              <a:rPr lang="en-US" err="1"/>
+              <a:rPr lang="en-US" dirty="0" err="1"/>
+              <a:t>Richtlinie</a:t>
+            </a:r>
+            <a:endParaRPr lang="en-US" dirty="0"/>
+          </a:p>
+          <a:p>
+            <a:endParaRPr lang="en-US" dirty="0"/>
+          </a:p>
+          <a:p>
+            <a:r>
+              <a:rPr lang="en-US" dirty="0" err="1"/>
               <a:t>Wer</a:t>
             </a:r>
             <a:r>
-              <a:rPr lang="en-US"/>
+              <a:rPr lang="en-US" dirty="0"/>
               <a:t>: </a:t>
             </a:r>
           </a:p>
           <a:p>
             <a:r>
-              <a:rPr lang="en-US"/>
+              <a:rPr lang="en-US" dirty="0"/>
               <a:t>- </a:t>
             </a:r>
             <a:r>
-              <a:rPr lang="en-US" err="1"/>
+              <a:rPr lang="en-US" dirty="0" err="1"/>
               <a:t>Kundengruppen</a:t>
             </a:r>
-            <a:endParaRPr lang="en-US"/>
-          </a:p>
-          <a:p>
-            <a:r>
-              <a:rPr lang="en-US"/>
+            <a:endParaRPr lang="en-US" dirty="0"/>
+          </a:p>
+          <a:p>
+            <a:r>
+              <a:rPr lang="en-US" dirty="0"/>
               <a:t>- </a:t>
             </a:r>
             <a:r>
-              <a:rPr lang="en-US" err="1"/>
+              <a:rPr lang="en-US" dirty="0" err="1"/>
               <a:t>Behörden</a:t>
             </a:r>
             <a:r>
-              <a:rPr lang="en-US"/>
+              <a:rPr lang="en-US" dirty="0"/>
               <a:t> </a:t>
             </a:r>
           </a:p>
           <a:p>
             <a:r>
-              <a:rPr lang="en-US"/>
+              <a:rPr lang="en-US" dirty="0"/>
               <a:t>- </a:t>
             </a:r>
             <a:r>
-              <a:rPr lang="en-US" err="1"/>
+              <a:rPr lang="en-US" dirty="0" err="1"/>
               <a:t>Lieferanten</a:t>
             </a:r>
             <a:r>
-              <a:rPr lang="en-US"/>
+              <a:rPr lang="en-US" dirty="0"/>
               <a:t> </a:t>
             </a:r>
           </a:p>
           <a:p>
             <a:r>
-              <a:rPr lang="en-US"/>
+              <a:rPr lang="en-US" dirty="0"/>
               <a:t>- </a:t>
             </a:r>
             <a:r>
-              <a:rPr lang="en-US" err="1"/>
+              <a:rPr lang="en-US" dirty="0" err="1"/>
               <a:t>Verbände</a:t>
             </a:r>
-            <a:endParaRPr lang="en-US"/>
+            <a:endParaRPr lang="en-US" dirty="0"/>
           </a:p>
         </p:txBody>
       </p:sp>
@@ -6913,9 +4170,10 @@
           <a:p>
             <a:pPr algn="l"/>
             <a:r>
-              <a:rPr lang="en-US" err="1"/>
-              <a:t>Versicherungsfirma</a:t>
-            </a:r>
+              <a:rPr lang="en-US" dirty="0" err="1"/>
+              <a:t>Versicherer</a:t>
+            </a:r>
+            <a:endParaRPr lang="en-US" dirty="0"/>
           </a:p>
         </p:txBody>
       </p:sp>
@@ -7151,9 +4409,10 @@
           <a:p>
             <a:pPr algn="l"/>
             <a:r>
-              <a:rPr lang="en-US" err="1"/>
-              <a:t>Markitingsfirma</a:t>
-            </a:r>
+              <a:rPr lang="en-US" dirty="0" err="1"/>
+              <a:t>Marketingfirma</a:t>
+            </a:r>
+            <a:endParaRPr lang="en-US" dirty="0"/>
           </a:p>
         </p:txBody>
       </p:sp>
@@ -8127,9 +5386,9 @@
 </file>
 
 <file path=ppt/theme/theme1.xml><?xml version="1.0" encoding="utf-8"?>
-<a:theme xmlns:a="http://schemas.openxmlformats.org/drawingml/2006/main" name="Parallax">
+<a:theme xmlns:a="http://schemas.openxmlformats.org/drawingml/2006/main" name="Office Theme">
   <a:themeElements>
-    <a:clrScheme name="Parallax">
+    <a:clrScheme name="Office">
       <a:dk1>
         <a:sysClr val="windowText" lastClr="000000"/>
       </a:dk1>
@@ -8137,48 +5396,100 @@
         <a:sysClr val="window" lastClr="FFFFFF"/>
       </a:lt1>
       <a:dk2>
-        <a:srgbClr val="212121"/>
+        <a:srgbClr val="44546A"/>
       </a:dk2>
       <a:lt2>
-        <a:srgbClr val="CDD0D1"/>
+        <a:srgbClr val="E7E6E6"/>
       </a:lt2>
       <a:accent1>
-        <a:srgbClr val="8BB434"/>
+        <a:srgbClr val="4472C4"/>
       </a:accent1>
       <a:accent2>
-        <a:srgbClr val="33A583"/>
+        <a:srgbClr val="ED7D31"/>
       </a:accent2>
       <a:accent3>
-        <a:srgbClr val="3594B4"/>
+        <a:srgbClr val="A5A5A5"/>
       </a:accent3>
       <a:accent4>
-        <a:srgbClr val="6063B4"/>
+        <a:srgbClr val="FFC000"/>
       </a:accent4>
       <a:accent5>
-        <a:srgbClr val="D35731"/>
+        <a:srgbClr val="5B9BD5"/>
       </a:accent5>
       <a:accent6>
-        <a:srgbClr val="EBAC4B"/>
+        <a:srgbClr val="70AD47"/>
       </a:accent6>
       <a:hlink>
-        <a:srgbClr val="65AD30"/>
+        <a:srgbClr val="0563C1"/>
       </a:hlink>
       <a:folHlink>
-        <a:srgbClr val="8ED25B"/>
+        <a:srgbClr val="954F72"/>
       </a:folHlink>
     </a:clrScheme>
-    <a:fontScheme name="Parallax">
+    <a:fontScheme name="Office">
       <a:majorFont>
-        <a:latin typeface="Corbel" panose="020B0503020204020204"/>
+        <a:latin typeface="Calibri Light" panose="020F0302020204030204"/>
         <a:ea typeface=""/>
         <a:cs typeface=""/>
-        <a:font script="Jpan" typeface="HGｺﾞｼｯｸM"/>
-        <a:font script="Hang" typeface="HY엽서L"/>
-        <a:font script="Hans" typeface="华文楷体"/>
+        <a:font script="Jpan" typeface="游ゴシック Light"/>
+        <a:font script="Hang" typeface="맑은 고딕"/>
+        <a:font script="Hans" typeface="等线 Light"/>
         <a:font script="Hant" typeface="新細明體"/>
-        <a:font script="Arab" typeface="Tahoma"/>
-        <a:font script="Hebr" typeface="Miriam"/>
-        <a:font script="Thai" typeface="DilleniaUPC"/>
+        <a:font script="Arab" typeface="Times New Roman"/>
+        <a:font script="Hebr" typeface="Times New Roman"/>
+        <a:font script="Thai" typeface="Angsana New"/>
+        <a:font script="Ethi" typeface="Nyala"/>
+        <a:font script="Beng" typeface="Vrinda"/>
+        <a:font script="Gujr" typeface="Shruti"/>
+        <a:font script="Khmr" typeface="MoolBoran"/>
+        <a:font script="Knda" typeface="Tunga"/>
+        <a:font script="Guru" typeface="Raavi"/>
+        <a:font script="Cans" typeface="Euphemia"/>
+        <a:font script="Cher" typeface="Plantagenet Cherokee"/>
+        <a:font script="Yiii" typeface="Microsoft Yi Baiti"/>
+        <a:font script="Tibt" typeface="Microsoft Himalaya"/>
+        <a:font script="Thaa" typeface="MV Boli"/>
+        <a:font script="Deva" typeface="Mangal"/>
+        <a:font script="Telu" typeface="Gautami"/>
+        <a:font script="Taml" typeface="Latha"/>
+        <a:font script="Syrc" typeface="Estrangelo Edessa"/>
+        <a:font script="Orya" typeface="Kalinga"/>
+        <a:font script="Mlym" typeface="Kartika"/>
+        <a:font script="Laoo" typeface="DokChampa"/>
+        <a:font script="Sinh" typeface="Iskoola Pota"/>
+        <a:font script="Mong" typeface="Mongolian Baiti"/>
+        <a:font script="Viet" typeface="Times New Roman"/>
+        <a:font script="Uigh" typeface="Microsoft Uighur"/>
+        <a:font script="Geor" typeface="Sylfaen"/>
+        <a:font script="Armn" typeface="Arial"/>
+        <a:font script="Bugi" typeface="Leelawadee UI"/>
+        <a:font script="Bopo" typeface="Microsoft JhengHei"/>
+        <a:font script="Java" typeface="Javanese Text"/>
+        <a:font script="Lisu" typeface="Segoe UI"/>
+        <a:font script="Mymr" typeface="Myanmar Text"/>
+        <a:font script="Nkoo" typeface="Ebrima"/>
+        <a:font script="Olck" typeface="Nirmala UI"/>
+        <a:font script="Osma" typeface="Ebrima"/>
+        <a:font script="Phag" typeface="Phagspa"/>
+        <a:font script="Syrn" typeface="Estrangelo Edessa"/>
+        <a:font script="Syrj" typeface="Estrangelo Edessa"/>
+        <a:font script="Syre" typeface="Estrangelo Edessa"/>
+        <a:font script="Sora" typeface="Nirmala UI"/>
+        <a:font script="Tale" typeface="Microsoft Tai Le"/>
+        <a:font script="Talu" typeface="Microsoft New Tai Lue"/>
+        <a:font script="Tfng" typeface="Ebrima"/>
+      </a:majorFont>
+      <a:minorFont>
+        <a:latin typeface="Calibri" panose="020F0502020204030204"/>
+        <a:ea typeface=""/>
+        <a:cs typeface=""/>
+        <a:font script="Jpan" typeface="游ゴシック"/>
+        <a:font script="Hang" typeface="맑은 고딕"/>
+        <a:font script="Hans" typeface="等线"/>
+        <a:font script="Hant" typeface="新細明體"/>
+        <a:font script="Arab" typeface="Arial"/>
+        <a:font script="Hebr" typeface="Arial"/>
+        <a:font script="Thai" typeface="Cordia New"/>
         <a:font script="Ethi" typeface="Nyala"/>
         <a:font script="Beng" typeface="Vrinda"/>
         <a:font script="Gujr" typeface="Shruti"/>
@@ -8202,44 +5513,26 @@
         <a:font script="Viet" typeface="Arial"/>
         <a:font script="Uigh" typeface="Microsoft Uighur"/>
         <a:font script="Geor" typeface="Sylfaen"/>
-      </a:majorFont>
-      <a:minorFont>
-        <a:latin typeface="Corbel" panose="020B0503020204020204"/>
-        <a:ea typeface=""/>
-        <a:cs typeface=""/>
-        <a:font script="Jpan" typeface="HGｺﾞｼｯｸM"/>
-        <a:font script="Hang" typeface="HY엽서L"/>
-        <a:font script="Hans" typeface="华文楷体"/>
-        <a:font script="Hant" typeface="新細明體"/>
-        <a:font script="Arab" typeface="Tahoma"/>
-        <a:font script="Hebr" typeface="Miriam"/>
-        <a:font script="Thai" typeface="DilleniaUPC"/>
-        <a:font script="Ethi" typeface="Nyala"/>
-        <a:font script="Beng" typeface="Vrinda"/>
-        <a:font script="Gujr" typeface="Shruti"/>
-        <a:font script="Khmr" typeface="DaunPenh"/>
-        <a:font script="Knda" typeface="Tunga"/>
-        <a:font script="Guru" typeface="Raavi"/>
-        <a:font script="Cans" typeface="Euphemia"/>
-        <a:font script="Cher" typeface="Plantagenet Cherokee"/>
-        <a:font script="Yiii" typeface="Microsoft Yi Baiti"/>
-        <a:font script="Tibt" typeface="Microsoft Himalaya"/>
-        <a:font script="Thaa" typeface="MV Boli"/>
-        <a:font script="Deva" typeface="Mangal"/>
-        <a:font script="Telu" typeface="Gautami"/>
-        <a:font script="Taml" typeface="Latha"/>
-        <a:font script="Syrc" typeface="Estrangelo Edessa"/>
-        <a:font script="Orya" typeface="Kalinga"/>
-        <a:font script="Mlym" typeface="Kartika"/>
-        <a:font script="Laoo" typeface="DokChampa"/>
-        <a:font script="Sinh" typeface="Iskoola Pota"/>
-        <a:font script="Mong" typeface="Mongolian Baiti"/>
-        <a:font script="Viet" typeface="Arial"/>
-        <a:font script="Uigh" typeface="Microsoft Uighur"/>
-        <a:font script="Geor" typeface="Sylfaen"/>
+        <a:font script="Armn" typeface="Arial"/>
+        <a:font script="Bugi" typeface="Leelawadee UI"/>
+        <a:font script="Bopo" typeface="Microsoft JhengHei"/>
+        <a:font script="Java" typeface="Javanese Text"/>
+        <a:font script="Lisu" typeface="Segoe UI"/>
+        <a:font script="Mymr" typeface="Myanmar Text"/>
+        <a:font script="Nkoo" typeface="Ebrima"/>
+        <a:font script="Olck" typeface="Nirmala UI"/>
+        <a:font script="Osma" typeface="Ebrima"/>
+        <a:font script="Phag" typeface="Phagspa"/>
+        <a:font script="Syrn" typeface="Estrangelo Edessa"/>
+        <a:font script="Syrj" typeface="Estrangelo Edessa"/>
+        <a:font script="Syre" typeface="Estrangelo Edessa"/>
+        <a:font script="Sora" typeface="Nirmala UI"/>
+        <a:font script="Tale" typeface="Microsoft Tai Le"/>
+        <a:font script="Talu" typeface="Microsoft New Tai Lue"/>
+        <a:font script="Tfng" typeface="Ebrima"/>
       </a:minorFont>
     </a:fontScheme>
-    <a:fmtScheme name="Parallax">
+    <a:fmtScheme name="Office">
       <a:fillStyleLst>
         <a:solidFill>
           <a:schemeClr val="phClr"/>
@@ -8248,13 +5541,23 @@
           <a:gsLst>
             <a:gs pos="0">
               <a:schemeClr val="phClr">
-                <a:tint val="60000"/>
-                <a:lumMod val="104000"/>
+                <a:lumMod val="110000"/>
+                <a:satMod val="105000"/>
+                <a:tint val="67000"/>
+              </a:schemeClr>
+            </a:gs>
+            <a:gs pos="50000">
+              <a:schemeClr val="phClr">
+                <a:lumMod val="105000"/>
+                <a:satMod val="103000"/>
+                <a:tint val="73000"/>
               </a:schemeClr>
             </a:gs>
             <a:gs pos="100000">
               <a:schemeClr val="phClr">
-                <a:tint val="84000"/>
+                <a:lumMod val="105000"/>
+                <a:satMod val="109000"/>
+                <a:tint val="81000"/>
               </a:schemeClr>
             </a:gs>
           </a:gsLst>
@@ -8264,42 +5567,50 @@
           <a:gsLst>
             <a:gs pos="0">
               <a:schemeClr val="phClr">
-                <a:tint val="96000"/>
+                <a:satMod val="103000"/>
                 <a:lumMod val="102000"/>
+                <a:tint val="94000"/>
+              </a:schemeClr>
+            </a:gs>
+            <a:gs pos="50000">
+              <a:schemeClr val="phClr">
+                <a:satMod val="110000"/>
+                <a:lumMod val="100000"/>
+                <a:shade val="100000"/>
               </a:schemeClr>
             </a:gs>
             <a:gs pos="100000">
               <a:schemeClr val="phClr">
-                <a:shade val="88000"/>
-                <a:lumMod val="94000"/>
+                <a:lumMod val="99000"/>
+                <a:satMod val="120000"/>
+                <a:shade val="78000"/>
               </a:schemeClr>
             </a:gs>
           </a:gsLst>
-          <a:path path="circle">
-            <a:fillToRect l="50000" t="100000" r="100000" b="50000"/>
-          </a:path>
+          <a:lin ang="5400000" scaled="0"/>
         </a:gradFill>
       </a:fillStyleLst>
       <a:lnStyleLst>
-        <a:ln w="9525" cap="rnd" cmpd="sng" algn="ctr">
-          <a:solidFill>
-            <a:schemeClr val="phClr">
-              <a:tint val="60000"/>
-            </a:schemeClr>
-          </a:solidFill>
-          <a:prstDash val="solid"/>
-        </a:ln>
-        <a:ln w="15875" cap="rnd" cmpd="sng" algn="ctr">
+        <a:ln w="6350" cap="flat" cmpd="sng" algn="ctr">
           <a:solidFill>
             <a:schemeClr val="phClr"/>
           </a:solidFill>
           <a:prstDash val="solid"/>
+          <a:miter lim="800000"/>
         </a:ln>
-        <a:ln w="22225" cap="rnd" cmpd="sng" algn="ctr">
+        <a:ln w="12700" cap="flat" cmpd="sng" algn="ctr">
           <a:solidFill>
             <a:schemeClr val="phClr"/>
           </a:solidFill>
           <a:prstDash val="solid"/>
+          <a:miter lim="800000"/>
+        </a:ln>
+        <a:ln w="19050" cap="flat" cmpd="sng" algn="ctr">
+          <a:solidFill>
+            <a:schemeClr val="phClr"/>
+          </a:solidFill>
+          <a:prstDash val="solid"/>
+          <a:miter lim="800000"/>
         </a:ln>
       </a:lnStyleLst>
       <a:effectStyleLst>
@@ -8307,68 +5618,55 @@
           <a:effectLst/>
         </a:effectStyle>
         <a:effectStyle>
-          <a:effectLst>
-            <a:reflection blurRad="12700" stA="26000" endPos="32000" dist="12700" dir="5400000" sy="-100000" rotWithShape="0"/>
-          </a:effectLst>
+          <a:effectLst/>
         </a:effectStyle>
         <a:effectStyle>
           <a:effectLst>
-            <a:outerShdw blurRad="38100" dist="25400" dir="5400000" rotWithShape="0">
+            <a:outerShdw blurRad="57150" dist="19050" dir="5400000" algn="ctr" rotWithShape="0">
               <a:srgbClr val="000000">
-                <a:alpha val="64000"/>
+                <a:alpha val="63000"/>
               </a:srgbClr>
             </a:outerShdw>
           </a:effectLst>
-          <a:scene3d>
-            <a:camera prst="orthographicFront">
-              <a:rot lat="0" lon="0" rev="0"/>
-            </a:camera>
-            <a:lightRig rig="threePt" dir="tl">
-              <a:rot lat="0" lon="0" rev="1200000"/>
-            </a:lightRig>
-          </a:scene3d>
-          <a:sp3d>
-            <a:bevelT w="25400" h="12700"/>
-          </a:sp3d>
         </a:effectStyle>
       </a:effectStyleLst>
       <a:bgFillStyleLst>
         <a:solidFill>
           <a:schemeClr val="phClr"/>
         </a:solidFill>
+        <a:solidFill>
+          <a:schemeClr val="phClr">
+            <a:tint val="95000"/>
+            <a:satMod val="170000"/>
+          </a:schemeClr>
+        </a:solidFill>
         <a:gradFill rotWithShape="1">
           <a:gsLst>
             <a:gs pos="0">
               <a:schemeClr val="phClr">
-                <a:tint val="90000"/>
-                <a:lumMod val="110000"/>
+                <a:tint val="93000"/>
+                <a:satMod val="150000"/>
+                <a:shade val="98000"/>
+                <a:lumMod val="102000"/>
+              </a:schemeClr>
+            </a:gs>
+            <a:gs pos="50000">
+              <a:schemeClr val="phClr">
+                <a:tint val="98000"/>
+                <a:satMod val="130000"/>
+                <a:shade val="90000"/>
+                <a:lumMod val="103000"/>
               </a:schemeClr>
             </a:gs>
             <a:gs pos="100000">
               <a:schemeClr val="phClr">
-                <a:shade val="64000"/>
-                <a:lumMod val="98000"/>
+                <a:shade val="63000"/>
+                <a:satMod val="120000"/>
               </a:schemeClr>
             </a:gs>
           </a:gsLst>
           <a:lin ang="5400000" scaled="0"/>
         </a:gradFill>
-        <a:blipFill rotWithShape="1">
-          <a:blip xmlns:r="http://schemas.openxmlformats.org/officeDocument/2006/relationships" r:embed="rId1">
-            <a:duotone>
-              <a:schemeClr val="phClr">
-                <a:shade val="76000"/>
-                <a:satMod val="180000"/>
-              </a:schemeClr>
-              <a:schemeClr val="phClr">
-                <a:tint val="80000"/>
-                <a:satMod val="120000"/>
-                <a:lumMod val="180000"/>
-              </a:schemeClr>
-            </a:duotone>
-          </a:blip>
-          <a:stretch/>
-        </a:blipFill>
       </a:bgFillStyleLst>
     </a:fmtScheme>
   </a:themeElements>
@@ -8376,8 +5674,276 @@
   <a:extraClrSchemeLst/>
   <a:extLst>
     <a:ext uri="{05A4C25C-085E-4340-85A3-A5531E510DB2}">
-      <thm15:themeFamily xmlns:thm15="http://schemas.microsoft.com/office/thememl/2012/main" name="Parallax" id="{3388167B-A2EB-4685-9635-1831D9AEF8C4}" vid="{1A9F9826-882C-40B9-8F38-5A3B8CFD196D}"/>
+      <thm15:themeFamily xmlns:thm15="http://schemas.microsoft.com/office/thememl/2012/main" name="Office Theme" id="{62F939B6-93AF-4DB8-9C6B-D6C7DFDC589F}" vid="{4A3C46E8-61CC-4603-A589-7422A47A8E4A}"/>
     </a:ext>
   </a:extLst>
 </a:theme>
+</file>
+
+<file path=customXml/item1.xml><?xml version="1.0" encoding="utf-8"?>
+<ct:contentTypeSchema xmlns:ct="http://schemas.microsoft.com/office/2006/metadata/contentType" xmlns:ma="http://schemas.microsoft.com/office/2006/metadata/properties/metaAttributes" ct:_="" ma:_="" ma:contentTypeName="Document" ma:contentTypeID="0x010100302252FD5D3F394493BB302406A555D7" ma:contentTypeVersion="11" ma:contentTypeDescription="Create a new document." ma:contentTypeScope="" ma:versionID="28e715b3efdeb9ed1aee5761e0340d74">
+  <xsd:schema xmlns:xsd="http://www.w3.org/2001/XMLSchema" xmlns:xs="http://www.w3.org/2001/XMLSchema" xmlns:p="http://schemas.microsoft.com/office/2006/metadata/properties" xmlns:ns3="272d7bb6-cd5b-4f33-8ae3-e8015fdb73fb" xmlns:ns4="2f5f16af-62c1-4477-bd62-b3bd53884ca4" targetNamespace="http://schemas.microsoft.com/office/2006/metadata/properties" ma:root="true" ma:fieldsID="c53460ba978c0a81f34278b4f8e7e339" ns3:_="" ns4:_="">
+    <xsd:import namespace="272d7bb6-cd5b-4f33-8ae3-e8015fdb73fb"/>
+    <xsd:import namespace="2f5f16af-62c1-4477-bd62-b3bd53884ca4"/>
+    <xsd:element name="properties">
+      <xsd:complexType>
+        <xsd:sequence>
+          <xsd:element name="documentManagement">
+            <xsd:complexType>
+              <xsd:all>
+                <xsd:element ref="ns3:MediaServiceMetadata" minOccurs="0"/>
+                <xsd:element ref="ns3:MediaServiceFastMetadata" minOccurs="0"/>
+                <xsd:element ref="ns4:SharedWithUsers" minOccurs="0"/>
+                <xsd:element ref="ns4:SharedWithDetails" minOccurs="0"/>
+                <xsd:element ref="ns4:SharingHintHash" minOccurs="0"/>
+                <xsd:element ref="ns3:MediaServiceAutoTags" minOccurs="0"/>
+                <xsd:element ref="ns3:MediaServiceDateTaken" minOccurs="0"/>
+                <xsd:element ref="ns3:MediaServiceOCR" minOccurs="0"/>
+                <xsd:element ref="ns3:MediaServiceLocation" minOccurs="0"/>
+                <xsd:element ref="ns3:MediaServiceGenerationTime" minOccurs="0"/>
+                <xsd:element ref="ns3:MediaServiceEventHashCode" minOccurs="0"/>
+              </xsd:all>
+            </xsd:complexType>
+          </xsd:element>
+        </xsd:sequence>
+      </xsd:complexType>
+    </xsd:element>
+  </xsd:schema>
+  <xsd:schema xmlns:xsd="http://www.w3.org/2001/XMLSchema" xmlns:xs="http://www.w3.org/2001/XMLSchema" xmlns:dms="http://schemas.microsoft.com/office/2006/documentManagement/types" xmlns:pc="http://schemas.microsoft.com/office/infopath/2007/PartnerControls" targetNamespace="272d7bb6-cd5b-4f33-8ae3-e8015fdb73fb" elementFormDefault="qualified">
+    <xsd:import namespace="http://schemas.microsoft.com/office/2006/documentManagement/types"/>
+    <xsd:import namespace="http://schemas.microsoft.com/office/infopath/2007/PartnerControls"/>
+    <xsd:element name="MediaServiceMetadata" ma:index="8" nillable="true" ma:displayName="MediaServiceMetadata" ma:hidden="true" ma:internalName="MediaServiceMetadata" ma:readOnly="true">
+      <xsd:simpleType>
+        <xsd:restriction base="dms:Note"/>
+      </xsd:simpleType>
+    </xsd:element>
+    <xsd:element name="MediaServiceFastMetadata" ma:index="9" nillable="true" ma:displayName="MediaServiceFastMetadata" ma:hidden="true" ma:internalName="MediaServiceFastMetadata" ma:readOnly="true">
+      <xsd:simpleType>
+        <xsd:restriction base="dms:Note"/>
+      </xsd:simpleType>
+    </xsd:element>
+    <xsd:element name="MediaServiceAutoTags" ma:index="13" nillable="true" ma:displayName="Tags" ma:internalName="MediaServiceAutoTags" ma:readOnly="true">
+      <xsd:simpleType>
+        <xsd:restriction base="dms:Text"/>
+      </xsd:simpleType>
+    </xsd:element>
+    <xsd:element name="MediaServiceDateTaken" ma:index="14" nillable="true" ma:displayName="MediaServiceDateTaken" ma:hidden="true" ma:internalName="MediaServiceDateTaken" ma:readOnly="true">
+      <xsd:simpleType>
+        <xsd:restriction base="dms:Text"/>
+      </xsd:simpleType>
+    </xsd:element>
+    <xsd:element name="MediaServiceOCR" ma:index="15" nillable="true" ma:displayName="Extracted Text" ma:internalName="MediaServiceOCR" ma:readOnly="true">
+      <xsd:simpleType>
+        <xsd:restriction base="dms:Note">
+          <xsd:maxLength value="255"/>
+        </xsd:restriction>
+      </xsd:simpleType>
+    </xsd:element>
+    <xsd:element name="MediaServiceLocation" ma:index="16" nillable="true" ma:displayName="Location" ma:internalName="MediaServiceLocation" ma:readOnly="true">
+      <xsd:simpleType>
+        <xsd:restriction base="dms:Text"/>
+      </xsd:simpleType>
+    </xsd:element>
+    <xsd:element name="MediaServiceGenerationTime" ma:index="17" nillable="true" ma:displayName="MediaServiceGenerationTime" ma:hidden="true" ma:internalName="MediaServiceGenerationTime" ma:readOnly="true">
+      <xsd:simpleType>
+        <xsd:restriction base="dms:Text"/>
+      </xsd:simpleType>
+    </xsd:element>
+    <xsd:element name="MediaServiceEventHashCode" ma:index="18" nillable="true" ma:displayName="MediaServiceEventHashCode" ma:hidden="true" ma:internalName="MediaServiceEventHashCode" ma:readOnly="true">
+      <xsd:simpleType>
+        <xsd:restriction base="dms:Text"/>
+      </xsd:simpleType>
+    </xsd:element>
+  </xsd:schema>
+  <xsd:schema xmlns:xsd="http://www.w3.org/2001/XMLSchema" xmlns:xs="http://www.w3.org/2001/XMLSchema" xmlns:dms="http://schemas.microsoft.com/office/2006/documentManagement/types" xmlns:pc="http://schemas.microsoft.com/office/infopath/2007/PartnerControls" targetNamespace="2f5f16af-62c1-4477-bd62-b3bd53884ca4" elementFormDefault="qualified">
+    <xsd:import namespace="http://schemas.microsoft.com/office/2006/documentManagement/types"/>
+    <xsd:import namespace="http://schemas.microsoft.com/office/infopath/2007/PartnerControls"/>
+    <xsd:element name="SharedWithUsers" ma:index="10" nillable="true" ma:displayName="Shared With" ma:internalName="SharedWithUsers" ma:readOnly="true">
+      <xsd:complexType>
+        <xsd:complexContent>
+          <xsd:extension base="dms:UserMulti">
+            <xsd:sequence>
+              <xsd:element name="UserInfo" minOccurs="0" maxOccurs="unbounded">
+                <xsd:complexType>
+                  <xsd:sequence>
+                    <xsd:element name="DisplayName" type="xsd:string" minOccurs="0"/>
+                    <xsd:element name="AccountId" type="dms:UserId" minOccurs="0" nillable="true"/>
+                    <xsd:element name="AccountType" type="xsd:string" minOccurs="0"/>
+                  </xsd:sequence>
+                </xsd:complexType>
+              </xsd:element>
+            </xsd:sequence>
+          </xsd:extension>
+        </xsd:complexContent>
+      </xsd:complexType>
+    </xsd:element>
+    <xsd:element name="SharedWithDetails" ma:index="11" nillable="true" ma:displayName="Shared With Details" ma:internalName="SharedWithDetails" ma:readOnly="true">
+      <xsd:simpleType>
+        <xsd:restriction base="dms:Note">
+          <xsd:maxLength value="255"/>
+        </xsd:restriction>
+      </xsd:simpleType>
+    </xsd:element>
+    <xsd:element name="SharingHintHash" ma:index="12" nillable="true" ma:displayName="Sharing Hint Hash" ma:hidden="true" ma:internalName="SharingHintHash" ma:readOnly="true">
+      <xsd:simpleType>
+        <xsd:restriction base="dms:Text"/>
+      </xsd:simpleType>
+    </xsd:element>
+  </xsd:schema>
+  <xsd:schema xmlns="http://schemas.openxmlformats.org/package/2006/metadata/core-properties" xmlns:xsd="http://www.w3.org/2001/XMLSchema" xmlns:xsi="http://www.w3.org/2001/XMLSchema-instance" xmlns:dc="http://purl.org/dc/elements/1.1/" xmlns:dcterms="http://purl.org/dc/terms/" xmlns:odoc="http://schemas.microsoft.com/internal/obd" targetNamespace="http://schemas.openxmlformats.org/package/2006/metadata/core-properties" elementFormDefault="qualified" attributeFormDefault="unqualified" blockDefault="#all">
+    <xsd:import namespace="http://purl.org/dc/elements/1.1/" schemaLocation="http://dublincore.org/schemas/xmls/qdc/2003/04/02/dc.xsd"/>
+    <xsd:import namespace="http://purl.org/dc/terms/" schemaLocation="http://dublincore.org/schemas/xmls/qdc/2003/04/02/dcterms.xsd"/>
+    <xsd:element name="coreProperties" type="CT_coreProperties"/>
+    <xsd:complexType name="CT_coreProperties">
+      <xsd:all>
+        <xsd:element ref="dc:creator" minOccurs="0" maxOccurs="1"/>
+        <xsd:element ref="dcterms:created" minOccurs="0" maxOccurs="1"/>
+        <xsd:element ref="dc:identifier" minOccurs="0" maxOccurs="1"/>
+        <xsd:element name="contentType" minOccurs="0" maxOccurs="1" type="xsd:string" ma:index="0" ma:displayName="Content Type"/>
+        <xsd:element ref="dc:title" minOccurs="0" maxOccurs="1" ma:index="4" ma:displayName="Title"/>
+        <xsd:element ref="dc:subject" minOccurs="0" maxOccurs="1"/>
+        <xsd:element ref="dc:description" minOccurs="0" maxOccurs="1"/>
+        <xsd:element name="keywords" minOccurs="0" maxOccurs="1" type="xsd:string"/>
+        <xsd:element ref="dc:language" minOccurs="0" maxOccurs="1"/>
+        <xsd:element name="category" minOccurs="0" maxOccurs="1" type="xsd:string"/>
+        <xsd:element name="version" minOccurs="0" maxOccurs="1" type="xsd:string"/>
+        <xsd:element name="revision" minOccurs="0" maxOccurs="1" type="xsd:string">
+          <xsd:annotation>
+            <xsd:documentation>
+                        This value indicates the number of saves or revisions. The application is responsible for updating this value after each revision.
+                    </xsd:documentation>
+          </xsd:annotation>
+        </xsd:element>
+        <xsd:element name="lastModifiedBy" minOccurs="0" maxOccurs="1" type="xsd:string"/>
+        <xsd:element ref="dcterms:modified" minOccurs="0" maxOccurs="1"/>
+        <xsd:element name="contentStatus" minOccurs="0" maxOccurs="1" type="xsd:string"/>
+      </xsd:all>
+    </xsd:complexType>
+  </xsd:schema>
+  <xs:schema xmlns:pc="http://schemas.microsoft.com/office/infopath/2007/PartnerControls" xmlns:xs="http://www.w3.org/2001/XMLSchema" targetNamespace="http://schemas.microsoft.com/office/infopath/2007/PartnerControls" elementFormDefault="qualified" attributeFormDefault="unqualified">
+    <xs:element name="Person">
+      <xs:complexType>
+        <xs:sequence>
+          <xs:element ref="pc:DisplayName" minOccurs="0"/>
+          <xs:element ref="pc:AccountId" minOccurs="0"/>
+          <xs:element ref="pc:AccountType" minOccurs="0"/>
+        </xs:sequence>
+      </xs:complexType>
+    </xs:element>
+    <xs:element name="DisplayName" type="xs:string"/>
+    <xs:element name="AccountId" type="xs:string"/>
+    <xs:element name="AccountType" type="xs:string"/>
+    <xs:element name="BDCAssociatedEntity">
+      <xs:complexType>
+        <xs:sequence>
+          <xs:element ref="pc:BDCEntity" minOccurs="0" maxOccurs="unbounded"/>
+        </xs:sequence>
+        <xs:attribute ref="pc:EntityNamespace"/>
+        <xs:attribute ref="pc:EntityName"/>
+        <xs:attribute ref="pc:SystemInstanceName"/>
+        <xs:attribute ref="pc:AssociationName"/>
+      </xs:complexType>
+    </xs:element>
+    <xs:attribute name="EntityNamespace" type="xs:string"/>
+    <xs:attribute name="EntityName" type="xs:string"/>
+    <xs:attribute name="SystemInstanceName" type="xs:string"/>
+    <xs:attribute name="AssociationName" type="xs:string"/>
+    <xs:element name="BDCEntity">
+      <xs:complexType>
+        <xs:sequence>
+          <xs:element ref="pc:EntityDisplayName" minOccurs="0"/>
+          <xs:element ref="pc:EntityInstanceReference" minOccurs="0"/>
+          <xs:element ref="pc:EntityId1" minOccurs="0"/>
+          <xs:element ref="pc:EntityId2" minOccurs="0"/>
+          <xs:element ref="pc:EntityId3" minOccurs="0"/>
+          <xs:element ref="pc:EntityId4" minOccurs="0"/>
+          <xs:element ref="pc:EntityId5" minOccurs="0"/>
+        </xs:sequence>
+      </xs:complexType>
+    </xs:element>
+    <xs:element name="EntityDisplayName" type="xs:string"/>
+    <xs:element name="EntityInstanceReference" type="xs:string"/>
+    <xs:element name="EntityId1" type="xs:string"/>
+    <xs:element name="EntityId2" type="xs:string"/>
+    <xs:element name="EntityId3" type="xs:string"/>
+    <xs:element name="EntityId4" type="xs:string"/>
+    <xs:element name="EntityId5" type="xs:string"/>
+    <xs:element name="Terms">
+      <xs:complexType>
+        <xs:sequence>
+          <xs:element ref="pc:TermInfo" minOccurs="0" maxOccurs="unbounded"/>
+        </xs:sequence>
+      </xs:complexType>
+    </xs:element>
+    <xs:element name="TermInfo">
+      <xs:complexType>
+        <xs:sequence>
+          <xs:element ref="pc:TermName" minOccurs="0"/>
+          <xs:element ref="pc:TermId" minOccurs="0"/>
+        </xs:sequence>
+      </xs:complexType>
+    </xs:element>
+    <xs:element name="TermName" type="xs:string"/>
+    <xs:element name="TermId" type="xs:string"/>
+  </xs:schema>
+</ct:contentTypeSchema>
+</file>
+
+<file path=customXml/item2.xml><?xml version="1.0" encoding="utf-8"?>
+<?mso-contentType ?>
+<FormTemplates xmlns="http://schemas.microsoft.com/sharepoint/v3/contenttype/forms">
+  <Display>DocumentLibraryForm</Display>
+  <Edit>DocumentLibraryForm</Edit>
+  <New>DocumentLibraryForm</New>
+</FormTemplates>
+</file>
+
+<file path=customXml/item3.xml><?xml version="1.0" encoding="utf-8"?>
+<p:properties xmlns:p="http://schemas.microsoft.com/office/2006/metadata/properties" xmlns:xsi="http://www.w3.org/2001/XMLSchema-instance" xmlns:pc="http://schemas.microsoft.com/office/infopath/2007/PartnerControls">
+  <documentManagement/>
+</p:properties>
+</file>
+
+<file path=customXml/itemProps1.xml><?xml version="1.0" encoding="utf-8"?>
+<ds:datastoreItem xmlns:ds="http://schemas.openxmlformats.org/officeDocument/2006/customXml" ds:itemID="{266F4E6B-4231-41C0-BB38-009030A27E43}">
+  <ds:schemaRefs>
+    <ds:schemaRef ds:uri="http://schemas.microsoft.com/office/2006/metadata/contentType"/>
+    <ds:schemaRef ds:uri="http://schemas.microsoft.com/office/2006/metadata/properties/metaAttributes"/>
+    <ds:schemaRef ds:uri="http://www.w3.org/2001/XMLSchema"/>
+    <ds:schemaRef ds:uri="http://schemas.microsoft.com/office/2006/metadata/properties"/>
+    <ds:schemaRef ds:uri="272d7bb6-cd5b-4f33-8ae3-e8015fdb73fb"/>
+    <ds:schemaRef ds:uri="2f5f16af-62c1-4477-bd62-b3bd53884ca4"/>
+    <ds:schemaRef ds:uri="http://schemas.microsoft.com/office/2006/documentManagement/types"/>
+    <ds:schemaRef ds:uri="http://schemas.microsoft.com/office/infopath/2007/PartnerControls"/>
+    <ds:schemaRef ds:uri="http://schemas.openxmlformats.org/package/2006/metadata/core-properties"/>
+    <ds:schemaRef ds:uri="http://purl.org/dc/elements/1.1/"/>
+    <ds:schemaRef ds:uri="http://purl.org/dc/terms/"/>
+    <ds:schemaRef ds:uri="http://schemas.microsoft.com/internal/obd"/>
+  </ds:schemaRefs>
+</ds:datastoreItem>
+</file>
+
+<file path=customXml/itemProps2.xml><?xml version="1.0" encoding="utf-8"?>
+<ds:datastoreItem xmlns:ds="http://schemas.openxmlformats.org/officeDocument/2006/customXml" ds:itemID="{29CD91E0-65F7-41E0-867D-94B518EE17B2}">
+  <ds:schemaRefs>
+    <ds:schemaRef ds:uri="http://schemas.microsoft.com/sharepoint/v3/contenttype/forms"/>
+  </ds:schemaRefs>
+</ds:datastoreItem>
+</file>
+
+<file path=customXml/itemProps3.xml><?xml version="1.0" encoding="utf-8"?>
+<ds:datastoreItem xmlns:ds="http://schemas.openxmlformats.org/officeDocument/2006/customXml" ds:itemID="{F5B3E695-85A1-41C7-B549-F0EB442DC640}">
+  <ds:schemaRefs>
+    <ds:schemaRef ds:uri="http://schemas.microsoft.com/office/infopath/2007/PartnerControls"/>
+    <ds:schemaRef ds:uri="http://schemas.microsoft.com/office/2006/metadata/properties"/>
+    <ds:schemaRef ds:uri="2f5f16af-62c1-4477-bd62-b3bd53884ca4"/>
+    <ds:schemaRef ds:uri="http://purl.org/dc/elements/1.1/"/>
+    <ds:schemaRef ds:uri="http://www.w3.org/XML/1998/namespace"/>
+    <ds:schemaRef ds:uri="http://schemas.openxmlformats.org/package/2006/metadata/core-properties"/>
+    <ds:schemaRef ds:uri="http://purl.org/dc/dcmitype/"/>
+    <ds:schemaRef ds:uri="http://schemas.microsoft.com/office/2006/documentManagement/types"/>
+    <ds:schemaRef ds:uri="http://purl.org/dc/terms/"/>
+    <ds:schemaRef ds:uri="272d7bb6-cd5b-4f33-8ae3-e8015fdb73fb"/>
+  </ds:schemaRefs>
+</ds:datastoreItem>
 </file>